--- a/doan1.pptx
+++ b/doan1.pptx
@@ -700,7 +700,7 @@
           </a:lstStyle>
           <a:p>
             <a:r>
-              <a:rPr lang="en-US" smtClean="0"/>
+              <a:rPr lang="en-US"/>
               <a:t>Click to edit Master title style</a:t>
             </a:r>
             <a:endParaRPr lang="en-US" dirty="0"/>
@@ -820,7 +820,7 @@
           </a:lstStyle>
           <a:p>
             <a:r>
-              <a:rPr lang="en-US" smtClean="0"/>
+              <a:rPr lang="en-US"/>
               <a:t>Click to edit Master subtitle style</a:t>
             </a:r>
             <a:endParaRPr lang="en-US" dirty="0"/>
@@ -844,7 +844,7 @@
           <a:p>
             <a:fld id="{80B32669-2426-4245-A2D4-59376327847B}" type="datetimeFigureOut">
               <a:rPr lang="en-US" smtClean="0"/>
-              <a:t>8/11/2019</a:t>
+              <a:t>11/8/2019</a:t>
             </a:fld>
             <a:endParaRPr lang="en-US"/>
           </a:p>
@@ -949,7 +949,7 @@
           </a:lstStyle>
           <a:p>
             <a:r>
-              <a:rPr lang="en-US" smtClean="0"/>
+              <a:rPr lang="en-US"/>
               <a:t>Click to edit Master title style</a:t>
             </a:r>
             <a:endParaRPr lang="en-US" dirty="0"/>
@@ -1072,7 +1072,7 @@
           <a:p>
             <a:pPr lvl="0"/>
             <a:r>
-              <a:rPr lang="en-US" smtClean="0"/>
+              <a:rPr lang="en-US"/>
               <a:t>Edit Master text styles</a:t>
             </a:r>
           </a:p>
@@ -1095,7 +1095,7 @@
           <a:p>
             <a:fld id="{80B32669-2426-4245-A2D4-59376327847B}" type="datetimeFigureOut">
               <a:rPr lang="en-US" smtClean="0"/>
-              <a:t>8/11/2019</a:t>
+              <a:t>11/8/2019</a:t>
             </a:fld>
             <a:endParaRPr lang="en-US"/>
           </a:p>
@@ -1200,7 +1200,7 @@
           </a:lstStyle>
           <a:p>
             <a:r>
-              <a:rPr lang="en-US" smtClean="0"/>
+              <a:rPr lang="en-US"/>
               <a:t>Click to edit Master title style</a:t>
             </a:r>
             <a:endParaRPr lang="en-US" dirty="0"/>
@@ -1264,7 +1264,7 @@
           <a:p>
             <a:pPr lvl="0"/>
             <a:r>
-              <a:rPr lang="en-US" smtClean="0"/>
+              <a:rPr lang="en-US"/>
               <a:t>Edit Master text styles</a:t>
             </a:r>
           </a:p>
@@ -1386,7 +1386,7 @@
           <a:p>
             <a:pPr lvl="0"/>
             <a:r>
-              <a:rPr lang="en-US" smtClean="0"/>
+              <a:rPr lang="en-US"/>
               <a:t>Edit Master text styles</a:t>
             </a:r>
           </a:p>
@@ -1409,7 +1409,7 @@
           <a:p>
             <a:fld id="{80B32669-2426-4245-A2D4-59376327847B}" type="datetimeFigureOut">
               <a:rPr lang="en-US" smtClean="0"/>
-              <a:t>8/11/2019</a:t>
+              <a:t>11/8/2019</a:t>
             </a:fld>
             <a:endParaRPr lang="en-US"/>
           </a:p>
@@ -1604,7 +1604,7 @@
           </a:lstStyle>
           <a:p>
             <a:r>
-              <a:rPr lang="en-US" smtClean="0"/>
+              <a:rPr lang="en-US"/>
               <a:t>Click to edit Master title style</a:t>
             </a:r>
             <a:endParaRPr lang="en-US" dirty="0"/>
@@ -1727,7 +1727,7 @@
           <a:p>
             <a:pPr lvl="0"/>
             <a:r>
-              <a:rPr lang="en-US" smtClean="0"/>
+              <a:rPr lang="en-US"/>
               <a:t>Edit Master text styles</a:t>
             </a:r>
           </a:p>
@@ -1750,7 +1750,7 @@
           <a:p>
             <a:fld id="{80B32669-2426-4245-A2D4-59376327847B}" type="datetimeFigureOut">
               <a:rPr lang="en-US" smtClean="0"/>
-              <a:t>8/11/2019</a:t>
+              <a:t>11/8/2019</a:t>
             </a:fld>
             <a:endParaRPr lang="en-US"/>
           </a:p>
@@ -1855,7 +1855,7 @@
           </a:lstStyle>
           <a:p>
             <a:r>
-              <a:rPr lang="en-US" smtClean="0"/>
+              <a:rPr lang="en-US"/>
               <a:t>Click to edit Master title style</a:t>
             </a:r>
             <a:endParaRPr lang="en-US" dirty="0"/>
@@ -1919,7 +1919,7 @@
           <a:p>
             <a:pPr lvl="0"/>
             <a:r>
-              <a:rPr lang="en-US" smtClean="0"/>
+              <a:rPr lang="en-US"/>
               <a:t>Edit Master text styles</a:t>
             </a:r>
           </a:p>
@@ -2041,7 +2041,7 @@
           <a:p>
             <a:pPr lvl="0"/>
             <a:r>
-              <a:rPr lang="en-US" smtClean="0"/>
+              <a:rPr lang="en-US"/>
               <a:t>Edit Master text styles</a:t>
             </a:r>
           </a:p>
@@ -2064,7 +2064,7 @@
           <a:p>
             <a:fld id="{80B32669-2426-4245-A2D4-59376327847B}" type="datetimeFigureOut">
               <a:rPr lang="en-US" smtClean="0"/>
-              <a:t>8/11/2019</a:t>
+              <a:t>11/8/2019</a:t>
             </a:fld>
             <a:endParaRPr lang="en-US"/>
           </a:p>
@@ -2251,7 +2251,7 @@
           </a:lstStyle>
           <a:p>
             <a:r>
-              <a:rPr lang="en-US" smtClean="0"/>
+              <a:rPr lang="en-US"/>
               <a:t>Click to edit Master title style</a:t>
             </a:r>
             <a:endParaRPr lang="en-US" dirty="0"/>
@@ -2312,7 +2312,7 @@
           <a:p>
             <a:pPr lvl="0"/>
             <a:r>
-              <a:rPr lang="en-US" smtClean="0"/>
+              <a:rPr lang="en-US"/>
               <a:t>Edit Master text styles</a:t>
             </a:r>
           </a:p>
@@ -2434,7 +2434,7 @@
           <a:p>
             <a:pPr lvl="0"/>
             <a:r>
-              <a:rPr lang="en-US" smtClean="0"/>
+              <a:rPr lang="en-US"/>
               <a:t>Edit Master text styles</a:t>
             </a:r>
           </a:p>
@@ -2457,7 +2457,7 @@
           <a:p>
             <a:fld id="{80B32669-2426-4245-A2D4-59376327847B}" type="datetimeFigureOut">
               <a:rPr lang="en-US" smtClean="0"/>
-              <a:t>8/11/2019</a:t>
+              <a:t>11/8/2019</a:t>
             </a:fld>
             <a:endParaRPr lang="en-US"/>
           </a:p>
@@ -2551,7 +2551,7 @@
           <a:lstStyle/>
           <a:p>
             <a:r>
-              <a:rPr lang="en-US" smtClean="0"/>
+              <a:rPr lang="en-US"/>
               <a:t>Click to edit Master title style</a:t>
             </a:r>
             <a:endParaRPr lang="en-US" dirty="0"/>
@@ -2575,35 +2575,35 @@
           <a:p>
             <a:pPr lvl="0"/>
             <a:r>
-              <a:rPr lang="en-US" smtClean="0"/>
+              <a:rPr lang="en-US"/>
               <a:t>Edit Master text styles</a:t>
             </a:r>
           </a:p>
           <a:p>
             <a:pPr lvl="1"/>
             <a:r>
-              <a:rPr lang="en-US" smtClean="0"/>
+              <a:rPr lang="en-US"/>
               <a:t>Second level</a:t>
             </a:r>
           </a:p>
           <a:p>
             <a:pPr lvl="2"/>
             <a:r>
-              <a:rPr lang="en-US" smtClean="0"/>
+              <a:rPr lang="en-US"/>
               <a:t>Third level</a:t>
             </a:r>
           </a:p>
           <a:p>
             <a:pPr lvl="3"/>
             <a:r>
-              <a:rPr lang="en-US" smtClean="0"/>
+              <a:rPr lang="en-US"/>
               <a:t>Fourth level</a:t>
             </a:r>
           </a:p>
           <a:p>
             <a:pPr lvl="4"/>
             <a:r>
-              <a:rPr lang="en-US" smtClean="0"/>
+              <a:rPr lang="en-US"/>
               <a:t>Fifth level</a:t>
             </a:r>
             <a:endParaRPr lang="en-US" dirty="0"/>
@@ -2627,7 +2627,7 @@
           <a:p>
             <a:fld id="{80B32669-2426-4245-A2D4-59376327847B}" type="datetimeFigureOut">
               <a:rPr lang="en-US" smtClean="0"/>
-              <a:t>8/11/2019</a:t>
+              <a:t>11/8/2019</a:t>
             </a:fld>
             <a:endParaRPr lang="en-US"/>
           </a:p>
@@ -2726,7 +2726,7 @@
           <a:lstStyle/>
           <a:p>
             <a:r>
-              <a:rPr lang="en-US" smtClean="0"/>
+              <a:rPr lang="en-US"/>
               <a:t>Click to edit Master title style</a:t>
             </a:r>
             <a:endParaRPr lang="en-US" dirty="0"/>
@@ -2755,35 +2755,35 @@
           <a:p>
             <a:pPr lvl="0"/>
             <a:r>
-              <a:rPr lang="en-US" smtClean="0"/>
+              <a:rPr lang="en-US"/>
               <a:t>Edit Master text styles</a:t>
             </a:r>
           </a:p>
           <a:p>
             <a:pPr lvl="1"/>
             <a:r>
-              <a:rPr lang="en-US" smtClean="0"/>
+              <a:rPr lang="en-US"/>
               <a:t>Second level</a:t>
             </a:r>
           </a:p>
           <a:p>
             <a:pPr lvl="2"/>
             <a:r>
-              <a:rPr lang="en-US" smtClean="0"/>
+              <a:rPr lang="en-US"/>
               <a:t>Third level</a:t>
             </a:r>
           </a:p>
           <a:p>
             <a:pPr lvl="3"/>
             <a:r>
-              <a:rPr lang="en-US" smtClean="0"/>
+              <a:rPr lang="en-US"/>
               <a:t>Fourth level</a:t>
             </a:r>
           </a:p>
           <a:p>
             <a:pPr lvl="4"/>
             <a:r>
-              <a:rPr lang="en-US" smtClean="0"/>
+              <a:rPr lang="en-US"/>
               <a:t>Fifth level</a:t>
             </a:r>
             <a:endParaRPr lang="en-US" dirty="0"/>
@@ -2807,7 +2807,7 @@
           <a:p>
             <a:fld id="{80B32669-2426-4245-A2D4-59376327847B}" type="datetimeFigureOut">
               <a:rPr lang="en-US" smtClean="0"/>
-              <a:t>8/11/2019</a:t>
+              <a:t>11/8/2019</a:t>
             </a:fld>
             <a:endParaRPr lang="en-US"/>
           </a:p>
@@ -2907,7 +2907,7 @@
           </a:lstStyle>
           <a:p>
             <a:r>
-              <a:rPr lang="en-US" smtClean="0"/>
+              <a:rPr lang="en-US"/>
               <a:t>Click to edit Master title style</a:t>
             </a:r>
             <a:endParaRPr lang="en-US" dirty="0"/>
@@ -2931,35 +2931,35 @@
           <a:p>
             <a:pPr lvl="0"/>
             <a:r>
-              <a:rPr lang="en-US" smtClean="0"/>
+              <a:rPr lang="en-US"/>
               <a:t>Edit Master text styles</a:t>
             </a:r>
           </a:p>
           <a:p>
             <a:pPr lvl="1"/>
             <a:r>
-              <a:rPr lang="en-US" smtClean="0"/>
+              <a:rPr lang="en-US"/>
               <a:t>Second level</a:t>
             </a:r>
           </a:p>
           <a:p>
             <a:pPr lvl="2"/>
             <a:r>
-              <a:rPr lang="en-US" smtClean="0"/>
+              <a:rPr lang="en-US"/>
               <a:t>Third level</a:t>
             </a:r>
           </a:p>
           <a:p>
             <a:pPr lvl="3"/>
             <a:r>
-              <a:rPr lang="en-US" smtClean="0"/>
+              <a:rPr lang="en-US"/>
               <a:t>Fourth level</a:t>
             </a:r>
           </a:p>
           <a:p>
             <a:pPr lvl="4"/>
             <a:r>
-              <a:rPr lang="en-US" smtClean="0"/>
+              <a:rPr lang="en-US"/>
               <a:t>Fifth level</a:t>
             </a:r>
             <a:endParaRPr lang="en-US" dirty="0"/>
@@ -2983,7 +2983,7 @@
           <a:p>
             <a:fld id="{80B32669-2426-4245-A2D4-59376327847B}" type="datetimeFigureOut">
               <a:rPr lang="en-US" smtClean="0"/>
-              <a:t>8/11/2019</a:t>
+              <a:t>11/8/2019</a:t>
             </a:fld>
             <a:endParaRPr lang="en-US"/>
           </a:p>
@@ -3086,7 +3086,7 @@
           </a:lstStyle>
           <a:p>
             <a:r>
-              <a:rPr lang="en-US" smtClean="0"/>
+              <a:rPr lang="en-US"/>
               <a:t>Click to edit Master title style</a:t>
             </a:r>
             <a:endParaRPr lang="en-US" dirty="0"/>
@@ -3207,7 +3207,7 @@
           <a:p>
             <a:pPr lvl="0"/>
             <a:r>
-              <a:rPr lang="en-US" smtClean="0"/>
+              <a:rPr lang="en-US"/>
               <a:t>Edit Master text styles</a:t>
             </a:r>
           </a:p>
@@ -3230,7 +3230,7 @@
           <a:p>
             <a:fld id="{80B32669-2426-4245-A2D4-59376327847B}" type="datetimeFigureOut">
               <a:rPr lang="en-US" smtClean="0"/>
-              <a:t>8/11/2019</a:t>
+              <a:t>11/8/2019</a:t>
             </a:fld>
             <a:endParaRPr lang="en-US"/>
           </a:p>
@@ -3324,7 +3324,7 @@
           <a:lstStyle/>
           <a:p>
             <a:r>
-              <a:rPr lang="en-US" smtClean="0"/>
+              <a:rPr lang="en-US"/>
               <a:t>Click to edit Master title style</a:t>
             </a:r>
             <a:endParaRPr lang="en-US" dirty="0"/>
@@ -3353,35 +3353,35 @@
           <a:p>
             <a:pPr lvl="0"/>
             <a:r>
-              <a:rPr lang="en-US" smtClean="0"/>
+              <a:rPr lang="en-US"/>
               <a:t>Edit Master text styles</a:t>
             </a:r>
           </a:p>
           <a:p>
             <a:pPr lvl="1"/>
             <a:r>
-              <a:rPr lang="en-US" smtClean="0"/>
+              <a:rPr lang="en-US"/>
               <a:t>Second level</a:t>
             </a:r>
           </a:p>
           <a:p>
             <a:pPr lvl="2"/>
             <a:r>
-              <a:rPr lang="en-US" smtClean="0"/>
+              <a:rPr lang="en-US"/>
               <a:t>Third level</a:t>
             </a:r>
           </a:p>
           <a:p>
             <a:pPr lvl="3"/>
             <a:r>
-              <a:rPr lang="en-US" smtClean="0"/>
+              <a:rPr lang="en-US"/>
               <a:t>Fourth level</a:t>
             </a:r>
           </a:p>
           <a:p>
             <a:pPr lvl="4"/>
             <a:r>
-              <a:rPr lang="en-US" smtClean="0"/>
+              <a:rPr lang="en-US"/>
               <a:t>Fifth level</a:t>
             </a:r>
             <a:endParaRPr lang="en-US" dirty="0"/>
@@ -3410,35 +3410,35 @@
           <a:p>
             <a:pPr lvl="0"/>
             <a:r>
-              <a:rPr lang="en-US" smtClean="0"/>
+              <a:rPr lang="en-US"/>
               <a:t>Edit Master text styles</a:t>
             </a:r>
           </a:p>
           <a:p>
             <a:pPr lvl="1"/>
             <a:r>
-              <a:rPr lang="en-US" smtClean="0"/>
+              <a:rPr lang="en-US"/>
               <a:t>Second level</a:t>
             </a:r>
           </a:p>
           <a:p>
             <a:pPr lvl="2"/>
             <a:r>
-              <a:rPr lang="en-US" smtClean="0"/>
+              <a:rPr lang="en-US"/>
               <a:t>Third level</a:t>
             </a:r>
           </a:p>
           <a:p>
             <a:pPr lvl="3"/>
             <a:r>
-              <a:rPr lang="en-US" smtClean="0"/>
+              <a:rPr lang="en-US"/>
               <a:t>Fourth level</a:t>
             </a:r>
           </a:p>
           <a:p>
             <a:pPr lvl="4"/>
             <a:r>
-              <a:rPr lang="en-US" smtClean="0"/>
+              <a:rPr lang="en-US"/>
               <a:t>Fifth level</a:t>
             </a:r>
             <a:endParaRPr lang="en-US" dirty="0"/>
@@ -3462,7 +3462,7 @@
           <a:p>
             <a:fld id="{80B32669-2426-4245-A2D4-59376327847B}" type="datetimeFigureOut">
               <a:rPr lang="en-US" smtClean="0"/>
-              <a:t>8/11/2019</a:t>
+              <a:t>11/8/2019</a:t>
             </a:fld>
             <a:endParaRPr lang="en-US"/>
           </a:p>
@@ -3560,7 +3560,7 @@
           </a:lstStyle>
           <a:p>
             <a:r>
-              <a:rPr lang="en-US" smtClean="0"/>
+              <a:rPr lang="en-US"/>
               <a:t>Click to edit Master title style</a:t>
             </a:r>
             <a:endParaRPr lang="en-US" dirty="0"/>
@@ -3628,7 +3628,7 @@
           <a:p>
             <a:pPr lvl="0"/>
             <a:r>
-              <a:rPr lang="en-US" smtClean="0"/>
+              <a:rPr lang="en-US"/>
               <a:t>Edit Master text styles</a:t>
             </a:r>
           </a:p>
@@ -3658,35 +3658,35 @@
           <a:p>
             <a:pPr lvl="0"/>
             <a:r>
-              <a:rPr lang="en-US" smtClean="0"/>
+              <a:rPr lang="en-US"/>
               <a:t>Edit Master text styles</a:t>
             </a:r>
           </a:p>
           <a:p>
             <a:pPr lvl="1"/>
             <a:r>
-              <a:rPr lang="en-US" smtClean="0"/>
+              <a:rPr lang="en-US"/>
               <a:t>Second level</a:t>
             </a:r>
           </a:p>
           <a:p>
             <a:pPr lvl="2"/>
             <a:r>
-              <a:rPr lang="en-US" smtClean="0"/>
+              <a:rPr lang="en-US"/>
               <a:t>Third level</a:t>
             </a:r>
           </a:p>
           <a:p>
             <a:pPr lvl="3"/>
             <a:r>
-              <a:rPr lang="en-US" smtClean="0"/>
+              <a:rPr lang="en-US"/>
               <a:t>Fourth level</a:t>
             </a:r>
           </a:p>
           <a:p>
             <a:pPr lvl="4"/>
             <a:r>
-              <a:rPr lang="en-US" smtClean="0"/>
+              <a:rPr lang="en-US"/>
               <a:t>Fifth level</a:t>
             </a:r>
             <a:endParaRPr lang="en-US" dirty="0"/>
@@ -3754,7 +3754,7 @@
           <a:p>
             <a:pPr lvl="0"/>
             <a:r>
-              <a:rPr lang="en-US" smtClean="0"/>
+              <a:rPr lang="en-US"/>
               <a:t>Edit Master text styles</a:t>
             </a:r>
           </a:p>
@@ -3784,35 +3784,35 @@
           <a:p>
             <a:pPr lvl="0"/>
             <a:r>
-              <a:rPr lang="en-US" smtClean="0"/>
+              <a:rPr lang="en-US"/>
               <a:t>Edit Master text styles</a:t>
             </a:r>
           </a:p>
           <a:p>
             <a:pPr lvl="1"/>
             <a:r>
-              <a:rPr lang="en-US" smtClean="0"/>
+              <a:rPr lang="en-US"/>
               <a:t>Second level</a:t>
             </a:r>
           </a:p>
           <a:p>
             <a:pPr lvl="2"/>
             <a:r>
-              <a:rPr lang="en-US" smtClean="0"/>
+              <a:rPr lang="en-US"/>
               <a:t>Third level</a:t>
             </a:r>
           </a:p>
           <a:p>
             <a:pPr lvl="3"/>
             <a:r>
-              <a:rPr lang="en-US" smtClean="0"/>
+              <a:rPr lang="en-US"/>
               <a:t>Fourth level</a:t>
             </a:r>
           </a:p>
           <a:p>
             <a:pPr lvl="4"/>
             <a:r>
-              <a:rPr lang="en-US" smtClean="0"/>
+              <a:rPr lang="en-US"/>
               <a:t>Fifth level</a:t>
             </a:r>
             <a:endParaRPr lang="en-US" dirty="0"/>
@@ -3836,7 +3836,7 @@
           <a:p>
             <a:fld id="{80B32669-2426-4245-A2D4-59376327847B}" type="datetimeFigureOut">
               <a:rPr lang="en-US" smtClean="0"/>
-              <a:t>8/11/2019</a:t>
+              <a:t>11/8/2019</a:t>
             </a:fld>
             <a:endParaRPr lang="en-US"/>
           </a:p>
@@ -3935,7 +3935,7 @@
           <a:lstStyle/>
           <a:p>
             <a:r>
-              <a:rPr lang="en-US" smtClean="0"/>
+              <a:rPr lang="en-US"/>
               <a:t>Click to edit Master title style</a:t>
             </a:r>
             <a:endParaRPr lang="en-US" dirty="0"/>
@@ -3959,7 +3959,7 @@
           <a:p>
             <a:fld id="{80B32669-2426-4245-A2D4-59376327847B}" type="datetimeFigureOut">
               <a:rPr lang="en-US" smtClean="0"/>
-              <a:t>8/11/2019</a:t>
+              <a:t>11/8/2019</a:t>
             </a:fld>
             <a:endParaRPr lang="en-US"/>
           </a:p>
@@ -4054,7 +4054,7 @@
           <a:p>
             <a:fld id="{80B32669-2426-4245-A2D4-59376327847B}" type="datetimeFigureOut">
               <a:rPr lang="en-US" smtClean="0"/>
-              <a:t>8/11/2019</a:t>
+              <a:t>11/8/2019</a:t>
             </a:fld>
             <a:endParaRPr lang="en-US"/>
           </a:p>
@@ -4159,7 +4159,7 @@
           </a:lstStyle>
           <a:p>
             <a:r>
-              <a:rPr lang="en-US" smtClean="0"/>
+              <a:rPr lang="en-US"/>
               <a:t>Click to edit Master title style</a:t>
             </a:r>
             <a:endParaRPr lang="en-US" dirty="0"/>
@@ -4190,35 +4190,35 @@
           <a:p>
             <a:pPr lvl="0"/>
             <a:r>
-              <a:rPr lang="en-US" smtClean="0"/>
+              <a:rPr lang="en-US"/>
               <a:t>Edit Master text styles</a:t>
             </a:r>
           </a:p>
           <a:p>
             <a:pPr lvl="1"/>
             <a:r>
-              <a:rPr lang="en-US" smtClean="0"/>
+              <a:rPr lang="en-US"/>
               <a:t>Second level</a:t>
             </a:r>
           </a:p>
           <a:p>
             <a:pPr lvl="2"/>
             <a:r>
-              <a:rPr lang="en-US" smtClean="0"/>
+              <a:rPr lang="en-US"/>
               <a:t>Third level</a:t>
             </a:r>
           </a:p>
           <a:p>
             <a:pPr lvl="3"/>
             <a:r>
-              <a:rPr lang="en-US" smtClean="0"/>
+              <a:rPr lang="en-US"/>
               <a:t>Fourth level</a:t>
             </a:r>
           </a:p>
           <a:p>
             <a:pPr lvl="4"/>
             <a:r>
-              <a:rPr lang="en-US" smtClean="0"/>
+              <a:rPr lang="en-US"/>
               <a:t>Fifth level</a:t>
             </a:r>
             <a:endParaRPr lang="en-US" dirty="0"/>
@@ -4286,7 +4286,7 @@
           <a:p>
             <a:pPr lvl="0"/>
             <a:r>
-              <a:rPr lang="en-US" smtClean="0"/>
+              <a:rPr lang="en-US"/>
               <a:t>Edit Master text styles</a:t>
             </a:r>
           </a:p>
@@ -4309,7 +4309,7 @@
           <a:p>
             <a:fld id="{80B32669-2426-4245-A2D4-59376327847B}" type="datetimeFigureOut">
               <a:rPr lang="en-US" smtClean="0"/>
-              <a:t>8/11/2019</a:t>
+              <a:t>11/8/2019</a:t>
             </a:fld>
             <a:endParaRPr lang="en-US"/>
           </a:p>
@@ -4414,7 +4414,7 @@
           </a:lstStyle>
           <a:p>
             <a:r>
-              <a:rPr lang="en-US" smtClean="0"/>
+              <a:rPr lang="en-US"/>
               <a:t>Click to edit Master title style</a:t>
             </a:r>
             <a:endParaRPr lang="en-US" dirty="0"/>
@@ -4481,7 +4481,7 @@
           </a:lstStyle>
           <a:p>
             <a:r>
-              <a:rPr lang="en-US" smtClean="0"/>
+              <a:rPr lang="en-US"/>
               <a:t>Click icon to add picture</a:t>
             </a:r>
             <a:endParaRPr lang="en-US" dirty="0"/>
@@ -4549,7 +4549,7 @@
           <a:p>
             <a:pPr lvl="0"/>
             <a:r>
-              <a:rPr lang="en-US" smtClean="0"/>
+              <a:rPr lang="en-US"/>
               <a:t>Edit Master text styles</a:t>
             </a:r>
           </a:p>
@@ -4572,7 +4572,7 @@
           <a:p>
             <a:fld id="{80B32669-2426-4245-A2D4-59376327847B}" type="datetimeFigureOut">
               <a:rPr lang="en-US" smtClean="0"/>
-              <a:t>8/11/2019</a:t>
+              <a:t>11/8/2019</a:t>
             </a:fld>
             <a:endParaRPr lang="en-US"/>
           </a:p>
@@ -5211,7 +5211,7 @@
           <a:lstStyle/>
           <a:p>
             <a:r>
-              <a:rPr lang="en-US" smtClean="0"/>
+              <a:rPr lang="en-US"/>
               <a:t>Click to edit Master title style</a:t>
             </a:r>
             <a:endParaRPr lang="en-US" dirty="0"/>
@@ -5245,35 +5245,35 @@
           <a:p>
             <a:pPr lvl="0"/>
             <a:r>
-              <a:rPr lang="en-US" smtClean="0"/>
+              <a:rPr lang="en-US"/>
               <a:t>Edit Master text styles</a:t>
             </a:r>
           </a:p>
           <a:p>
             <a:pPr lvl="1"/>
             <a:r>
-              <a:rPr lang="en-US" smtClean="0"/>
+              <a:rPr lang="en-US"/>
               <a:t>Second level</a:t>
             </a:r>
           </a:p>
           <a:p>
             <a:pPr lvl="2"/>
             <a:r>
-              <a:rPr lang="en-US" smtClean="0"/>
+              <a:rPr lang="en-US"/>
               <a:t>Third level</a:t>
             </a:r>
           </a:p>
           <a:p>
             <a:pPr lvl="3"/>
             <a:r>
-              <a:rPr lang="en-US" smtClean="0"/>
+              <a:rPr lang="en-US"/>
               <a:t>Fourth level</a:t>
             </a:r>
           </a:p>
           <a:p>
             <a:pPr lvl="4"/>
             <a:r>
-              <a:rPr lang="en-US" smtClean="0"/>
+              <a:rPr lang="en-US"/>
               <a:t>Fifth level</a:t>
             </a:r>
             <a:endParaRPr lang="en-US" dirty="0"/>
@@ -5315,7 +5315,7 @@
           <a:p>
             <a:fld id="{80B32669-2426-4245-A2D4-59376327847B}" type="datetimeFigureOut">
               <a:rPr lang="en-US" smtClean="0"/>
-              <a:t>8/11/2019</a:t>
+              <a:t>11/8/2019</a:t>
             </a:fld>
             <a:endParaRPr lang="en-US"/>
           </a:p>
@@ -5839,36 +5839,6 @@
           <a:chExt cx="0" cy="0"/>
         </a:xfrm>
       </p:grpSpPr>
-      <p:pic>
-        <p:nvPicPr>
-          <p:cNvPr id="5" name="Picture 4"/>
-          <p:cNvPicPr>
-            <a:picLocks noChangeAspect="1"/>
-          </p:cNvPicPr>
-          <p:nvPr/>
-        </p:nvPicPr>
-        <p:blipFill>
-          <a:blip r:embed="rId2">
-            <a:extLst>
-              <a:ext uri="{28A0092B-C50C-407E-A947-70E740481C1C}">
-                <a14:useLocalDpi xmlns:a14="http://schemas.microsoft.com/office/drawing/2010/main" val="0"/>
-              </a:ext>
-            </a:extLst>
-          </a:blip>
-          <a:stretch>
-            <a:fillRect/>
-          </a:stretch>
-        </p:blipFill>
-        <p:spPr>
-          <a:xfrm>
-            <a:off x="0" y="0"/>
-            <a:ext cx="12192000" cy="6858000"/>
-          </a:xfrm>
-          <a:prstGeom prst="rect">
-            <a:avLst/>
-          </a:prstGeom>
-        </p:spPr>
-      </p:pic>
       <p:sp>
         <p:nvSpPr>
           <p:cNvPr id="7" name="TextBox 6"/>
@@ -5877,7 +5847,7 @@
         </p:nvSpPr>
         <p:spPr>
           <a:xfrm>
-            <a:off x="1787857" y="873457"/>
+            <a:off x="902828" y="462640"/>
             <a:ext cx="8789158" cy="769441"/>
           </a:xfrm>
           <a:prstGeom prst="rect">
@@ -5893,22 +5863,24 @@
           <a:p>
             <a:pPr algn="ctr"/>
             <a:r>
-              <a:rPr lang="en-US" sz="4400" dirty="0" smtClean="0">
+              <a:rPr lang="en-US" sz="4400" b="1" dirty="0">
+                <a:ln w="22225">
+                  <a:solidFill>
+                    <a:schemeClr val="accent2"/>
+                  </a:solidFill>
+                  <a:prstDash val="solid"/>
+                </a:ln>
                 <a:solidFill>
-                  <a:srgbClr val="FF0000"/>
+                  <a:schemeClr val="accent2">
+                    <a:lumMod val="40000"/>
+                    <a:lumOff val="60000"/>
+                  </a:schemeClr>
                 </a:solidFill>
                 <a:latin typeface="Times New Roman" panose="02020603050405020304" pitchFamily="18" charset="0"/>
                 <a:cs typeface="Times New Roman" panose="02020603050405020304" pitchFamily="18" charset="0"/>
               </a:rPr>
               <a:t>ĐỒ ÁN 1: QUẢN LÝ THƯ VIỆN</a:t>
             </a:r>
-            <a:endParaRPr lang="en-US" sz="4400" dirty="0">
-              <a:solidFill>
-                <a:srgbClr val="FF0000"/>
-              </a:solidFill>
-              <a:latin typeface="Times New Roman" panose="02020603050405020304" pitchFamily="18" charset="0"/>
-              <a:cs typeface="Times New Roman" panose="02020603050405020304" pitchFamily="18" charset="0"/>
-            </a:endParaRPr>
           </a:p>
         </p:txBody>
       </p:sp>
@@ -5920,8 +5892,8 @@
         </p:nvSpPr>
         <p:spPr>
           <a:xfrm>
-            <a:off x="7754202" y="3315830"/>
-            <a:ext cx="6018663" cy="1323439"/>
+            <a:off x="902828" y="3630052"/>
+            <a:ext cx="6018663" cy="1508105"/>
           </a:xfrm>
           <a:prstGeom prst="rect">
             <a:avLst/>
@@ -5935,22 +5907,34 @@
           <a:lstStyle/>
           <a:p>
             <a:r>
-              <a:rPr lang="en-US" sz="3200" b="1" i="1" dirty="0" smtClean="0"/>
-              <a:t>  Thành viên:</a:t>
-            </a:r>
-          </a:p>
-          <a:p>
-            <a:r>
-              <a:rPr lang="en-US" sz="2400" dirty="0" smtClean="0"/>
+              <a:rPr lang="en-US" sz="3200" b="1" i="1" dirty="0"/>
+              <a:t>  </a:t>
+            </a:r>
+            <a:r>
+              <a:rPr lang="en-US" sz="3600" b="1" i="1" dirty="0">
+                <a:latin typeface="Times New Roman" panose="02020603050405020304" pitchFamily="18" charset="0"/>
+                <a:cs typeface="Times New Roman" panose="02020603050405020304" pitchFamily="18" charset="0"/>
+              </a:rPr>
+              <a:t>Thành viên:</a:t>
+            </a:r>
+          </a:p>
+          <a:p>
+            <a:r>
+              <a:rPr lang="en-US" sz="2800" dirty="0">
+                <a:latin typeface="Times New Roman" panose="02020603050405020304" pitchFamily="18" charset="0"/>
+                <a:cs typeface="Times New Roman" panose="02020603050405020304" pitchFamily="18" charset="0"/>
+              </a:rPr>
               <a:t>17110212 Lê Văn Quốc</a:t>
             </a:r>
           </a:p>
           <a:p>
             <a:r>
-              <a:rPr lang="en-US" sz="2400" dirty="0" smtClean="0"/>
+              <a:rPr lang="en-US" sz="2800" dirty="0">
+                <a:latin typeface="Times New Roman" panose="02020603050405020304" pitchFamily="18" charset="0"/>
+                <a:cs typeface="Times New Roman" panose="02020603050405020304" pitchFamily="18" charset="0"/>
+              </a:rPr>
               <a:t>17110242 Huỳnh Minh Trí</a:t>
             </a:r>
-            <a:endParaRPr lang="en-US" sz="2400" dirty="0"/>
           </a:p>
         </p:txBody>
       </p:sp>
@@ -5962,8 +5946,8 @@
         </p:nvSpPr>
         <p:spPr>
           <a:xfrm>
-            <a:off x="7754202" y="1937982"/>
-            <a:ext cx="3600735" cy="830997"/>
+            <a:off x="902828" y="2552834"/>
+            <a:ext cx="4948355" cy="1077218"/>
           </a:xfrm>
           <a:prstGeom prst="rect">
             <a:avLst/>
@@ -5977,34 +5961,28 @@
           <a:lstStyle/>
           <a:p>
             <a:r>
-              <a:rPr lang="en-US" sz="2400" dirty="0" smtClean="0">
-                <a:solidFill>
-                  <a:schemeClr val="bg1"/>
-                </a:solidFill>
-                <a:latin typeface="Times New Roman" panose="02020603050405020304" pitchFamily="18" charset="0"/>
-                <a:cs typeface="Times New Roman" panose="02020603050405020304" pitchFamily="18" charset="0"/>
-              </a:rPr>
-              <a:t>Giáo viên hướng dẫn:</a:t>
-            </a:r>
-          </a:p>
-          <a:p>
-            <a:r>
-              <a:rPr lang="en-US" sz="2400" dirty="0" smtClean="0">
-                <a:solidFill>
-                  <a:schemeClr val="bg1"/>
-                </a:solidFill>
+              <a:rPr lang="en-US" sz="3200" b="1" dirty="0" err="1">
+                <a:latin typeface="Times New Roman" panose="02020603050405020304" pitchFamily="18" charset="0"/>
+                <a:cs typeface="Times New Roman" panose="02020603050405020304" pitchFamily="18" charset="0"/>
+              </a:rPr>
+              <a:t>Giảng</a:t>
+            </a:r>
+            <a:r>
+              <a:rPr lang="en-US" sz="3200" b="1" dirty="0">
+                <a:latin typeface="Times New Roman" panose="02020603050405020304" pitchFamily="18" charset="0"/>
+                <a:cs typeface="Times New Roman" panose="02020603050405020304" pitchFamily="18" charset="0"/>
+              </a:rPr>
+              <a:t> viên hướng dẫn:</a:t>
+            </a:r>
+          </a:p>
+          <a:p>
+            <a:r>
+              <a:rPr lang="en-US" sz="3200" dirty="0">
                 <a:latin typeface="Times New Roman" panose="02020603050405020304" pitchFamily="18" charset="0"/>
                 <a:cs typeface="Times New Roman" panose="02020603050405020304" pitchFamily="18" charset="0"/>
               </a:rPr>
               <a:t>Huỳnh Xuân Phụng</a:t>
             </a:r>
-            <a:endParaRPr lang="en-US" sz="2400" dirty="0">
-              <a:solidFill>
-                <a:schemeClr val="bg1"/>
-              </a:solidFill>
-              <a:latin typeface="Times New Roman" panose="02020603050405020304" pitchFamily="18" charset="0"/>
-              <a:cs typeface="Times New Roman" panose="02020603050405020304" pitchFamily="18" charset="0"/>
-            </a:endParaRPr>
           </a:p>
         </p:txBody>
       </p:sp>
@@ -6018,271 +5996,18 @@
   <p:clrMapOvr>
     <a:masterClrMapping/>
   </p:clrMapOvr>
-  <p:timing>
-    <p:tnLst>
-      <p:par>
-        <p:cTn id="1" dur="indefinite" restart="never" nodeType="tmRoot"/>
-      </p:par>
-    </p:tnLst>
-  </p:timing>
-</p:sld>
-</file>
-
-<file path=ppt/slides/slide10.xml><?xml version="1.0" encoding="utf-8"?>
-<p:sld xmlns:a="http://schemas.openxmlformats.org/drawingml/2006/main" xmlns:r="http://schemas.openxmlformats.org/officeDocument/2006/relationships" xmlns:p="http://schemas.openxmlformats.org/presentationml/2006/main">
-  <p:cSld>
-    <p:spTree>
-      <p:nvGrpSpPr>
-        <p:cNvPr id="1" name=""/>
-        <p:cNvGrpSpPr/>
-        <p:nvPr/>
-      </p:nvGrpSpPr>
-      <p:grpSpPr>
-        <a:xfrm>
-          <a:off x="0" y="0"/>
-          <a:ext cx="0" cy="0"/>
-          <a:chOff x="0" y="0"/>
-          <a:chExt cx="0" cy="0"/>
-        </a:xfrm>
-      </p:grpSpPr>
-      <p:sp>
-        <p:nvSpPr>
-          <p:cNvPr id="2" name="TextBox 1"/>
-          <p:cNvSpPr txBox="1"/>
-          <p:nvPr/>
-        </p:nvSpPr>
-        <p:spPr>
-          <a:xfrm>
-            <a:off x="1054100" y="863600"/>
-            <a:ext cx="5575300" cy="646331"/>
-          </a:xfrm>
-          <a:prstGeom prst="rect">
-            <a:avLst/>
-          </a:prstGeom>
-          <a:noFill/>
-        </p:spPr>
-        <p:txBody>
-          <a:bodyPr wrap="square" rtlCol="0">
-            <a:spAutoFit/>
-          </a:bodyPr>
-          <a:lstStyle/>
-          <a:p>
-            <a:pPr marL="342900" indent="-342900">
-              <a:buAutoNum type="arabicPeriod"/>
-            </a:pPr>
-            <a:r>
-              <a:rPr lang="en-US" dirty="0" smtClean="0"/>
-              <a:t>Tổng quan đề tài</a:t>
-            </a:r>
-          </a:p>
-          <a:p>
-            <a:pPr marL="342900" indent="-342900">
-              <a:buAutoNum type="arabicPeriod"/>
-            </a:pPr>
-            <a:r>
-              <a:rPr lang="vi-VN" dirty="0" smtClean="0"/>
-              <a:t>Ư</a:t>
-            </a:r>
-            <a:r>
-              <a:rPr lang="en-US" dirty="0" smtClean="0"/>
-              <a:t>u điểm và nhược điểm</a:t>
-            </a:r>
-          </a:p>
-        </p:txBody>
-      </p:sp>
-      <p:sp>
-        <p:nvSpPr>
-          <p:cNvPr id="3" name="TextBox 2"/>
-          <p:cNvSpPr txBox="1"/>
-          <p:nvPr/>
-        </p:nvSpPr>
-        <p:spPr>
-          <a:xfrm>
-            <a:off x="1431233" y="1792117"/>
-            <a:ext cx="7262191" cy="369332"/>
-          </a:xfrm>
-          <a:prstGeom prst="rect">
-            <a:avLst/>
-          </a:prstGeom>
-          <a:noFill/>
-        </p:spPr>
-        <p:txBody>
-          <a:bodyPr wrap="square" rtlCol="0">
-            <a:spAutoFit/>
-          </a:bodyPr>
-          <a:lstStyle/>
-          <a:p>
-            <a:r>
-              <a:rPr lang="vi-VN" dirty="0" smtClean="0"/>
-              <a:t>Ư</a:t>
-            </a:r>
-            <a:r>
-              <a:rPr lang="en-US" dirty="0" smtClean="0"/>
-              <a:t>u điểm:</a:t>
-            </a:r>
-          </a:p>
-        </p:txBody>
-      </p:sp>
-      <p:sp>
-        <p:nvSpPr>
-          <p:cNvPr id="4" name="TextBox 3"/>
-          <p:cNvSpPr txBox="1"/>
-          <p:nvPr/>
-        </p:nvSpPr>
-        <p:spPr>
-          <a:xfrm>
-            <a:off x="1875182" y="2189226"/>
-            <a:ext cx="6374295" cy="646331"/>
-          </a:xfrm>
-          <a:prstGeom prst="rect">
-            <a:avLst/>
-          </a:prstGeom>
-          <a:noFill/>
-        </p:spPr>
-        <p:txBody>
-          <a:bodyPr wrap="square" rtlCol="0">
-            <a:spAutoFit/>
-          </a:bodyPr>
-          <a:lstStyle/>
-          <a:p>
-            <a:r>
-              <a:rPr lang="en-US" dirty="0" smtClean="0"/>
-              <a:t>- Có thể thực hiện mọi công việc cơ bản của mượn, trả, thêm sách. </a:t>
-            </a:r>
-            <a:endParaRPr lang="en-US" dirty="0"/>
-          </a:p>
-        </p:txBody>
-      </p:sp>
-      <p:sp>
-        <p:nvSpPr>
-          <p:cNvPr id="5" name="TextBox 4"/>
-          <p:cNvSpPr txBox="1"/>
-          <p:nvPr/>
-        </p:nvSpPr>
-        <p:spPr>
-          <a:xfrm>
-            <a:off x="1875182" y="3048000"/>
-            <a:ext cx="6228522" cy="646331"/>
-          </a:xfrm>
-          <a:prstGeom prst="rect">
-            <a:avLst/>
-          </a:prstGeom>
-          <a:noFill/>
-        </p:spPr>
-        <p:txBody>
-          <a:bodyPr wrap="square" rtlCol="0">
-            <a:spAutoFit/>
-          </a:bodyPr>
-          <a:lstStyle/>
-          <a:p>
-            <a:r>
-              <a:rPr lang="en-US" dirty="0" smtClean="0"/>
-              <a:t>- Rút ngắn thời gian đáng kể so với quản lý thư viện theo cách truyền thống.</a:t>
-            </a:r>
-            <a:endParaRPr lang="en-US" dirty="0"/>
-          </a:p>
-        </p:txBody>
-      </p:sp>
-      <p:sp>
-        <p:nvSpPr>
-          <p:cNvPr id="6" name="TextBox 5"/>
-          <p:cNvSpPr txBox="1"/>
-          <p:nvPr/>
-        </p:nvSpPr>
-        <p:spPr>
-          <a:xfrm>
-            <a:off x="1590261" y="3816626"/>
-            <a:ext cx="1563756" cy="369332"/>
-          </a:xfrm>
-          <a:prstGeom prst="rect">
-            <a:avLst/>
-          </a:prstGeom>
-          <a:noFill/>
-        </p:spPr>
-        <p:txBody>
-          <a:bodyPr wrap="square" rtlCol="0">
-            <a:spAutoFit/>
-          </a:bodyPr>
-          <a:lstStyle/>
-          <a:p>
-            <a:r>
-              <a:rPr lang="en-US" dirty="0" smtClean="0"/>
-              <a:t>Nhược điểm</a:t>
-            </a:r>
-            <a:endParaRPr lang="en-US" dirty="0"/>
-          </a:p>
-        </p:txBody>
-      </p:sp>
-      <p:sp>
-        <p:nvSpPr>
-          <p:cNvPr id="8" name="TextBox 7"/>
-          <p:cNvSpPr txBox="1"/>
-          <p:nvPr/>
-        </p:nvSpPr>
-        <p:spPr>
-          <a:xfrm>
-            <a:off x="1875182" y="4412974"/>
-            <a:ext cx="5956853" cy="369332"/>
-          </a:xfrm>
-          <a:prstGeom prst="rect">
-            <a:avLst/>
-          </a:prstGeom>
-          <a:noFill/>
-        </p:spPr>
-        <p:txBody>
-          <a:bodyPr wrap="square" rtlCol="0">
-            <a:spAutoFit/>
-          </a:bodyPr>
-          <a:lstStyle/>
-          <a:p>
-            <a:r>
-              <a:rPr lang="en-US" dirty="0" smtClean="0"/>
-              <a:t>- Chưa có thể in hóa đơn.</a:t>
-            </a:r>
-            <a:endParaRPr lang="en-US" dirty="0"/>
-          </a:p>
-        </p:txBody>
-      </p:sp>
-      <p:sp>
-        <p:nvSpPr>
-          <p:cNvPr id="9" name="TextBox 8"/>
-          <p:cNvSpPr txBox="1"/>
-          <p:nvPr/>
-        </p:nvSpPr>
-        <p:spPr>
-          <a:xfrm>
-            <a:off x="1875182" y="4782306"/>
-            <a:ext cx="5599044" cy="369332"/>
-          </a:xfrm>
-          <a:prstGeom prst="rect">
-            <a:avLst/>
-          </a:prstGeom>
-          <a:noFill/>
-        </p:spPr>
-        <p:txBody>
-          <a:bodyPr wrap="square" rtlCol="0">
-            <a:spAutoFit/>
-          </a:bodyPr>
-          <a:lstStyle/>
-          <a:p>
-            <a:r>
-              <a:rPr lang="en-US" dirty="0" smtClean="0"/>
-              <a:t>- Giao diện xấu, chưa thể cải thiện.</a:t>
-            </a:r>
-            <a:endParaRPr lang="en-US" dirty="0"/>
-          </a:p>
-        </p:txBody>
-      </p:sp>
-    </p:spTree>
-    <p:extLst>
-      <p:ext uri="{BB962C8B-B14F-4D97-AF65-F5344CB8AC3E}">
-        <p14:creationId xmlns:p14="http://schemas.microsoft.com/office/powerpoint/2010/main" val="1759715221"/>
-      </p:ext>
-    </p:extLst>
-  </p:cSld>
-  <p:clrMapOvr>
-    <a:masterClrMapping/>
-  </p:clrMapOvr>
+  <mc:AlternateContent xmlns:mc="http://schemas.openxmlformats.org/markup-compatibility/2006">
+    <mc:Choice xmlns:p14="http://schemas.microsoft.com/office/powerpoint/2010/main" Requires="p14">
+      <p:transition spd="slow" p14:dur="1500">
+        <p:split orient="vert"/>
+      </p:transition>
+    </mc:Choice>
+    <mc:Fallback>
+      <p:transition spd="slow">
+        <p:split orient="vert"/>
+      </p:transition>
+    </mc:Fallback>
+  </mc:AlternateContent>
   <p:timing>
     <p:tnLst>
       <p:par>
@@ -6304,7 +6029,7 @@
                             </p:stCondLst>
                             <p:childTnLst>
                               <p:par>
-                                <p:cTn id="5" presetID="10" presetClass="entr" presetSubtype="0" fill="hold" grpId="0" nodeType="clickEffect">
+                                <p:cTn id="5" presetID="6" presetClass="entr" presetSubtype="16" fill="hold" grpId="0" nodeType="clickEffect">
                                   <p:stCondLst>
                                     <p:cond delay="0"/>
                                   </p:stCondLst>
@@ -6317,7 +6042,7 @@
                                           </p:stCondLst>
                                         </p:cTn>
                                         <p:tgtEl>
-                                          <p:spTgt spid="3"/>
+                                          <p:spTgt spid="7"/>
                                         </p:tgtEl>
                                         <p:attrNameLst>
                                           <p:attrName>style.visibility</p:attrName>
@@ -6327,11 +6052,11 @@
                                         <p:strVal val="visible"/>
                                       </p:to>
                                     </p:set>
-                                    <p:animEffect transition="in" filter="fade">
+                                    <p:animEffect transition="in" filter="circle(in)">
                                       <p:cBhvr>
-                                        <p:cTn id="7" dur="500"/>
+                                        <p:cTn id="7" dur="2000"/>
                                         <p:tgtEl>
-                                          <p:spTgt spid="3"/>
+                                          <p:spTgt spid="7"/>
                                         </p:tgtEl>
                                       </p:cBhvr>
                                     </p:animEffect>
@@ -6370,7 +6095,7 @@
                                           </p:stCondLst>
                                         </p:cTn>
                                         <p:tgtEl>
-                                          <p:spTgt spid="4"/>
+                                          <p:spTgt spid="9"/>
                                         </p:tgtEl>
                                         <p:attrNameLst>
                                           <p:attrName>style.visibility</p:attrName>
@@ -6384,7 +6109,7 @@
                                       <p:cBhvr>
                                         <p:cTn id="12" dur="1000"/>
                                         <p:tgtEl>
-                                          <p:spTgt spid="4"/>
+                                          <p:spTgt spid="9"/>
                                         </p:tgtEl>
                                       </p:cBhvr>
                                     </p:animEffect>
@@ -6392,7 +6117,7 @@
                                       <p:cBhvr>
                                         <p:cTn id="13" dur="1000" fill="hold"/>
                                         <p:tgtEl>
-                                          <p:spTgt spid="4"/>
+                                          <p:spTgt spid="9"/>
                                         </p:tgtEl>
                                         <p:attrNameLst>
                                           <p:attrName>ppt_x</p:attrName>
@@ -6415,7 +6140,7 @@
                                       <p:cBhvr>
                                         <p:cTn id="14" dur="1000" fill="hold"/>
                                         <p:tgtEl>
-                                          <p:spTgt spid="4"/>
+                                          <p:spTgt spid="9"/>
                                         </p:tgtEl>
                                         <p:attrNameLst>
                                           <p:attrName>ppt_y</p:attrName>
@@ -6469,7 +6194,7 @@
                                           </p:stCondLst>
                                         </p:cTn>
                                         <p:tgtEl>
-                                          <p:spTgt spid="5"/>
+                                          <p:spTgt spid="8"/>
                                         </p:tgtEl>
                                         <p:attrNameLst>
                                           <p:attrName>style.visibility</p:attrName>
@@ -6483,7 +6208,7 @@
                                       <p:cBhvr>
                                         <p:cTn id="19" dur="1000"/>
                                         <p:tgtEl>
-                                          <p:spTgt spid="5"/>
+                                          <p:spTgt spid="8"/>
                                         </p:tgtEl>
                                       </p:cBhvr>
                                     </p:animEffect>
@@ -6491,7 +6216,7 @@
                                       <p:cBhvr>
                                         <p:cTn id="20" dur="1000" fill="hold"/>
                                         <p:tgtEl>
-                                          <p:spTgt spid="5"/>
+                                          <p:spTgt spid="8"/>
                                         </p:tgtEl>
                                         <p:attrNameLst>
                                           <p:attrName>ppt_x</p:attrName>
@@ -6514,7 +6239,646 @@
                                       <p:cBhvr>
                                         <p:cTn id="21" dur="1000" fill="hold"/>
                                         <p:tgtEl>
-                                          <p:spTgt spid="5"/>
+                                          <p:spTgt spid="8"/>
+                                        </p:tgtEl>
+                                        <p:attrNameLst>
+                                          <p:attrName>ppt_y</p:attrName>
+                                        </p:attrNameLst>
+                                      </p:cBhvr>
+                                      <p:tavLst>
+                                        <p:tav tm="0">
+                                          <p:val>
+                                            <p:strVal val="#ppt_y+.1"/>
+                                          </p:val>
+                                        </p:tav>
+                                        <p:tav tm="100000">
+                                          <p:val>
+                                            <p:strVal val="#ppt_y"/>
+                                          </p:val>
+                                        </p:tav>
+                                      </p:tavLst>
+                                    </p:anim>
+                                  </p:childTnLst>
+                                </p:cTn>
+                              </p:par>
+                            </p:childTnLst>
+                          </p:cTn>
+                        </p:par>
+                      </p:childTnLst>
+                    </p:cTn>
+                  </p:par>
+                </p:childTnLst>
+              </p:cTn>
+              <p:prevCondLst>
+                <p:cond evt="onPrev" delay="0">
+                  <p:tgtEl>
+                    <p:sldTgt/>
+                  </p:tgtEl>
+                </p:cond>
+              </p:prevCondLst>
+              <p:nextCondLst>
+                <p:cond evt="onNext" delay="0">
+                  <p:tgtEl>
+                    <p:sldTgt/>
+                  </p:tgtEl>
+                </p:cond>
+              </p:nextCondLst>
+            </p:seq>
+          </p:childTnLst>
+        </p:cTn>
+      </p:par>
+    </p:tnLst>
+    <p:bldLst>
+      <p:bldP spid="7" grpId="0"/>
+      <p:bldP spid="8" grpId="0"/>
+      <p:bldP spid="9" grpId="0"/>
+    </p:bldLst>
+  </p:timing>
+</p:sld>
+</file>
+
+<file path=ppt/slides/slide10.xml><?xml version="1.0" encoding="utf-8"?>
+<p:sld xmlns:a="http://schemas.openxmlformats.org/drawingml/2006/main" xmlns:r="http://schemas.openxmlformats.org/officeDocument/2006/relationships" xmlns:p="http://schemas.openxmlformats.org/presentationml/2006/main">
+  <p:cSld>
+    <p:spTree>
+      <p:nvGrpSpPr>
+        <p:cNvPr id="1" name=""/>
+        <p:cNvGrpSpPr/>
+        <p:nvPr/>
+      </p:nvGrpSpPr>
+      <p:grpSpPr>
+        <a:xfrm>
+          <a:off x="0" y="0"/>
+          <a:ext cx="0" cy="0"/>
+          <a:chOff x="0" y="0"/>
+          <a:chExt cx="0" cy="0"/>
+        </a:xfrm>
+      </p:grpSpPr>
+      <p:sp>
+        <p:nvSpPr>
+          <p:cNvPr id="2" name="TextBox 1"/>
+          <p:cNvSpPr txBox="1"/>
+          <p:nvPr/>
+        </p:nvSpPr>
+        <p:spPr>
+          <a:xfrm>
+            <a:off x="366366" y="136940"/>
+            <a:ext cx="6066517" cy="1323439"/>
+          </a:xfrm>
+          <a:prstGeom prst="rect">
+            <a:avLst/>
+          </a:prstGeom>
+          <a:noFill/>
+        </p:spPr>
+        <p:txBody>
+          <a:bodyPr wrap="square" rtlCol="0">
+            <a:spAutoFit/>
+          </a:bodyPr>
+          <a:lstStyle/>
+          <a:p>
+            <a:pPr marL="342900" indent="-342900">
+              <a:buAutoNum type="arabicPeriod"/>
+            </a:pPr>
+            <a:r>
+              <a:rPr lang="en-US" sz="4000" dirty="0">
+                <a:latin typeface="Times New Roman" panose="02020603050405020304" pitchFamily="18" charset="0"/>
+                <a:cs typeface="Times New Roman" panose="02020603050405020304" pitchFamily="18" charset="0"/>
+              </a:rPr>
+              <a:t> </a:t>
+            </a:r>
+            <a:r>
+              <a:rPr lang="en-US" sz="4000" dirty="0" err="1">
+                <a:latin typeface="Times New Roman" panose="02020603050405020304" pitchFamily="18" charset="0"/>
+                <a:cs typeface="Times New Roman" panose="02020603050405020304" pitchFamily="18" charset="0"/>
+              </a:rPr>
+              <a:t>Tổng</a:t>
+            </a:r>
+            <a:r>
+              <a:rPr lang="en-US" sz="4000" dirty="0">
+                <a:latin typeface="Times New Roman" panose="02020603050405020304" pitchFamily="18" charset="0"/>
+                <a:cs typeface="Times New Roman" panose="02020603050405020304" pitchFamily="18" charset="0"/>
+              </a:rPr>
+              <a:t> </a:t>
+            </a:r>
+            <a:r>
+              <a:rPr lang="en-US" sz="4000" dirty="0" err="1">
+                <a:latin typeface="Times New Roman" panose="02020603050405020304" pitchFamily="18" charset="0"/>
+                <a:cs typeface="Times New Roman" panose="02020603050405020304" pitchFamily="18" charset="0"/>
+              </a:rPr>
+              <a:t>quan</a:t>
+            </a:r>
+            <a:r>
+              <a:rPr lang="en-US" sz="4000" dirty="0">
+                <a:latin typeface="Times New Roman" panose="02020603050405020304" pitchFamily="18" charset="0"/>
+                <a:cs typeface="Times New Roman" panose="02020603050405020304" pitchFamily="18" charset="0"/>
+              </a:rPr>
+              <a:t> </a:t>
+            </a:r>
+            <a:r>
+              <a:rPr lang="en-US" sz="4000" dirty="0" err="1">
+                <a:latin typeface="Times New Roman" panose="02020603050405020304" pitchFamily="18" charset="0"/>
+                <a:cs typeface="Times New Roman" panose="02020603050405020304" pitchFamily="18" charset="0"/>
+              </a:rPr>
+              <a:t>đề</a:t>
+            </a:r>
+            <a:r>
+              <a:rPr lang="en-US" sz="4000" dirty="0">
+                <a:latin typeface="Times New Roman" panose="02020603050405020304" pitchFamily="18" charset="0"/>
+                <a:cs typeface="Times New Roman" panose="02020603050405020304" pitchFamily="18" charset="0"/>
+              </a:rPr>
+              <a:t> </a:t>
+            </a:r>
+            <a:r>
+              <a:rPr lang="en-US" sz="4000" dirty="0" err="1">
+                <a:latin typeface="Times New Roman" panose="02020603050405020304" pitchFamily="18" charset="0"/>
+                <a:cs typeface="Times New Roman" panose="02020603050405020304" pitchFamily="18" charset="0"/>
+              </a:rPr>
+              <a:t>tài</a:t>
+            </a:r>
+            <a:endParaRPr lang="en-US" sz="4000" dirty="0">
+              <a:latin typeface="Times New Roman" panose="02020603050405020304" pitchFamily="18" charset="0"/>
+              <a:cs typeface="Times New Roman" panose="02020603050405020304" pitchFamily="18" charset="0"/>
+            </a:endParaRPr>
+          </a:p>
+          <a:p>
+            <a:pPr marL="342900" indent="-342900">
+              <a:buAutoNum type="arabicPeriod"/>
+            </a:pPr>
+            <a:r>
+              <a:rPr lang="en-US" sz="4000" dirty="0">
+                <a:latin typeface="Times New Roman" panose="02020603050405020304" pitchFamily="18" charset="0"/>
+                <a:cs typeface="Times New Roman" panose="02020603050405020304" pitchFamily="18" charset="0"/>
+              </a:rPr>
+              <a:t> </a:t>
+            </a:r>
+            <a:r>
+              <a:rPr lang="vi-VN" sz="4000" dirty="0">
+                <a:latin typeface="Times New Roman" panose="02020603050405020304" pitchFamily="18" charset="0"/>
+                <a:cs typeface="Times New Roman" panose="02020603050405020304" pitchFamily="18" charset="0"/>
+              </a:rPr>
+              <a:t>Ư</a:t>
+            </a:r>
+            <a:r>
+              <a:rPr lang="en-US" sz="4000" dirty="0">
+                <a:latin typeface="Times New Roman" panose="02020603050405020304" pitchFamily="18" charset="0"/>
+                <a:cs typeface="Times New Roman" panose="02020603050405020304" pitchFamily="18" charset="0"/>
+              </a:rPr>
+              <a:t>u </a:t>
+            </a:r>
+            <a:r>
+              <a:rPr lang="en-US" sz="4000" dirty="0" err="1">
+                <a:latin typeface="Times New Roman" panose="02020603050405020304" pitchFamily="18" charset="0"/>
+                <a:cs typeface="Times New Roman" panose="02020603050405020304" pitchFamily="18" charset="0"/>
+              </a:rPr>
+              <a:t>điểm</a:t>
+            </a:r>
+            <a:r>
+              <a:rPr lang="en-US" sz="4000" dirty="0">
+                <a:latin typeface="Times New Roman" panose="02020603050405020304" pitchFamily="18" charset="0"/>
+                <a:cs typeface="Times New Roman" panose="02020603050405020304" pitchFamily="18" charset="0"/>
+              </a:rPr>
+              <a:t> </a:t>
+            </a:r>
+            <a:r>
+              <a:rPr lang="en-US" sz="4000" dirty="0" err="1">
+                <a:latin typeface="Times New Roman" panose="02020603050405020304" pitchFamily="18" charset="0"/>
+                <a:cs typeface="Times New Roman" panose="02020603050405020304" pitchFamily="18" charset="0"/>
+              </a:rPr>
+              <a:t>và</a:t>
+            </a:r>
+            <a:r>
+              <a:rPr lang="en-US" sz="4000" dirty="0">
+                <a:latin typeface="Times New Roman" panose="02020603050405020304" pitchFamily="18" charset="0"/>
+                <a:cs typeface="Times New Roman" panose="02020603050405020304" pitchFamily="18" charset="0"/>
+              </a:rPr>
+              <a:t> </a:t>
+            </a:r>
+            <a:r>
+              <a:rPr lang="en-US" sz="4000" dirty="0" err="1">
+                <a:latin typeface="Times New Roman" panose="02020603050405020304" pitchFamily="18" charset="0"/>
+                <a:cs typeface="Times New Roman" panose="02020603050405020304" pitchFamily="18" charset="0"/>
+              </a:rPr>
+              <a:t>nhược</a:t>
+            </a:r>
+            <a:r>
+              <a:rPr lang="en-US" sz="4000" dirty="0">
+                <a:latin typeface="Times New Roman" panose="02020603050405020304" pitchFamily="18" charset="0"/>
+                <a:cs typeface="Times New Roman" panose="02020603050405020304" pitchFamily="18" charset="0"/>
+              </a:rPr>
+              <a:t> </a:t>
+            </a:r>
+            <a:r>
+              <a:rPr lang="en-US" sz="4000" dirty="0" err="1">
+                <a:latin typeface="Times New Roman" panose="02020603050405020304" pitchFamily="18" charset="0"/>
+                <a:cs typeface="Times New Roman" panose="02020603050405020304" pitchFamily="18" charset="0"/>
+              </a:rPr>
+              <a:t>điểm</a:t>
+            </a:r>
+            <a:endParaRPr lang="en-US" sz="4000" dirty="0">
+              <a:latin typeface="Times New Roman" panose="02020603050405020304" pitchFamily="18" charset="0"/>
+              <a:cs typeface="Times New Roman" panose="02020603050405020304" pitchFamily="18" charset="0"/>
+            </a:endParaRPr>
+          </a:p>
+        </p:txBody>
+      </p:sp>
+      <p:sp>
+        <p:nvSpPr>
+          <p:cNvPr id="3" name="TextBox 2"/>
+          <p:cNvSpPr txBox="1"/>
+          <p:nvPr/>
+        </p:nvSpPr>
+        <p:spPr>
+          <a:xfrm>
+            <a:off x="1124689" y="1544514"/>
+            <a:ext cx="7262191" cy="523220"/>
+          </a:xfrm>
+          <a:prstGeom prst="rect">
+            <a:avLst/>
+          </a:prstGeom>
+          <a:noFill/>
+        </p:spPr>
+        <p:txBody>
+          <a:bodyPr wrap="square" rtlCol="0">
+            <a:spAutoFit/>
+          </a:bodyPr>
+          <a:lstStyle/>
+          <a:p>
+            <a:r>
+              <a:rPr lang="vi-VN" sz="2800" b="1" dirty="0">
+                <a:latin typeface="Times New Roman" panose="02020603050405020304" pitchFamily="18" charset="0"/>
+                <a:cs typeface="Times New Roman" panose="02020603050405020304" pitchFamily="18" charset="0"/>
+              </a:rPr>
+              <a:t>Ư</a:t>
+            </a:r>
+            <a:r>
+              <a:rPr lang="en-US" sz="2800" b="1" dirty="0">
+                <a:latin typeface="Times New Roman" panose="02020603050405020304" pitchFamily="18" charset="0"/>
+                <a:cs typeface="Times New Roman" panose="02020603050405020304" pitchFamily="18" charset="0"/>
+              </a:rPr>
+              <a:t>u điểm:</a:t>
+            </a:r>
+          </a:p>
+        </p:txBody>
+      </p:sp>
+      <p:sp>
+        <p:nvSpPr>
+          <p:cNvPr id="4" name="TextBox 3"/>
+          <p:cNvSpPr txBox="1"/>
+          <p:nvPr/>
+        </p:nvSpPr>
+        <p:spPr>
+          <a:xfrm>
+            <a:off x="1666458" y="2198995"/>
+            <a:ext cx="7199243" cy="830997"/>
+          </a:xfrm>
+          <a:prstGeom prst="rect">
+            <a:avLst/>
+          </a:prstGeom>
+          <a:noFill/>
+        </p:spPr>
+        <p:txBody>
+          <a:bodyPr wrap="square" rtlCol="0">
+            <a:spAutoFit/>
+          </a:bodyPr>
+          <a:lstStyle/>
+          <a:p>
+            <a:r>
+              <a:rPr lang="en-US" sz="2400" dirty="0">
+                <a:latin typeface="Times New Roman" panose="02020603050405020304" pitchFamily="18" charset="0"/>
+                <a:cs typeface="Times New Roman" panose="02020603050405020304" pitchFamily="18" charset="0"/>
+              </a:rPr>
+              <a:t>- Có thể thực hiện mọi công việc cơ bản của mượn, trả, thêm sách. </a:t>
+            </a:r>
+          </a:p>
+        </p:txBody>
+      </p:sp>
+      <p:sp>
+        <p:nvSpPr>
+          <p:cNvPr id="5" name="TextBox 4"/>
+          <p:cNvSpPr txBox="1"/>
+          <p:nvPr/>
+        </p:nvSpPr>
+        <p:spPr>
+          <a:xfrm>
+            <a:off x="1603511" y="2890486"/>
+            <a:ext cx="7262190" cy="830997"/>
+          </a:xfrm>
+          <a:prstGeom prst="rect">
+            <a:avLst/>
+          </a:prstGeom>
+          <a:noFill/>
+        </p:spPr>
+        <p:txBody>
+          <a:bodyPr wrap="square" rtlCol="0">
+            <a:spAutoFit/>
+          </a:bodyPr>
+          <a:lstStyle/>
+          <a:p>
+            <a:r>
+              <a:rPr lang="en-US" sz="2400" dirty="0">
+                <a:latin typeface="Times New Roman" panose="02020603050405020304" pitchFamily="18" charset="0"/>
+                <a:cs typeface="Times New Roman" panose="02020603050405020304" pitchFamily="18" charset="0"/>
+              </a:rPr>
+              <a:t>- Rút ngắn thời gian đáng kể so với quản lý thư viện theo cách truyền thống.</a:t>
+            </a:r>
+          </a:p>
+        </p:txBody>
+      </p:sp>
+      <p:sp>
+        <p:nvSpPr>
+          <p:cNvPr id="6" name="TextBox 5"/>
+          <p:cNvSpPr txBox="1"/>
+          <p:nvPr/>
+        </p:nvSpPr>
+        <p:spPr>
+          <a:xfrm>
+            <a:off x="1222512" y="3751254"/>
+            <a:ext cx="2500477" cy="584775"/>
+          </a:xfrm>
+          <a:prstGeom prst="rect">
+            <a:avLst/>
+          </a:prstGeom>
+          <a:noFill/>
+        </p:spPr>
+        <p:txBody>
+          <a:bodyPr wrap="square" rtlCol="0">
+            <a:spAutoFit/>
+          </a:bodyPr>
+          <a:lstStyle/>
+          <a:p>
+            <a:r>
+              <a:rPr lang="en-US" sz="3200" b="1" dirty="0">
+                <a:latin typeface="Times New Roman" panose="02020603050405020304" pitchFamily="18" charset="0"/>
+                <a:cs typeface="Times New Roman" panose="02020603050405020304" pitchFamily="18" charset="0"/>
+              </a:rPr>
+              <a:t>Nhược điểm</a:t>
+            </a:r>
+          </a:p>
+        </p:txBody>
+      </p:sp>
+      <p:sp>
+        <p:nvSpPr>
+          <p:cNvPr id="8" name="TextBox 7"/>
+          <p:cNvSpPr txBox="1"/>
+          <p:nvPr/>
+        </p:nvSpPr>
+        <p:spPr>
+          <a:xfrm>
+            <a:off x="1875180" y="4412974"/>
+            <a:ext cx="5956853" cy="461665"/>
+          </a:xfrm>
+          <a:prstGeom prst="rect">
+            <a:avLst/>
+          </a:prstGeom>
+          <a:noFill/>
+        </p:spPr>
+        <p:txBody>
+          <a:bodyPr wrap="square" rtlCol="0">
+            <a:spAutoFit/>
+          </a:bodyPr>
+          <a:lstStyle/>
+          <a:p>
+            <a:r>
+              <a:rPr lang="en-US" sz="2400" dirty="0">
+                <a:latin typeface="Times New Roman" panose="02020603050405020304" pitchFamily="18" charset="0"/>
+                <a:cs typeface="Times New Roman" panose="02020603050405020304" pitchFamily="18" charset="0"/>
+              </a:rPr>
+              <a:t>- Chưa có thể in hóa đơn.</a:t>
+            </a:r>
+          </a:p>
+        </p:txBody>
+      </p:sp>
+      <p:sp>
+        <p:nvSpPr>
+          <p:cNvPr id="9" name="TextBox 8"/>
+          <p:cNvSpPr txBox="1"/>
+          <p:nvPr/>
+        </p:nvSpPr>
+        <p:spPr>
+          <a:xfrm>
+            <a:off x="1875180" y="4877052"/>
+            <a:ext cx="5599044" cy="461665"/>
+          </a:xfrm>
+          <a:prstGeom prst="rect">
+            <a:avLst/>
+          </a:prstGeom>
+          <a:noFill/>
+        </p:spPr>
+        <p:txBody>
+          <a:bodyPr wrap="square" rtlCol="0">
+            <a:spAutoFit/>
+          </a:bodyPr>
+          <a:lstStyle/>
+          <a:p>
+            <a:r>
+              <a:rPr lang="en-US" sz="2400" dirty="0">
+                <a:latin typeface="Times New Roman" panose="02020603050405020304" pitchFamily="18" charset="0"/>
+                <a:cs typeface="Times New Roman" panose="02020603050405020304" pitchFamily="18" charset="0"/>
+              </a:rPr>
+              <a:t>- Giao diện xấu, chưa thể cải thiện.</a:t>
+            </a:r>
+          </a:p>
+        </p:txBody>
+      </p:sp>
+    </p:spTree>
+    <p:extLst>
+      <p:ext uri="{BB962C8B-B14F-4D97-AF65-F5344CB8AC3E}">
+        <p14:creationId xmlns:p14="http://schemas.microsoft.com/office/powerpoint/2010/main" val="1759715221"/>
+      </p:ext>
+    </p:extLst>
+  </p:cSld>
+  <p:clrMapOvr>
+    <a:masterClrMapping/>
+  </p:clrMapOvr>
+  <p:transition spd="slow">
+    <p:wipe/>
+  </p:transition>
+  <p:timing>
+    <p:tnLst>
+      <p:par>
+        <p:cTn id="1" dur="indefinite" restart="never" nodeType="tmRoot">
+          <p:childTnLst>
+            <p:seq concurrent="1" nextAc="seek">
+              <p:cTn id="2" dur="indefinite" nodeType="mainSeq">
+                <p:childTnLst>
+                  <p:par>
+                    <p:cTn id="3" fill="hold">
+                      <p:stCondLst>
+                        <p:cond delay="indefinite"/>
+                      </p:stCondLst>
+                      <p:childTnLst>
+                        <p:par>
+                          <p:cTn id="4" fill="hold">
+                            <p:stCondLst>
+                              <p:cond delay="0"/>
+                            </p:stCondLst>
+                            <p:childTnLst>
+                              <p:par>
+                                <p:cTn id="5" presetID="16" presetClass="entr" presetSubtype="21" fill="hold" grpId="0" nodeType="clickEffect">
+                                  <p:stCondLst>
+                                    <p:cond delay="0"/>
+                                  </p:stCondLst>
+                                  <p:childTnLst>
+                                    <p:set>
+                                      <p:cBhvr>
+                                        <p:cTn id="6" dur="1" fill="hold">
+                                          <p:stCondLst>
+                                            <p:cond delay="0"/>
+                                          </p:stCondLst>
+                                        </p:cTn>
+                                        <p:tgtEl>
+                                          <p:spTgt spid="2"/>
+                                        </p:tgtEl>
+                                        <p:attrNameLst>
+                                          <p:attrName>style.visibility</p:attrName>
+                                        </p:attrNameLst>
+                                      </p:cBhvr>
+                                      <p:to>
+                                        <p:strVal val="visible"/>
+                                      </p:to>
+                                    </p:set>
+                                    <p:animEffect transition="in" filter="barn(inVertical)">
+                                      <p:cBhvr>
+                                        <p:cTn id="7" dur="500"/>
+                                        <p:tgtEl>
+                                          <p:spTgt spid="2"/>
+                                        </p:tgtEl>
+                                      </p:cBhvr>
+                                    </p:animEffect>
+                                  </p:childTnLst>
+                                </p:cTn>
+                              </p:par>
+                            </p:childTnLst>
+                          </p:cTn>
+                        </p:par>
+                      </p:childTnLst>
+                    </p:cTn>
+                  </p:par>
+                  <p:par>
+                    <p:cTn id="8" fill="hold">
+                      <p:stCondLst>
+                        <p:cond delay="indefinite"/>
+                      </p:stCondLst>
+                      <p:childTnLst>
+                        <p:par>
+                          <p:cTn id="9" fill="hold">
+                            <p:stCondLst>
+                              <p:cond delay="0"/>
+                            </p:stCondLst>
+                            <p:childTnLst>
+                              <p:par>
+                                <p:cTn id="10" presetID="10" presetClass="entr" presetSubtype="0" fill="hold" grpId="0" nodeType="clickEffect">
+                                  <p:stCondLst>
+                                    <p:cond delay="0"/>
+                                  </p:stCondLst>
+                                  <p:childTnLst>
+                                    <p:set>
+                                      <p:cBhvr>
+                                        <p:cTn id="11" dur="1" fill="hold">
+                                          <p:stCondLst>
+                                            <p:cond delay="0"/>
+                                          </p:stCondLst>
+                                        </p:cTn>
+                                        <p:tgtEl>
+                                          <p:spTgt spid="3"/>
+                                        </p:tgtEl>
+                                        <p:attrNameLst>
+                                          <p:attrName>style.visibility</p:attrName>
+                                        </p:attrNameLst>
+                                      </p:cBhvr>
+                                      <p:to>
+                                        <p:strVal val="visible"/>
+                                      </p:to>
+                                    </p:set>
+                                    <p:animEffect transition="in" filter="fade">
+                                      <p:cBhvr>
+                                        <p:cTn id="12" dur="500"/>
+                                        <p:tgtEl>
+                                          <p:spTgt spid="3"/>
+                                        </p:tgtEl>
+                                      </p:cBhvr>
+                                    </p:animEffect>
+                                  </p:childTnLst>
+                                </p:cTn>
+                              </p:par>
+                            </p:childTnLst>
+                          </p:cTn>
+                        </p:par>
+                      </p:childTnLst>
+                    </p:cTn>
+                  </p:par>
+                  <p:par>
+                    <p:cTn id="13" fill="hold">
+                      <p:stCondLst>
+                        <p:cond delay="indefinite"/>
+                      </p:stCondLst>
+                      <p:childTnLst>
+                        <p:par>
+                          <p:cTn id="14" fill="hold">
+                            <p:stCondLst>
+                              <p:cond delay="0"/>
+                            </p:stCondLst>
+                            <p:childTnLst>
+                              <p:par>
+                                <p:cTn id="15" presetID="42" presetClass="entr" presetSubtype="0" fill="hold" grpId="0" nodeType="clickEffect">
+                                  <p:stCondLst>
+                                    <p:cond delay="0"/>
+                                  </p:stCondLst>
+                                  <p:childTnLst>
+                                    <p:set>
+                                      <p:cBhvr>
+                                        <p:cTn id="16" dur="1" fill="hold">
+                                          <p:stCondLst>
+                                            <p:cond delay="0"/>
+                                          </p:stCondLst>
+                                        </p:cTn>
+                                        <p:tgtEl>
+                                          <p:spTgt spid="4"/>
+                                        </p:tgtEl>
+                                        <p:attrNameLst>
+                                          <p:attrName>style.visibility</p:attrName>
+                                        </p:attrNameLst>
+                                      </p:cBhvr>
+                                      <p:to>
+                                        <p:strVal val="visible"/>
+                                      </p:to>
+                                    </p:set>
+                                    <p:animEffect transition="in" filter="fade">
+                                      <p:cBhvr>
+                                        <p:cTn id="17" dur="1000"/>
+                                        <p:tgtEl>
+                                          <p:spTgt spid="4"/>
+                                        </p:tgtEl>
+                                      </p:cBhvr>
+                                    </p:animEffect>
+                                    <p:anim calcmode="lin" valueType="num">
+                                      <p:cBhvr>
+                                        <p:cTn id="18" dur="1000" fill="hold"/>
+                                        <p:tgtEl>
+                                          <p:spTgt spid="4"/>
+                                        </p:tgtEl>
+                                        <p:attrNameLst>
+                                          <p:attrName>ppt_x</p:attrName>
+                                        </p:attrNameLst>
+                                      </p:cBhvr>
+                                      <p:tavLst>
+                                        <p:tav tm="0">
+                                          <p:val>
+                                            <p:strVal val="#ppt_x"/>
+                                          </p:val>
+                                        </p:tav>
+                                        <p:tav tm="100000">
+                                          <p:val>
+                                            <p:strVal val="#ppt_x"/>
+                                          </p:val>
+                                        </p:tav>
+                                      </p:tavLst>
+                                    </p:anim>
+                                    <p:anim calcmode="lin" valueType="num">
+                                      <p:cBhvr>
+                                        <p:cTn id="19" dur="1000" fill="hold"/>
+                                        <p:tgtEl>
+                                          <p:spTgt spid="4"/>
                                         </p:tgtEl>
                                         <p:attrNameLst>
                                           <p:attrName>ppt_y</p:attrName>
@@ -6543,32 +6907,32 @@
                     </p:cTn>
                   </p:par>
                   <p:par>
-                    <p:cTn id="22" fill="hold">
+                    <p:cTn id="20" fill="hold">
                       <p:stCondLst>
                         <p:cond delay="indefinite"/>
                       </p:stCondLst>
                       <p:childTnLst>
                         <p:par>
-                          <p:cTn id="23" fill="hold">
+                          <p:cTn id="21" fill="hold">
                             <p:stCondLst>
                               <p:cond delay="0"/>
                             </p:stCondLst>
                             <p:childTnLst>
                               <p:par>
-                                <p:cTn id="24" presetID="16" presetClass="entr" presetSubtype="21" fill="hold" grpId="0" nodeType="clickEffect">
+                                <p:cTn id="22" presetID="42" presetClass="entr" presetSubtype="0" fill="hold" grpId="0" nodeType="clickEffect">
                                   <p:stCondLst>
                                     <p:cond delay="0"/>
                                   </p:stCondLst>
                                   <p:childTnLst>
                                     <p:set>
                                       <p:cBhvr>
-                                        <p:cTn id="25" dur="1" fill="hold">
+                                        <p:cTn id="23" dur="1" fill="hold">
                                           <p:stCondLst>
                                             <p:cond delay="0"/>
                                           </p:stCondLst>
                                         </p:cTn>
                                         <p:tgtEl>
-                                          <p:spTgt spid="6"/>
+                                          <p:spTgt spid="5"/>
                                         </p:tgtEl>
                                         <p:attrNameLst>
                                           <p:attrName>style.visibility</p:attrName>
@@ -6578,14 +6942,60 @@
                                         <p:strVal val="visible"/>
                                       </p:to>
                                     </p:set>
-                                    <p:animEffect transition="in" filter="barn(inVertical)">
+                                    <p:animEffect transition="in" filter="fade">
                                       <p:cBhvr>
-                                        <p:cTn id="26" dur="500"/>
+                                        <p:cTn id="24" dur="1000"/>
                                         <p:tgtEl>
-                                          <p:spTgt spid="6"/>
+                                          <p:spTgt spid="5"/>
                                         </p:tgtEl>
                                       </p:cBhvr>
                                     </p:animEffect>
+                                    <p:anim calcmode="lin" valueType="num">
+                                      <p:cBhvr>
+                                        <p:cTn id="25" dur="1000" fill="hold"/>
+                                        <p:tgtEl>
+                                          <p:spTgt spid="5"/>
+                                        </p:tgtEl>
+                                        <p:attrNameLst>
+                                          <p:attrName>ppt_x</p:attrName>
+                                        </p:attrNameLst>
+                                      </p:cBhvr>
+                                      <p:tavLst>
+                                        <p:tav tm="0">
+                                          <p:val>
+                                            <p:strVal val="#ppt_x"/>
+                                          </p:val>
+                                        </p:tav>
+                                        <p:tav tm="100000">
+                                          <p:val>
+                                            <p:strVal val="#ppt_x"/>
+                                          </p:val>
+                                        </p:tav>
+                                      </p:tavLst>
+                                    </p:anim>
+                                    <p:anim calcmode="lin" valueType="num">
+                                      <p:cBhvr>
+                                        <p:cTn id="26" dur="1000" fill="hold"/>
+                                        <p:tgtEl>
+                                          <p:spTgt spid="5"/>
+                                        </p:tgtEl>
+                                        <p:attrNameLst>
+                                          <p:attrName>ppt_y</p:attrName>
+                                        </p:attrNameLst>
+                                      </p:cBhvr>
+                                      <p:tavLst>
+                                        <p:tav tm="0">
+                                          <p:val>
+                                            <p:strVal val="#ppt_y+.1"/>
+                                          </p:val>
+                                        </p:tav>
+                                        <p:tav tm="100000">
+                                          <p:val>
+                                            <p:strVal val="#ppt_y"/>
+                                          </p:val>
+                                        </p:tav>
+                                      </p:tavLst>
+                                    </p:anim>
                                   </p:childTnLst>
                                 </p:cTn>
                               </p:par>
@@ -6621,7 +7031,7 @@
                                           </p:stCondLst>
                                         </p:cTn>
                                         <p:tgtEl>
-                                          <p:spTgt spid="8"/>
+                                          <p:spTgt spid="6"/>
                                         </p:tgtEl>
                                         <p:attrNameLst>
                                           <p:attrName>style.visibility</p:attrName>
@@ -6635,7 +7045,7 @@
                                       <p:cBhvr>
                                         <p:cTn id="31" dur="500"/>
                                         <p:tgtEl>
-                                          <p:spTgt spid="8"/>
+                                          <p:spTgt spid="6"/>
                                         </p:tgtEl>
                                       </p:cBhvr>
                                     </p:animEffect>
@@ -6661,7 +7071,7 @@
                             </p:stCondLst>
                             <p:childTnLst>
                               <p:par>
-                                <p:cTn id="34" presetID="16" presetClass="entr" presetSubtype="21" fill="hold" grpId="0" nodeType="clickEffect">
+                                <p:cTn id="34" presetID="42" presetClass="entr" presetSubtype="0" fill="hold" grpId="0" nodeType="clickEffect">
                                   <p:stCondLst>
                                     <p:cond delay="0"/>
                                   </p:stCondLst>
@@ -6669,6 +7079,105 @@
                                     <p:set>
                                       <p:cBhvr>
                                         <p:cTn id="35" dur="1" fill="hold">
+                                          <p:stCondLst>
+                                            <p:cond delay="0"/>
+                                          </p:stCondLst>
+                                        </p:cTn>
+                                        <p:tgtEl>
+                                          <p:spTgt spid="8"/>
+                                        </p:tgtEl>
+                                        <p:attrNameLst>
+                                          <p:attrName>style.visibility</p:attrName>
+                                        </p:attrNameLst>
+                                      </p:cBhvr>
+                                      <p:to>
+                                        <p:strVal val="visible"/>
+                                      </p:to>
+                                    </p:set>
+                                    <p:animEffect transition="in" filter="fade">
+                                      <p:cBhvr>
+                                        <p:cTn id="36" dur="1000"/>
+                                        <p:tgtEl>
+                                          <p:spTgt spid="8"/>
+                                        </p:tgtEl>
+                                      </p:cBhvr>
+                                    </p:animEffect>
+                                    <p:anim calcmode="lin" valueType="num">
+                                      <p:cBhvr>
+                                        <p:cTn id="37" dur="1000" fill="hold"/>
+                                        <p:tgtEl>
+                                          <p:spTgt spid="8"/>
+                                        </p:tgtEl>
+                                        <p:attrNameLst>
+                                          <p:attrName>ppt_x</p:attrName>
+                                        </p:attrNameLst>
+                                      </p:cBhvr>
+                                      <p:tavLst>
+                                        <p:tav tm="0">
+                                          <p:val>
+                                            <p:strVal val="#ppt_x"/>
+                                          </p:val>
+                                        </p:tav>
+                                        <p:tav tm="100000">
+                                          <p:val>
+                                            <p:strVal val="#ppt_x"/>
+                                          </p:val>
+                                        </p:tav>
+                                      </p:tavLst>
+                                    </p:anim>
+                                    <p:anim calcmode="lin" valueType="num">
+                                      <p:cBhvr>
+                                        <p:cTn id="38" dur="1000" fill="hold"/>
+                                        <p:tgtEl>
+                                          <p:spTgt spid="8"/>
+                                        </p:tgtEl>
+                                        <p:attrNameLst>
+                                          <p:attrName>ppt_y</p:attrName>
+                                        </p:attrNameLst>
+                                      </p:cBhvr>
+                                      <p:tavLst>
+                                        <p:tav tm="0">
+                                          <p:val>
+                                            <p:strVal val="#ppt_y+.1"/>
+                                          </p:val>
+                                        </p:tav>
+                                        <p:tav tm="100000">
+                                          <p:val>
+                                            <p:strVal val="#ppt_y"/>
+                                          </p:val>
+                                        </p:tav>
+                                      </p:tavLst>
+                                    </p:anim>
+                                  </p:childTnLst>
+                                </p:cTn>
+                              </p:par>
+                            </p:childTnLst>
+                          </p:cTn>
+                        </p:par>
+                      </p:childTnLst>
+                    </p:cTn>
+                  </p:par>
+                  <p:par>
+                    <p:cTn id="39" fill="hold">
+                      <p:stCondLst>
+                        <p:cond delay="indefinite"/>
+                      </p:stCondLst>
+                      <p:childTnLst>
+                        <p:par>
+                          <p:cTn id="40" fill="hold">
+                            <p:stCondLst>
+                              <p:cond delay="0"/>
+                            </p:stCondLst>
+                            <p:childTnLst>
+                              <p:par>
+                                <p:cTn id="41" presetID="42" presetClass="entr" presetSubtype="0" fill="hold" grpId="0" nodeType="clickEffect">
+                                  <p:stCondLst>
+                                    <p:cond delay="0"/>
+                                  </p:stCondLst>
+                                  <p:childTnLst>
+                                    <p:set>
+                                      <p:cBhvr>
+                                        <p:cTn id="42" dur="1" fill="hold">
                                           <p:stCondLst>
                                             <p:cond delay="0"/>
                                           </p:stCondLst>
@@ -6684,14 +7193,60 @@
                                         <p:strVal val="visible"/>
                                       </p:to>
                                     </p:set>
-                                    <p:animEffect transition="in" filter="barn(inVertical)">
+                                    <p:animEffect transition="in" filter="fade">
                                       <p:cBhvr>
-                                        <p:cTn id="36" dur="500"/>
+                                        <p:cTn id="43" dur="1000"/>
                                         <p:tgtEl>
                                           <p:spTgt spid="9"/>
                                         </p:tgtEl>
                                       </p:cBhvr>
                                     </p:animEffect>
+                                    <p:anim calcmode="lin" valueType="num">
+                                      <p:cBhvr>
+                                        <p:cTn id="44" dur="1000" fill="hold"/>
+                                        <p:tgtEl>
+                                          <p:spTgt spid="9"/>
+                                        </p:tgtEl>
+                                        <p:attrNameLst>
+                                          <p:attrName>ppt_x</p:attrName>
+                                        </p:attrNameLst>
+                                      </p:cBhvr>
+                                      <p:tavLst>
+                                        <p:tav tm="0">
+                                          <p:val>
+                                            <p:strVal val="#ppt_x"/>
+                                          </p:val>
+                                        </p:tav>
+                                        <p:tav tm="100000">
+                                          <p:val>
+                                            <p:strVal val="#ppt_x"/>
+                                          </p:val>
+                                        </p:tav>
+                                      </p:tavLst>
+                                    </p:anim>
+                                    <p:anim calcmode="lin" valueType="num">
+                                      <p:cBhvr>
+                                        <p:cTn id="45" dur="1000" fill="hold"/>
+                                        <p:tgtEl>
+                                          <p:spTgt spid="9"/>
+                                        </p:tgtEl>
+                                        <p:attrNameLst>
+                                          <p:attrName>ppt_y</p:attrName>
+                                        </p:attrNameLst>
+                                      </p:cBhvr>
+                                      <p:tavLst>
+                                        <p:tav tm="0">
+                                          <p:val>
+                                            <p:strVal val="#ppt_y+.1"/>
+                                          </p:val>
+                                        </p:tav>
+                                        <p:tav tm="100000">
+                                          <p:val>
+                                            <p:strVal val="#ppt_y"/>
+                                          </p:val>
+                                        </p:tav>
+                                      </p:tavLst>
+                                    </p:anim>
                                   </p:childTnLst>
                                 </p:cTn>
                               </p:par>
@@ -6723,6 +7278,7 @@
       </p:par>
     </p:tnLst>
     <p:bldLst>
+      <p:bldP spid="2" grpId="0"/>
       <p:bldP spid="3" grpId="0"/>
       <p:bldP spid="4" grpId="0"/>
       <p:bldP spid="5" grpId="0"/>
@@ -6759,8 +7315,8 @@
         </p:nvSpPr>
         <p:spPr>
           <a:xfrm>
-            <a:off x="1054100" y="863600"/>
-            <a:ext cx="5575300" cy="923330"/>
+            <a:off x="520700" y="181356"/>
+            <a:ext cx="7099300" cy="1938992"/>
           </a:xfrm>
           <a:prstGeom prst="rect">
             <a:avLst/>
@@ -6777,31 +7333,195 @@
               <a:buAutoNum type="arabicPeriod"/>
             </a:pPr>
             <a:r>
-              <a:rPr lang="en-US" dirty="0" smtClean="0"/>
-              <a:t>Tổng quan đề tài</a:t>
-            </a:r>
+              <a:rPr lang="en-US" sz="4000" b="1" dirty="0">
+                <a:latin typeface="Times New Roman" panose="02020603050405020304" pitchFamily="18" charset="0"/>
+                <a:cs typeface="Times New Roman" panose="02020603050405020304" pitchFamily="18" charset="0"/>
+              </a:rPr>
+              <a:t> </a:t>
+            </a:r>
+            <a:r>
+              <a:rPr lang="en-US" sz="4000" b="1" dirty="0" err="1">
+                <a:latin typeface="Times New Roman" panose="02020603050405020304" pitchFamily="18" charset="0"/>
+                <a:cs typeface="Times New Roman" panose="02020603050405020304" pitchFamily="18" charset="0"/>
+              </a:rPr>
+              <a:t>Tổng</a:t>
+            </a:r>
+            <a:r>
+              <a:rPr lang="en-US" sz="4000" b="1" dirty="0">
+                <a:latin typeface="Times New Roman" panose="02020603050405020304" pitchFamily="18" charset="0"/>
+                <a:cs typeface="Times New Roman" panose="02020603050405020304" pitchFamily="18" charset="0"/>
+              </a:rPr>
+              <a:t> </a:t>
+            </a:r>
+            <a:r>
+              <a:rPr lang="en-US" sz="4000" b="1" dirty="0" err="1">
+                <a:latin typeface="Times New Roman" panose="02020603050405020304" pitchFamily="18" charset="0"/>
+                <a:cs typeface="Times New Roman" panose="02020603050405020304" pitchFamily="18" charset="0"/>
+              </a:rPr>
+              <a:t>quan</a:t>
+            </a:r>
+            <a:r>
+              <a:rPr lang="en-US" sz="4000" b="1" dirty="0">
+                <a:latin typeface="Times New Roman" panose="02020603050405020304" pitchFamily="18" charset="0"/>
+                <a:cs typeface="Times New Roman" panose="02020603050405020304" pitchFamily="18" charset="0"/>
+              </a:rPr>
+              <a:t> </a:t>
+            </a:r>
+            <a:r>
+              <a:rPr lang="en-US" sz="4000" b="1" dirty="0" err="1">
+                <a:latin typeface="Times New Roman" panose="02020603050405020304" pitchFamily="18" charset="0"/>
+                <a:cs typeface="Times New Roman" panose="02020603050405020304" pitchFamily="18" charset="0"/>
+              </a:rPr>
+              <a:t>đề</a:t>
+            </a:r>
+            <a:r>
+              <a:rPr lang="en-US" sz="4000" b="1" dirty="0">
+                <a:latin typeface="Times New Roman" panose="02020603050405020304" pitchFamily="18" charset="0"/>
+                <a:cs typeface="Times New Roman" panose="02020603050405020304" pitchFamily="18" charset="0"/>
+              </a:rPr>
+              <a:t> </a:t>
+            </a:r>
+            <a:r>
+              <a:rPr lang="en-US" sz="4000" b="1" dirty="0" err="1">
+                <a:latin typeface="Times New Roman" panose="02020603050405020304" pitchFamily="18" charset="0"/>
+                <a:cs typeface="Times New Roman" panose="02020603050405020304" pitchFamily="18" charset="0"/>
+              </a:rPr>
+              <a:t>tài</a:t>
+            </a:r>
+            <a:endParaRPr lang="en-US" sz="4000" b="1" dirty="0">
+              <a:latin typeface="Times New Roman" panose="02020603050405020304" pitchFamily="18" charset="0"/>
+              <a:cs typeface="Times New Roman" panose="02020603050405020304" pitchFamily="18" charset="0"/>
+            </a:endParaRPr>
           </a:p>
           <a:p>
             <a:pPr marL="342900" indent="-342900">
               <a:buAutoNum type="arabicPeriod"/>
             </a:pPr>
             <a:r>
-              <a:rPr lang="vi-VN" dirty="0" smtClean="0"/>
+              <a:rPr lang="en-US" sz="4000" b="1" dirty="0">
+                <a:latin typeface="Times New Roman" panose="02020603050405020304" pitchFamily="18" charset="0"/>
+                <a:cs typeface="Times New Roman" panose="02020603050405020304" pitchFamily="18" charset="0"/>
+              </a:rPr>
+              <a:t> </a:t>
+            </a:r>
+            <a:r>
+              <a:rPr lang="vi-VN" sz="4000" b="1" dirty="0">
+                <a:latin typeface="Times New Roman" panose="02020603050405020304" pitchFamily="18" charset="0"/>
+                <a:cs typeface="Times New Roman" panose="02020603050405020304" pitchFamily="18" charset="0"/>
+              </a:rPr>
               <a:t>Ư</a:t>
             </a:r>
             <a:r>
-              <a:rPr lang="en-US" dirty="0" smtClean="0"/>
-              <a:t>u điểm và nhược điểm</a:t>
-            </a:r>
+              <a:rPr lang="en-US" sz="4000" b="1" dirty="0">
+                <a:latin typeface="Times New Roman" panose="02020603050405020304" pitchFamily="18" charset="0"/>
+                <a:cs typeface="Times New Roman" panose="02020603050405020304" pitchFamily="18" charset="0"/>
+              </a:rPr>
+              <a:t>u </a:t>
+            </a:r>
+            <a:r>
+              <a:rPr lang="en-US" sz="4000" b="1" dirty="0" err="1">
+                <a:latin typeface="Times New Roman" panose="02020603050405020304" pitchFamily="18" charset="0"/>
+                <a:cs typeface="Times New Roman" panose="02020603050405020304" pitchFamily="18" charset="0"/>
+              </a:rPr>
+              <a:t>điểm</a:t>
+            </a:r>
+            <a:r>
+              <a:rPr lang="en-US" sz="4000" b="1" dirty="0">
+                <a:latin typeface="Times New Roman" panose="02020603050405020304" pitchFamily="18" charset="0"/>
+                <a:cs typeface="Times New Roman" panose="02020603050405020304" pitchFamily="18" charset="0"/>
+              </a:rPr>
+              <a:t> </a:t>
+            </a:r>
+            <a:r>
+              <a:rPr lang="en-US" sz="4000" b="1" dirty="0" err="1">
+                <a:latin typeface="Times New Roman" panose="02020603050405020304" pitchFamily="18" charset="0"/>
+                <a:cs typeface="Times New Roman" panose="02020603050405020304" pitchFamily="18" charset="0"/>
+              </a:rPr>
+              <a:t>và</a:t>
+            </a:r>
+            <a:r>
+              <a:rPr lang="en-US" sz="4000" b="1" dirty="0">
+                <a:latin typeface="Times New Roman" panose="02020603050405020304" pitchFamily="18" charset="0"/>
+                <a:cs typeface="Times New Roman" panose="02020603050405020304" pitchFamily="18" charset="0"/>
+              </a:rPr>
+              <a:t> </a:t>
+            </a:r>
+            <a:r>
+              <a:rPr lang="en-US" sz="4000" b="1" dirty="0" err="1">
+                <a:latin typeface="Times New Roman" panose="02020603050405020304" pitchFamily="18" charset="0"/>
+                <a:cs typeface="Times New Roman" panose="02020603050405020304" pitchFamily="18" charset="0"/>
+              </a:rPr>
+              <a:t>nhược</a:t>
+            </a:r>
+            <a:r>
+              <a:rPr lang="en-US" sz="4000" b="1" dirty="0">
+                <a:latin typeface="Times New Roman" panose="02020603050405020304" pitchFamily="18" charset="0"/>
+                <a:cs typeface="Times New Roman" panose="02020603050405020304" pitchFamily="18" charset="0"/>
+              </a:rPr>
+              <a:t> </a:t>
+            </a:r>
+            <a:r>
+              <a:rPr lang="en-US" sz="4000" b="1" dirty="0" err="1">
+                <a:latin typeface="Times New Roman" panose="02020603050405020304" pitchFamily="18" charset="0"/>
+                <a:cs typeface="Times New Roman" panose="02020603050405020304" pitchFamily="18" charset="0"/>
+              </a:rPr>
+              <a:t>điểm</a:t>
+            </a:r>
+            <a:endParaRPr lang="en-US" sz="4000" b="1" dirty="0">
+              <a:latin typeface="Times New Roman" panose="02020603050405020304" pitchFamily="18" charset="0"/>
+              <a:cs typeface="Times New Roman" panose="02020603050405020304" pitchFamily="18" charset="0"/>
+            </a:endParaRPr>
           </a:p>
           <a:p>
             <a:pPr marL="342900" indent="-342900">
               <a:buAutoNum type="arabicPeriod"/>
             </a:pPr>
             <a:r>
-              <a:rPr lang="en-US" dirty="0" smtClean="0"/>
-              <a:t>Hướng phát triển</a:t>
-            </a:r>
+              <a:rPr lang="en-US" sz="4000" b="1" dirty="0">
+                <a:latin typeface="Times New Roman" panose="02020603050405020304" pitchFamily="18" charset="0"/>
+                <a:cs typeface="Times New Roman" panose="02020603050405020304" pitchFamily="18" charset="0"/>
+              </a:rPr>
+              <a:t> </a:t>
+            </a:r>
+            <a:r>
+              <a:rPr lang="en-US" sz="4000" b="1" dirty="0" err="1">
+                <a:latin typeface="Times New Roman" panose="02020603050405020304" pitchFamily="18" charset="0"/>
+                <a:cs typeface="Times New Roman" panose="02020603050405020304" pitchFamily="18" charset="0"/>
+              </a:rPr>
+              <a:t>Hướng</a:t>
+            </a:r>
+            <a:r>
+              <a:rPr lang="en-US" sz="4000" b="1" dirty="0">
+                <a:latin typeface="Times New Roman" panose="02020603050405020304" pitchFamily="18" charset="0"/>
+                <a:cs typeface="Times New Roman" panose="02020603050405020304" pitchFamily="18" charset="0"/>
+              </a:rPr>
+              <a:t> </a:t>
+            </a:r>
+            <a:r>
+              <a:rPr lang="en-US" sz="4000" b="1" dirty="0" err="1">
+                <a:latin typeface="Times New Roman" panose="02020603050405020304" pitchFamily="18" charset="0"/>
+                <a:cs typeface="Times New Roman" panose="02020603050405020304" pitchFamily="18" charset="0"/>
+              </a:rPr>
+              <a:t>phát</a:t>
+            </a:r>
+            <a:r>
+              <a:rPr lang="en-US" sz="4000" b="1" dirty="0">
+                <a:latin typeface="Times New Roman" panose="02020603050405020304" pitchFamily="18" charset="0"/>
+                <a:cs typeface="Times New Roman" panose="02020603050405020304" pitchFamily="18" charset="0"/>
+              </a:rPr>
+              <a:t> </a:t>
+            </a:r>
+            <a:r>
+              <a:rPr lang="en-US" sz="4000" b="1" dirty="0" err="1">
+                <a:latin typeface="Times New Roman" panose="02020603050405020304" pitchFamily="18" charset="0"/>
+                <a:cs typeface="Times New Roman" panose="02020603050405020304" pitchFamily="18" charset="0"/>
+              </a:rPr>
+              <a:t>triển</a:t>
+            </a:r>
+            <a:endParaRPr lang="en-US" sz="4000" b="1" dirty="0">
+              <a:latin typeface="Times New Roman" panose="02020603050405020304" pitchFamily="18" charset="0"/>
+              <a:cs typeface="Times New Roman" panose="02020603050405020304" pitchFamily="18" charset="0"/>
+            </a:endParaRPr>
           </a:p>
         </p:txBody>
       </p:sp>
@@ -6813,8 +7533,8 @@
         </p:nvSpPr>
         <p:spPr>
           <a:xfrm>
-            <a:off x="1404730" y="2120348"/>
-            <a:ext cx="6215270" cy="1754326"/>
+            <a:off x="939508" y="2139180"/>
+            <a:ext cx="9134933" cy="2677656"/>
           </a:xfrm>
           <a:prstGeom prst="rect">
             <a:avLst/>
@@ -6827,25 +7547,56 @@
           </a:bodyPr>
           <a:lstStyle/>
           <a:p>
-            <a:endParaRPr lang="en-US" dirty="0" smtClean="0"/>
-          </a:p>
-          <a:p>
-            <a:pPr marL="285750" indent="-285750">
+            <a:pPr algn="just"/>
+            <a:endParaRPr lang="en-US" sz="2800" dirty="0">
+              <a:latin typeface="Times New Roman" panose="02020603050405020304" pitchFamily="18" charset="0"/>
+              <a:cs typeface="Times New Roman" panose="02020603050405020304" pitchFamily="18" charset="0"/>
+            </a:endParaRPr>
+          </a:p>
+          <a:p>
+            <a:pPr marL="285750" indent="-285750" algn="just">
               <a:buFontTx/>
               <a:buChar char="-"/>
             </a:pPr>
             <a:r>
-              <a:rPr lang="en-US" dirty="0" smtClean="0"/>
-              <a:t>Khắc phục những nhược điểm trên.</a:t>
-            </a:r>
-          </a:p>
-          <a:p>
-            <a:pPr marL="285750" indent="-285750">
+              <a:rPr lang="en-US" sz="2800" dirty="0">
+                <a:latin typeface="Times New Roman" panose="02020603050405020304" pitchFamily="18" charset="0"/>
+                <a:cs typeface="Times New Roman" panose="02020603050405020304" pitchFamily="18" charset="0"/>
+              </a:rPr>
+              <a:t>Khắc phục những nhược điểm </a:t>
+            </a:r>
+            <a:r>
+              <a:rPr lang="en-US" sz="2800" dirty="0" err="1">
+                <a:latin typeface="Times New Roman" panose="02020603050405020304" pitchFamily="18" charset="0"/>
+                <a:cs typeface="Times New Roman" panose="02020603050405020304" pitchFamily="18" charset="0"/>
+              </a:rPr>
+              <a:t>trên</a:t>
+            </a:r>
+            <a:r>
+              <a:rPr lang="en-US" sz="2800" dirty="0">
+                <a:latin typeface="Times New Roman" panose="02020603050405020304" pitchFamily="18" charset="0"/>
+                <a:cs typeface="Times New Roman" panose="02020603050405020304" pitchFamily="18" charset="0"/>
+              </a:rPr>
+              <a:t>.</a:t>
+            </a:r>
+          </a:p>
+          <a:p>
+            <a:pPr algn="just"/>
+            <a:endParaRPr lang="en-US" sz="2800" dirty="0">
+              <a:latin typeface="Times New Roman" panose="02020603050405020304" pitchFamily="18" charset="0"/>
+              <a:cs typeface="Times New Roman" panose="02020603050405020304" pitchFamily="18" charset="0"/>
+            </a:endParaRPr>
+          </a:p>
+          <a:p>
+            <a:pPr marL="285750" indent="-285750" algn="just">
               <a:buFontTx/>
               <a:buChar char="-"/>
             </a:pPr>
             <a:r>
-              <a:rPr lang="en-US" dirty="0" smtClean="0"/>
+              <a:rPr lang="en-US" sz="2800" dirty="0">
+                <a:latin typeface="Times New Roman" panose="02020603050405020304" pitchFamily="18" charset="0"/>
+                <a:cs typeface="Times New Roman" panose="02020603050405020304" pitchFamily="18" charset="0"/>
+              </a:rPr>
               <a:t>Trong tương lai sẽ thêm những chức năng mới như: đọc sách trực tiếp trên ứng dụng, thông báo khi số lượng và  thời gian mượn gần hết thì người mượn sẽ nhận được SMS.</a:t>
             </a:r>
           </a:p>
@@ -6861,10 +7612,413 @@
   <p:clrMapOvr>
     <a:masterClrMapping/>
   </p:clrMapOvr>
+  <p:transition spd="slow">
+    <p:randomBar dir="vert"/>
+  </p:transition>
   <p:timing>
     <p:tnLst>
       <p:par>
-        <p:cTn id="1" dur="indefinite" restart="never" nodeType="tmRoot"/>
+        <p:cTn id="1" dur="indefinite" restart="never" nodeType="tmRoot">
+          <p:childTnLst>
+            <p:seq concurrent="1" nextAc="seek">
+              <p:cTn id="2" dur="indefinite" nodeType="mainSeq">
+                <p:childTnLst>
+                  <p:par>
+                    <p:cTn id="3" fill="hold">
+                      <p:stCondLst>
+                        <p:cond delay="indefinite"/>
+                      </p:stCondLst>
+                      <p:childTnLst>
+                        <p:par>
+                          <p:cTn id="4" fill="hold">
+                            <p:stCondLst>
+                              <p:cond delay="0"/>
+                            </p:stCondLst>
+                            <p:childTnLst>
+                              <p:par>
+                                <p:cTn id="5" presetID="16" presetClass="entr" presetSubtype="21" fill="hold" nodeType="clickEffect">
+                                  <p:stCondLst>
+                                    <p:cond delay="0"/>
+                                  </p:stCondLst>
+                                  <p:childTnLst>
+                                    <p:set>
+                                      <p:cBhvr>
+                                        <p:cTn id="6" dur="1" fill="hold">
+                                          <p:stCondLst>
+                                            <p:cond delay="0"/>
+                                          </p:stCondLst>
+                                        </p:cTn>
+                                        <p:tgtEl>
+                                          <p:spTgt spid="2">
+                                            <p:txEl>
+                                              <p:pRg st="0" end="0"/>
+                                            </p:txEl>
+                                          </p:spTgt>
+                                        </p:tgtEl>
+                                        <p:attrNameLst>
+                                          <p:attrName>style.visibility</p:attrName>
+                                        </p:attrNameLst>
+                                      </p:cBhvr>
+                                      <p:to>
+                                        <p:strVal val="visible"/>
+                                      </p:to>
+                                    </p:set>
+                                    <p:animEffect transition="in" filter="barn(inVertical)">
+                                      <p:cBhvr>
+                                        <p:cTn id="7" dur="300"/>
+                                        <p:tgtEl>
+                                          <p:spTgt spid="2">
+                                            <p:txEl>
+                                              <p:pRg st="0" end="0"/>
+                                            </p:txEl>
+                                          </p:spTgt>
+                                        </p:tgtEl>
+                                      </p:cBhvr>
+                                    </p:animEffect>
+                                  </p:childTnLst>
+                                </p:cTn>
+                              </p:par>
+                              <p:par>
+                                <p:cTn id="8" presetID="16" presetClass="entr" presetSubtype="21" fill="hold" nodeType="withEffect">
+                                  <p:stCondLst>
+                                    <p:cond delay="0"/>
+                                  </p:stCondLst>
+                                  <p:childTnLst>
+                                    <p:set>
+                                      <p:cBhvr>
+                                        <p:cTn id="9" dur="1" fill="hold">
+                                          <p:stCondLst>
+                                            <p:cond delay="0"/>
+                                          </p:stCondLst>
+                                        </p:cTn>
+                                        <p:tgtEl>
+                                          <p:spTgt spid="2">
+                                            <p:txEl>
+                                              <p:pRg st="1" end="1"/>
+                                            </p:txEl>
+                                          </p:spTgt>
+                                        </p:tgtEl>
+                                        <p:attrNameLst>
+                                          <p:attrName>style.visibility</p:attrName>
+                                        </p:attrNameLst>
+                                      </p:cBhvr>
+                                      <p:to>
+                                        <p:strVal val="visible"/>
+                                      </p:to>
+                                    </p:set>
+                                    <p:animEffect transition="in" filter="barn(inVertical)">
+                                      <p:cBhvr>
+                                        <p:cTn id="10" dur="1600"/>
+                                        <p:tgtEl>
+                                          <p:spTgt spid="2">
+                                            <p:txEl>
+                                              <p:pRg st="1" end="1"/>
+                                            </p:txEl>
+                                          </p:spTgt>
+                                        </p:tgtEl>
+                                      </p:cBhvr>
+                                    </p:animEffect>
+                                  </p:childTnLst>
+                                </p:cTn>
+                              </p:par>
+                              <p:par>
+                                <p:cTn id="11" presetID="16" presetClass="entr" presetSubtype="21" fill="hold" nodeType="withEffect">
+                                  <p:stCondLst>
+                                    <p:cond delay="0"/>
+                                  </p:stCondLst>
+                                  <p:childTnLst>
+                                    <p:set>
+                                      <p:cBhvr>
+                                        <p:cTn id="12" dur="1" fill="hold">
+                                          <p:stCondLst>
+                                            <p:cond delay="0"/>
+                                          </p:stCondLst>
+                                        </p:cTn>
+                                        <p:tgtEl>
+                                          <p:spTgt spid="2">
+                                            <p:txEl>
+                                              <p:pRg st="2" end="2"/>
+                                            </p:txEl>
+                                          </p:spTgt>
+                                        </p:tgtEl>
+                                        <p:attrNameLst>
+                                          <p:attrName>style.visibility</p:attrName>
+                                        </p:attrNameLst>
+                                      </p:cBhvr>
+                                      <p:to>
+                                        <p:strVal val="visible"/>
+                                      </p:to>
+                                    </p:set>
+                                    <p:animEffect transition="in" filter="barn(inVertical)">
+                                      <p:cBhvr>
+                                        <p:cTn id="13" dur="2600"/>
+                                        <p:tgtEl>
+                                          <p:spTgt spid="2">
+                                            <p:txEl>
+                                              <p:pRg st="2" end="2"/>
+                                            </p:txEl>
+                                          </p:spTgt>
+                                        </p:tgtEl>
+                                      </p:cBhvr>
+                                    </p:animEffect>
+                                  </p:childTnLst>
+                                </p:cTn>
+                              </p:par>
+                            </p:childTnLst>
+                          </p:cTn>
+                        </p:par>
+                      </p:childTnLst>
+                    </p:cTn>
+                  </p:par>
+                  <p:par>
+                    <p:cTn id="14" fill="hold">
+                      <p:stCondLst>
+                        <p:cond delay="indefinite"/>
+                      </p:stCondLst>
+                      <p:childTnLst>
+                        <p:par>
+                          <p:cTn id="15" fill="hold">
+                            <p:stCondLst>
+                              <p:cond delay="0"/>
+                            </p:stCondLst>
+                            <p:childTnLst>
+                              <p:par>
+                                <p:cTn id="16" presetID="42" presetClass="entr" presetSubtype="0" fill="hold" nodeType="clickEffect">
+                                  <p:stCondLst>
+                                    <p:cond delay="0"/>
+                                  </p:stCondLst>
+                                  <p:childTnLst>
+                                    <p:set>
+                                      <p:cBhvr>
+                                        <p:cTn id="17" dur="1" fill="hold">
+                                          <p:stCondLst>
+                                            <p:cond delay="0"/>
+                                          </p:stCondLst>
+                                        </p:cTn>
+                                        <p:tgtEl>
+                                          <p:spTgt spid="3">
+                                            <p:txEl>
+                                              <p:pRg st="1" end="1"/>
+                                            </p:txEl>
+                                          </p:spTgt>
+                                        </p:tgtEl>
+                                        <p:attrNameLst>
+                                          <p:attrName>style.visibility</p:attrName>
+                                        </p:attrNameLst>
+                                      </p:cBhvr>
+                                      <p:to>
+                                        <p:strVal val="visible"/>
+                                      </p:to>
+                                    </p:set>
+                                    <p:animEffect transition="in" filter="fade">
+                                      <p:cBhvr>
+                                        <p:cTn id="18" dur="1000"/>
+                                        <p:tgtEl>
+                                          <p:spTgt spid="3">
+                                            <p:txEl>
+                                              <p:pRg st="1" end="1"/>
+                                            </p:txEl>
+                                          </p:spTgt>
+                                        </p:tgtEl>
+                                      </p:cBhvr>
+                                    </p:animEffect>
+                                    <p:anim calcmode="lin" valueType="num">
+                                      <p:cBhvr>
+                                        <p:cTn id="19" dur="1000" fill="hold"/>
+                                        <p:tgtEl>
+                                          <p:spTgt spid="3">
+                                            <p:txEl>
+                                              <p:pRg st="1" end="1"/>
+                                            </p:txEl>
+                                          </p:spTgt>
+                                        </p:tgtEl>
+                                        <p:attrNameLst>
+                                          <p:attrName>ppt_x</p:attrName>
+                                        </p:attrNameLst>
+                                      </p:cBhvr>
+                                      <p:tavLst>
+                                        <p:tav tm="0">
+                                          <p:val>
+                                            <p:strVal val="#ppt_x"/>
+                                          </p:val>
+                                        </p:tav>
+                                        <p:tav tm="100000">
+                                          <p:val>
+                                            <p:strVal val="#ppt_x"/>
+                                          </p:val>
+                                        </p:tav>
+                                      </p:tavLst>
+                                    </p:anim>
+                                    <p:anim calcmode="lin" valueType="num">
+                                      <p:cBhvr>
+                                        <p:cTn id="20" dur="1000" fill="hold"/>
+                                        <p:tgtEl>
+                                          <p:spTgt spid="3">
+                                            <p:txEl>
+                                              <p:pRg st="1" end="1"/>
+                                            </p:txEl>
+                                          </p:spTgt>
+                                        </p:tgtEl>
+                                        <p:attrNameLst>
+                                          <p:attrName>ppt_y</p:attrName>
+                                        </p:attrNameLst>
+                                      </p:cBhvr>
+                                      <p:tavLst>
+                                        <p:tav tm="0">
+                                          <p:val>
+                                            <p:strVal val="#ppt_y+.1"/>
+                                          </p:val>
+                                        </p:tav>
+                                        <p:tav tm="100000">
+                                          <p:val>
+                                            <p:strVal val="#ppt_y"/>
+                                          </p:val>
+                                        </p:tav>
+                                      </p:tavLst>
+                                    </p:anim>
+                                  </p:childTnLst>
+                                </p:cTn>
+                              </p:par>
+                            </p:childTnLst>
+                          </p:cTn>
+                        </p:par>
+                      </p:childTnLst>
+                    </p:cTn>
+                  </p:par>
+                  <p:par>
+                    <p:cTn id="21" fill="hold">
+                      <p:stCondLst>
+                        <p:cond delay="indefinite"/>
+                      </p:stCondLst>
+                      <p:childTnLst>
+                        <p:par>
+                          <p:cTn id="22" fill="hold">
+                            <p:stCondLst>
+                              <p:cond delay="0"/>
+                            </p:stCondLst>
+                            <p:childTnLst>
+                              <p:par>
+                                <p:cTn id="23" presetID="42" presetClass="entr" presetSubtype="0" fill="hold" nodeType="clickEffect">
+                                  <p:stCondLst>
+                                    <p:cond delay="0"/>
+                                  </p:stCondLst>
+                                  <p:childTnLst>
+                                    <p:set>
+                                      <p:cBhvr>
+                                        <p:cTn id="24" dur="1" fill="hold">
+                                          <p:stCondLst>
+                                            <p:cond delay="0"/>
+                                          </p:stCondLst>
+                                        </p:cTn>
+                                        <p:tgtEl>
+                                          <p:spTgt spid="3">
+                                            <p:txEl>
+                                              <p:pRg st="3" end="3"/>
+                                            </p:txEl>
+                                          </p:spTgt>
+                                        </p:tgtEl>
+                                        <p:attrNameLst>
+                                          <p:attrName>style.visibility</p:attrName>
+                                        </p:attrNameLst>
+                                      </p:cBhvr>
+                                      <p:to>
+                                        <p:strVal val="visible"/>
+                                      </p:to>
+                                    </p:set>
+                                    <p:animEffect transition="in" filter="fade">
+                                      <p:cBhvr>
+                                        <p:cTn id="25" dur="1000"/>
+                                        <p:tgtEl>
+                                          <p:spTgt spid="3">
+                                            <p:txEl>
+                                              <p:pRg st="3" end="3"/>
+                                            </p:txEl>
+                                          </p:spTgt>
+                                        </p:tgtEl>
+                                      </p:cBhvr>
+                                    </p:animEffect>
+                                    <p:anim calcmode="lin" valueType="num">
+                                      <p:cBhvr>
+                                        <p:cTn id="26" dur="1000" fill="hold"/>
+                                        <p:tgtEl>
+                                          <p:spTgt spid="3">
+                                            <p:txEl>
+                                              <p:pRg st="3" end="3"/>
+                                            </p:txEl>
+                                          </p:spTgt>
+                                        </p:tgtEl>
+                                        <p:attrNameLst>
+                                          <p:attrName>ppt_x</p:attrName>
+                                        </p:attrNameLst>
+                                      </p:cBhvr>
+                                      <p:tavLst>
+                                        <p:tav tm="0">
+                                          <p:val>
+                                            <p:strVal val="#ppt_x"/>
+                                          </p:val>
+                                        </p:tav>
+                                        <p:tav tm="100000">
+                                          <p:val>
+                                            <p:strVal val="#ppt_x"/>
+                                          </p:val>
+                                        </p:tav>
+                                      </p:tavLst>
+                                    </p:anim>
+                                    <p:anim calcmode="lin" valueType="num">
+                                      <p:cBhvr>
+                                        <p:cTn id="27" dur="1000" fill="hold"/>
+                                        <p:tgtEl>
+                                          <p:spTgt spid="3">
+                                            <p:txEl>
+                                              <p:pRg st="3" end="3"/>
+                                            </p:txEl>
+                                          </p:spTgt>
+                                        </p:tgtEl>
+                                        <p:attrNameLst>
+                                          <p:attrName>ppt_y</p:attrName>
+                                        </p:attrNameLst>
+                                      </p:cBhvr>
+                                      <p:tavLst>
+                                        <p:tav tm="0">
+                                          <p:val>
+                                            <p:strVal val="#ppt_y+.1"/>
+                                          </p:val>
+                                        </p:tav>
+                                        <p:tav tm="100000">
+                                          <p:val>
+                                            <p:strVal val="#ppt_y"/>
+                                          </p:val>
+                                        </p:tav>
+                                      </p:tavLst>
+                                    </p:anim>
+                                  </p:childTnLst>
+                                </p:cTn>
+                              </p:par>
+                            </p:childTnLst>
+                          </p:cTn>
+                        </p:par>
+                      </p:childTnLst>
+                    </p:cTn>
+                  </p:par>
+                </p:childTnLst>
+              </p:cTn>
+              <p:prevCondLst>
+                <p:cond evt="onPrev" delay="0">
+                  <p:tgtEl>
+                    <p:sldTgt/>
+                  </p:tgtEl>
+                </p:cond>
+              </p:prevCondLst>
+              <p:nextCondLst>
+                <p:cond evt="onNext" delay="0">
+                  <p:tgtEl>
+                    <p:sldTgt/>
+                  </p:tgtEl>
+                </p:cond>
+              </p:nextCondLst>
+            </p:seq>
+          </p:childTnLst>
+        </p:cTn>
       </p:par>
     </p:tnLst>
   </p:timing>
@@ -6896,8 +8050,8 @@
         </p:nvSpPr>
         <p:spPr>
           <a:xfrm>
-            <a:off x="825500" y="2019300"/>
-            <a:ext cx="10096500" cy="1477328"/>
+            <a:off x="421565" y="1538038"/>
+            <a:ext cx="10096500" cy="2862322"/>
           </a:xfrm>
           <a:prstGeom prst="rect">
             <a:avLst/>
@@ -6911,71 +8065,85 @@
           <a:lstStyle/>
           <a:p>
             <a:r>
-              <a:rPr lang="en-US" dirty="0" smtClean="0"/>
-              <a:t>1. Tổng quan về đồ án</a:t>
-            </a:r>
-          </a:p>
-          <a:p>
-            <a:r>
-              <a:rPr lang="en-US" dirty="0"/>
-              <a:t> </a:t>
-            </a:r>
-            <a:r>
-              <a:rPr lang="en-US" dirty="0" smtClean="0"/>
-              <a:t>   a. Giới thiệu đề tài</a:t>
-            </a:r>
-          </a:p>
-          <a:p>
-            <a:r>
-              <a:rPr lang="en-US" dirty="0"/>
-              <a:t> </a:t>
-            </a:r>
-            <a:r>
-              <a:rPr lang="en-US" dirty="0" smtClean="0"/>
-              <a:t>   b. Các form, class và chức năng</a:t>
-            </a:r>
-          </a:p>
-          <a:p>
-            <a:r>
-              <a:rPr lang="en-US" dirty="0"/>
-              <a:t>2</a:t>
-            </a:r>
-            <a:r>
-              <a:rPr lang="en-US" dirty="0" smtClean="0"/>
-              <a:t>. </a:t>
-            </a:r>
-            <a:r>
-              <a:rPr lang="vi-VN" dirty="0" smtClean="0"/>
+              <a:rPr lang="en-US" sz="3600" dirty="0"/>
+              <a:t>1. </a:t>
+            </a:r>
+            <a:r>
+              <a:rPr lang="en-US" sz="3600" dirty="0">
+                <a:latin typeface="Times New Roman" panose="02020603050405020304" pitchFamily="18" charset="0"/>
+                <a:cs typeface="Times New Roman" panose="02020603050405020304" pitchFamily="18" charset="0"/>
+              </a:rPr>
+              <a:t>Tổng quan về đồ án</a:t>
+            </a:r>
+          </a:p>
+          <a:p>
+            <a:r>
+              <a:rPr lang="en-US" sz="3600" dirty="0">
+                <a:latin typeface="Times New Roman" panose="02020603050405020304" pitchFamily="18" charset="0"/>
+                <a:cs typeface="Times New Roman" panose="02020603050405020304" pitchFamily="18" charset="0"/>
+              </a:rPr>
+              <a:t>    a. Giới thiệu đề tài</a:t>
+            </a:r>
+          </a:p>
+          <a:p>
+            <a:r>
+              <a:rPr lang="en-US" sz="3600" dirty="0">
+                <a:latin typeface="Times New Roman" panose="02020603050405020304" pitchFamily="18" charset="0"/>
+                <a:cs typeface="Times New Roman" panose="02020603050405020304" pitchFamily="18" charset="0"/>
+              </a:rPr>
+              <a:t>    b. Các form, class và chức năng</a:t>
+            </a:r>
+          </a:p>
+          <a:p>
+            <a:r>
+              <a:rPr lang="en-US" sz="3600" dirty="0">
+                <a:latin typeface="Times New Roman" panose="02020603050405020304" pitchFamily="18" charset="0"/>
+                <a:cs typeface="Times New Roman" panose="02020603050405020304" pitchFamily="18" charset="0"/>
+              </a:rPr>
+              <a:t>2. </a:t>
+            </a:r>
+            <a:r>
+              <a:rPr lang="vi-VN" sz="3600" dirty="0">
+                <a:latin typeface="Times New Roman" panose="02020603050405020304" pitchFamily="18" charset="0"/>
+                <a:cs typeface="Times New Roman" panose="02020603050405020304" pitchFamily="18" charset="0"/>
+              </a:rPr>
               <a:t>Ư</a:t>
             </a:r>
             <a:r>
-              <a:rPr lang="en-US" dirty="0" smtClean="0"/>
+              <a:rPr lang="en-US" sz="3600" dirty="0">
+                <a:latin typeface="Times New Roman" panose="02020603050405020304" pitchFamily="18" charset="0"/>
+                <a:cs typeface="Times New Roman" panose="02020603050405020304" pitchFamily="18" charset="0"/>
+              </a:rPr>
               <a:t>u điểm và nhược điểm</a:t>
             </a:r>
           </a:p>
           <a:p>
             <a:r>
-              <a:rPr lang="en-US" dirty="0"/>
-              <a:t>3</a:t>
-            </a:r>
-            <a:r>
-              <a:rPr lang="en-US" dirty="0" smtClean="0"/>
-              <a:t>. Hướng phát triển</a:t>
-            </a:r>
-            <a:endParaRPr lang="en-US" dirty="0"/>
+              <a:rPr lang="en-US" sz="3600" dirty="0">
+                <a:latin typeface="Times New Roman" panose="02020603050405020304" pitchFamily="18" charset="0"/>
+                <a:cs typeface="Times New Roman" panose="02020603050405020304" pitchFamily="18" charset="0"/>
+              </a:rPr>
+              <a:t>3. Hướng phát triển</a:t>
+            </a:r>
           </a:p>
         </p:txBody>
       </p:sp>
       <p:sp>
         <p:nvSpPr>
-          <p:cNvPr id="6" name="TextBox 5"/>
+          <p:cNvPr id="4" name="TextBox 3">
+            <a:extLst>
+              <a:ext uri="{FF2B5EF4-FFF2-40B4-BE49-F238E27FC236}">
+                <a16:creationId xmlns:a16="http://schemas.microsoft.com/office/drawing/2014/main" id="{BA6B935A-7540-4A92-8D30-30BE9B5A7B46}"/>
+              </a:ext>
+            </a:extLst>
+          </p:cNvPr>
           <p:cNvSpPr txBox="1"/>
           <p:nvPr/>
         </p:nvSpPr>
         <p:spPr>
           <a:xfrm>
-            <a:off x="3975100" y="749300"/>
-            <a:ext cx="4305300" cy="369332"/>
+            <a:off x="421565" y="254093"/>
+            <a:ext cx="8789158" cy="769441"/>
           </a:xfrm>
           <a:prstGeom prst="rect">
             <a:avLst/>
@@ -6988,11 +8156,26 @@
           </a:bodyPr>
           <a:lstStyle/>
           <a:p>
-            <a:r>
-              <a:rPr lang="en-US" dirty="0" smtClean="0"/>
-              <a:t>Quản Lý Thư Viện</a:t>
-            </a:r>
-            <a:endParaRPr lang="en-US" dirty="0"/>
+            <a:pPr algn="ctr"/>
+            <a:r>
+              <a:rPr lang="en-US" sz="4400" b="1" dirty="0">
+                <a:ln w="22225">
+                  <a:solidFill>
+                    <a:schemeClr val="accent2"/>
+                  </a:solidFill>
+                  <a:prstDash val="solid"/>
+                </a:ln>
+                <a:solidFill>
+                  <a:schemeClr val="accent2">
+                    <a:lumMod val="40000"/>
+                    <a:lumOff val="60000"/>
+                  </a:schemeClr>
+                </a:solidFill>
+                <a:latin typeface="Times New Roman" panose="02020603050405020304" pitchFamily="18" charset="0"/>
+                <a:cs typeface="Times New Roman" panose="02020603050405020304" pitchFamily="18" charset="0"/>
+              </a:rPr>
+              <a:t>QUẢN LÝ THƯ VIỆN</a:t>
+            </a:r>
           </a:p>
         </p:txBody>
       </p:sp>
@@ -7006,12 +8189,194 @@
   <p:clrMapOvr>
     <a:masterClrMapping/>
   </p:clrMapOvr>
+  <p:transition spd="slow">
+    <p:wipe/>
+  </p:transition>
   <p:timing>
     <p:tnLst>
       <p:par>
-        <p:cTn id="1" dur="indefinite" restart="never" nodeType="tmRoot"/>
+        <p:cTn id="1" dur="indefinite" restart="never" nodeType="tmRoot">
+          <p:childTnLst>
+            <p:seq concurrent="1" nextAc="seek">
+              <p:cTn id="2" dur="indefinite" nodeType="mainSeq">
+                <p:childTnLst>
+                  <p:par>
+                    <p:cTn id="3" fill="hold">
+                      <p:stCondLst>
+                        <p:cond delay="indefinite"/>
+                      </p:stCondLst>
+                      <p:childTnLst>
+                        <p:par>
+                          <p:cTn id="4" fill="hold">
+                            <p:stCondLst>
+                              <p:cond delay="0"/>
+                            </p:stCondLst>
+                            <p:childTnLst>
+                              <p:par>
+                                <p:cTn id="5" presetID="6" presetClass="entr" presetSubtype="16" fill="hold" grpId="0" nodeType="clickEffect">
+                                  <p:stCondLst>
+                                    <p:cond delay="0"/>
+                                  </p:stCondLst>
+                                  <p:childTnLst>
+                                    <p:set>
+                                      <p:cBhvr>
+                                        <p:cTn id="6" dur="1" fill="hold">
+                                          <p:stCondLst>
+                                            <p:cond delay="0"/>
+                                          </p:stCondLst>
+                                        </p:cTn>
+                                        <p:tgtEl>
+                                          <p:spTgt spid="4"/>
+                                        </p:tgtEl>
+                                        <p:attrNameLst>
+                                          <p:attrName>style.visibility</p:attrName>
+                                        </p:attrNameLst>
+                                      </p:cBhvr>
+                                      <p:to>
+                                        <p:strVal val="visible"/>
+                                      </p:to>
+                                    </p:set>
+                                    <p:animEffect transition="in" filter="circle(in)">
+                                      <p:cBhvr>
+                                        <p:cTn id="7" dur="2000"/>
+                                        <p:tgtEl>
+                                          <p:spTgt spid="4"/>
+                                        </p:tgtEl>
+                                      </p:cBhvr>
+                                    </p:animEffect>
+                                  </p:childTnLst>
+                                </p:cTn>
+                              </p:par>
+                            </p:childTnLst>
+                          </p:cTn>
+                        </p:par>
+                      </p:childTnLst>
+                    </p:cTn>
+                  </p:par>
+                  <p:par>
+                    <p:cTn id="8" fill="hold">
+                      <p:stCondLst>
+                        <p:cond delay="indefinite"/>
+                      </p:stCondLst>
+                      <p:childTnLst>
+                        <p:par>
+                          <p:cTn id="9" fill="hold">
+                            <p:stCondLst>
+                              <p:cond delay="0"/>
+                            </p:stCondLst>
+                            <p:childTnLst>
+                              <p:par>
+                                <p:cTn id="10" presetID="42" presetClass="entr" presetSubtype="0" fill="hold" grpId="0" nodeType="clickEffect">
+                                  <p:stCondLst>
+                                    <p:cond delay="0"/>
+                                  </p:stCondLst>
+                                  <p:childTnLst>
+                                    <p:set>
+                                      <p:cBhvr>
+                                        <p:cTn id="11" dur="1" fill="hold">
+                                          <p:stCondLst>
+                                            <p:cond delay="0"/>
+                                          </p:stCondLst>
+                                        </p:cTn>
+                                        <p:tgtEl>
+                                          <p:spTgt spid="5"/>
+                                        </p:tgtEl>
+                                        <p:attrNameLst>
+                                          <p:attrName>style.visibility</p:attrName>
+                                        </p:attrNameLst>
+                                      </p:cBhvr>
+                                      <p:to>
+                                        <p:strVal val="visible"/>
+                                      </p:to>
+                                    </p:set>
+                                    <p:animEffect transition="in" filter="fade">
+                                      <p:cBhvr>
+                                        <p:cTn id="12" dur="1000"/>
+                                        <p:tgtEl>
+                                          <p:spTgt spid="5"/>
+                                        </p:tgtEl>
+                                      </p:cBhvr>
+                                    </p:animEffect>
+                                    <p:anim calcmode="lin" valueType="num">
+                                      <p:cBhvr>
+                                        <p:cTn id="13" dur="1000" fill="hold"/>
+                                        <p:tgtEl>
+                                          <p:spTgt spid="5"/>
+                                        </p:tgtEl>
+                                        <p:attrNameLst>
+                                          <p:attrName>ppt_x</p:attrName>
+                                        </p:attrNameLst>
+                                      </p:cBhvr>
+                                      <p:tavLst>
+                                        <p:tav tm="0">
+                                          <p:val>
+                                            <p:strVal val="#ppt_x"/>
+                                          </p:val>
+                                        </p:tav>
+                                        <p:tav tm="100000">
+                                          <p:val>
+                                            <p:strVal val="#ppt_x"/>
+                                          </p:val>
+                                        </p:tav>
+                                      </p:tavLst>
+                                    </p:anim>
+                                    <p:anim calcmode="lin" valueType="num">
+                                      <p:cBhvr>
+                                        <p:cTn id="14" dur="1000" fill="hold"/>
+                                        <p:tgtEl>
+                                          <p:spTgt spid="5"/>
+                                        </p:tgtEl>
+                                        <p:attrNameLst>
+                                          <p:attrName>ppt_y</p:attrName>
+                                        </p:attrNameLst>
+                                      </p:cBhvr>
+                                      <p:tavLst>
+                                        <p:tav tm="0">
+                                          <p:val>
+                                            <p:strVal val="#ppt_y+.1"/>
+                                          </p:val>
+                                        </p:tav>
+                                        <p:tav tm="100000">
+                                          <p:val>
+                                            <p:strVal val="#ppt_y"/>
+                                          </p:val>
+                                        </p:tav>
+                                      </p:tavLst>
+                                    </p:anim>
+                                  </p:childTnLst>
+                                </p:cTn>
+                              </p:par>
+                            </p:childTnLst>
+                          </p:cTn>
+                        </p:par>
+                      </p:childTnLst>
+                    </p:cTn>
+                  </p:par>
+                </p:childTnLst>
+              </p:cTn>
+              <p:prevCondLst>
+                <p:cond evt="onPrev" delay="0">
+                  <p:tgtEl>
+                    <p:sldTgt/>
+                  </p:tgtEl>
+                </p:cond>
+              </p:prevCondLst>
+              <p:nextCondLst>
+                <p:cond evt="onNext" delay="0">
+                  <p:tgtEl>
+                    <p:sldTgt/>
+                  </p:tgtEl>
+                </p:cond>
+              </p:nextCondLst>
+            </p:seq>
+          </p:childTnLst>
+        </p:cTn>
       </p:par>
     </p:tnLst>
+    <p:bldLst>
+      <p:bldP spid="5" grpId="0"/>
+      <p:bldP spid="4" grpId="0"/>
+    </p:bldLst>
   </p:timing>
 </p:sld>
 </file>
@@ -7041,8 +8406,8 @@
         </p:nvSpPr>
         <p:spPr>
           <a:xfrm>
-            <a:off x="571500" y="1460500"/>
-            <a:ext cx="6096000" cy="646331"/>
+            <a:off x="330868" y="374432"/>
+            <a:ext cx="6096000" cy="923330"/>
           </a:xfrm>
           <a:prstGeom prst="rect">
             <a:avLst/>
@@ -7059,7 +8424,10 @@
               <a:buAutoNum type="arabicPeriod"/>
             </a:pPr>
             <a:r>
-              <a:rPr lang="en-US" dirty="0" smtClean="0"/>
+              <a:rPr lang="en-US" sz="3600" dirty="0">
+                <a:latin typeface="Times New Roman" panose="02020603050405020304" pitchFamily="18" charset="0"/>
+                <a:cs typeface="Times New Roman" panose="02020603050405020304" pitchFamily="18" charset="0"/>
+              </a:rPr>
               <a:t>Tổng quan đề tài:</a:t>
             </a:r>
           </a:p>
@@ -7077,8 +8445,8 @@
         </p:nvSpPr>
         <p:spPr>
           <a:xfrm>
-            <a:off x="1193800" y="2209800"/>
-            <a:ext cx="5473700" cy="369332"/>
+            <a:off x="680452" y="1036153"/>
+            <a:ext cx="5473700" cy="523220"/>
           </a:xfrm>
           <a:prstGeom prst="rect">
             <a:avLst/>
@@ -7095,7 +8463,7 @@
               <a:buAutoNum type="alphaLcPeriod"/>
             </a:pPr>
             <a:r>
-              <a:rPr lang="en-US" dirty="0" smtClean="0"/>
+              <a:rPr lang="en-US" sz="2800" dirty="0"/>
               <a:t>Giới thiệu đề tài:</a:t>
             </a:r>
           </a:p>
@@ -7124,7 +8492,7 @@
         </p:blipFill>
         <p:spPr bwMode="auto">
           <a:xfrm>
-            <a:off x="571500" y="2847240"/>
+            <a:off x="330868" y="1959483"/>
             <a:ext cx="5375275" cy="2989997"/>
           </a:xfrm>
           <a:prstGeom prst="rect">
@@ -7165,7 +8533,7 @@
         </p:blipFill>
         <p:spPr bwMode="auto">
           <a:xfrm>
-            <a:off x="5946774" y="2847239"/>
+            <a:off x="5866563" y="1959483"/>
             <a:ext cx="5432413" cy="2989997"/>
           </a:xfrm>
           <a:prstGeom prst="rect">
@@ -7193,12 +8561,300 @@
   <p:clrMapOvr>
     <a:masterClrMapping/>
   </p:clrMapOvr>
+  <p:transition spd="slow">
+    <p:wipe/>
+  </p:transition>
   <p:timing>
     <p:tnLst>
       <p:par>
-        <p:cTn id="1" dur="indefinite" restart="never" nodeType="tmRoot"/>
+        <p:cTn id="1" dur="indefinite" restart="never" nodeType="tmRoot">
+          <p:childTnLst>
+            <p:seq concurrent="1" nextAc="seek">
+              <p:cTn id="2" dur="indefinite" nodeType="mainSeq">
+                <p:childTnLst>
+                  <p:par>
+                    <p:cTn id="3" fill="hold">
+                      <p:stCondLst>
+                        <p:cond delay="indefinite"/>
+                      </p:stCondLst>
+                      <p:childTnLst>
+                        <p:par>
+                          <p:cTn id="4" fill="hold">
+                            <p:stCondLst>
+                              <p:cond delay="0"/>
+                            </p:stCondLst>
+                            <p:childTnLst>
+                              <p:par>
+                                <p:cTn id="5" presetID="16" presetClass="entr" presetSubtype="21" fill="hold" grpId="0" nodeType="clickEffect">
+                                  <p:stCondLst>
+                                    <p:cond delay="0"/>
+                                  </p:stCondLst>
+                                  <p:childTnLst>
+                                    <p:set>
+                                      <p:cBhvr>
+                                        <p:cTn id="6" dur="1" fill="hold">
+                                          <p:stCondLst>
+                                            <p:cond delay="0"/>
+                                          </p:stCondLst>
+                                        </p:cTn>
+                                        <p:tgtEl>
+                                          <p:spTgt spid="2"/>
+                                        </p:tgtEl>
+                                        <p:attrNameLst>
+                                          <p:attrName>style.visibility</p:attrName>
+                                        </p:attrNameLst>
+                                      </p:cBhvr>
+                                      <p:to>
+                                        <p:strVal val="visible"/>
+                                      </p:to>
+                                    </p:set>
+                                    <p:animEffect transition="in" filter="barn(inVertical)">
+                                      <p:cBhvr>
+                                        <p:cTn id="7" dur="500"/>
+                                        <p:tgtEl>
+                                          <p:spTgt spid="2"/>
+                                        </p:tgtEl>
+                                      </p:cBhvr>
+                                    </p:animEffect>
+                                  </p:childTnLst>
+                                </p:cTn>
+                              </p:par>
+                            </p:childTnLst>
+                          </p:cTn>
+                        </p:par>
+                      </p:childTnLst>
+                    </p:cTn>
+                  </p:par>
+                  <p:par>
+                    <p:cTn id="8" fill="hold">
+                      <p:stCondLst>
+                        <p:cond delay="indefinite"/>
+                      </p:stCondLst>
+                      <p:childTnLst>
+                        <p:par>
+                          <p:cTn id="9" fill="hold">
+                            <p:stCondLst>
+                              <p:cond delay="0"/>
+                            </p:stCondLst>
+                            <p:childTnLst>
+                              <p:par>
+                                <p:cTn id="10" presetID="42" presetClass="entr" presetSubtype="0" fill="hold" grpId="0" nodeType="clickEffect">
+                                  <p:stCondLst>
+                                    <p:cond delay="0"/>
+                                  </p:stCondLst>
+                                  <p:childTnLst>
+                                    <p:set>
+                                      <p:cBhvr>
+                                        <p:cTn id="11" dur="1" fill="hold">
+                                          <p:stCondLst>
+                                            <p:cond delay="0"/>
+                                          </p:stCondLst>
+                                        </p:cTn>
+                                        <p:tgtEl>
+                                          <p:spTgt spid="9"/>
+                                        </p:tgtEl>
+                                        <p:attrNameLst>
+                                          <p:attrName>style.visibility</p:attrName>
+                                        </p:attrNameLst>
+                                      </p:cBhvr>
+                                      <p:to>
+                                        <p:strVal val="visible"/>
+                                      </p:to>
+                                    </p:set>
+                                    <p:animEffect transition="in" filter="fade">
+                                      <p:cBhvr>
+                                        <p:cTn id="12" dur="1000"/>
+                                        <p:tgtEl>
+                                          <p:spTgt spid="9"/>
+                                        </p:tgtEl>
+                                      </p:cBhvr>
+                                    </p:animEffect>
+                                    <p:anim calcmode="lin" valueType="num">
+                                      <p:cBhvr>
+                                        <p:cTn id="13" dur="1000" fill="hold"/>
+                                        <p:tgtEl>
+                                          <p:spTgt spid="9"/>
+                                        </p:tgtEl>
+                                        <p:attrNameLst>
+                                          <p:attrName>ppt_x</p:attrName>
+                                        </p:attrNameLst>
+                                      </p:cBhvr>
+                                      <p:tavLst>
+                                        <p:tav tm="0">
+                                          <p:val>
+                                            <p:strVal val="#ppt_x"/>
+                                          </p:val>
+                                        </p:tav>
+                                        <p:tav tm="100000">
+                                          <p:val>
+                                            <p:strVal val="#ppt_x"/>
+                                          </p:val>
+                                        </p:tav>
+                                      </p:tavLst>
+                                    </p:anim>
+                                    <p:anim calcmode="lin" valueType="num">
+                                      <p:cBhvr>
+                                        <p:cTn id="14" dur="1000" fill="hold"/>
+                                        <p:tgtEl>
+                                          <p:spTgt spid="9"/>
+                                        </p:tgtEl>
+                                        <p:attrNameLst>
+                                          <p:attrName>ppt_y</p:attrName>
+                                        </p:attrNameLst>
+                                      </p:cBhvr>
+                                      <p:tavLst>
+                                        <p:tav tm="0">
+                                          <p:val>
+                                            <p:strVal val="#ppt_y+.1"/>
+                                          </p:val>
+                                        </p:tav>
+                                        <p:tav tm="100000">
+                                          <p:val>
+                                            <p:strVal val="#ppt_y"/>
+                                          </p:val>
+                                        </p:tav>
+                                      </p:tavLst>
+                                    </p:anim>
+                                  </p:childTnLst>
+                                </p:cTn>
+                              </p:par>
+                            </p:childTnLst>
+                          </p:cTn>
+                        </p:par>
+                      </p:childTnLst>
+                    </p:cTn>
+                  </p:par>
+                  <p:par>
+                    <p:cTn id="15" fill="hold">
+                      <p:stCondLst>
+                        <p:cond delay="indefinite"/>
+                      </p:stCondLst>
+                      <p:childTnLst>
+                        <p:par>
+                          <p:cTn id="16" fill="hold">
+                            <p:stCondLst>
+                              <p:cond delay="0"/>
+                            </p:stCondLst>
+                            <p:childTnLst>
+                              <p:par>
+                                <p:cTn id="17" presetID="16" presetClass="entr" presetSubtype="21" fill="hold" nodeType="clickEffect">
+                                  <p:stCondLst>
+                                    <p:cond delay="0"/>
+                                  </p:stCondLst>
+                                  <p:childTnLst>
+                                    <p:set>
+                                      <p:cBhvr>
+                                        <p:cTn id="18" dur="1" fill="hold">
+                                          <p:stCondLst>
+                                            <p:cond delay="0"/>
+                                          </p:stCondLst>
+                                        </p:cTn>
+                                        <p:tgtEl>
+                                          <p:spTgt spid="1026"/>
+                                        </p:tgtEl>
+                                        <p:attrNameLst>
+                                          <p:attrName>style.visibility</p:attrName>
+                                        </p:attrNameLst>
+                                      </p:cBhvr>
+                                      <p:to>
+                                        <p:strVal val="visible"/>
+                                      </p:to>
+                                    </p:set>
+                                    <p:animEffect transition="in" filter="barn(inVertical)">
+                                      <p:cBhvr>
+                                        <p:cTn id="19" dur="500"/>
+                                        <p:tgtEl>
+                                          <p:spTgt spid="1026"/>
+                                        </p:tgtEl>
+                                      </p:cBhvr>
+                                    </p:animEffect>
+                                  </p:childTnLst>
+                                </p:cTn>
+                              </p:par>
+                            </p:childTnLst>
+                          </p:cTn>
+                        </p:par>
+                      </p:childTnLst>
+                    </p:cTn>
+                  </p:par>
+                  <p:par>
+                    <p:cTn id="20" fill="hold">
+                      <p:stCondLst>
+                        <p:cond delay="indefinite"/>
+                      </p:stCondLst>
+                      <p:childTnLst>
+                        <p:par>
+                          <p:cTn id="21" fill="hold">
+                            <p:stCondLst>
+                              <p:cond delay="0"/>
+                            </p:stCondLst>
+                            <p:childTnLst>
+                              <p:par>
+                                <p:cTn id="22" presetID="16" presetClass="entr" presetSubtype="21" fill="hold" nodeType="clickEffect">
+                                  <p:stCondLst>
+                                    <p:cond delay="0"/>
+                                  </p:stCondLst>
+                                  <p:childTnLst>
+                                    <p:set>
+                                      <p:cBhvr>
+                                        <p:cTn id="23" dur="1" fill="hold">
+                                          <p:stCondLst>
+                                            <p:cond delay="0"/>
+                                          </p:stCondLst>
+                                        </p:cTn>
+                                        <p:tgtEl>
+                                          <p:spTgt spid="1028"/>
+                                        </p:tgtEl>
+                                        <p:attrNameLst>
+                                          <p:attrName>style.visibility</p:attrName>
+                                        </p:attrNameLst>
+                                      </p:cBhvr>
+                                      <p:to>
+                                        <p:strVal val="visible"/>
+                                      </p:to>
+                                    </p:set>
+                                    <p:animEffect transition="in" filter="barn(inVertical)">
+                                      <p:cBhvr>
+                                        <p:cTn id="24" dur="500"/>
+                                        <p:tgtEl>
+                                          <p:spTgt spid="1028"/>
+                                        </p:tgtEl>
+                                      </p:cBhvr>
+                                    </p:animEffect>
+                                  </p:childTnLst>
+                                </p:cTn>
+                              </p:par>
+                            </p:childTnLst>
+                          </p:cTn>
+                        </p:par>
+                      </p:childTnLst>
+                    </p:cTn>
+                  </p:par>
+                </p:childTnLst>
+              </p:cTn>
+              <p:prevCondLst>
+                <p:cond evt="onPrev" delay="0">
+                  <p:tgtEl>
+                    <p:sldTgt/>
+                  </p:tgtEl>
+                </p:cond>
+              </p:prevCondLst>
+              <p:nextCondLst>
+                <p:cond evt="onNext" delay="0">
+                  <p:tgtEl>
+                    <p:sldTgt/>
+                  </p:tgtEl>
+                </p:cond>
+              </p:nextCondLst>
+            </p:seq>
+          </p:childTnLst>
+        </p:cTn>
       </p:par>
     </p:tnLst>
+    <p:bldLst>
+      <p:bldP spid="2" grpId="0"/>
+      <p:bldP spid="9" grpId="0"/>
+    </p:bldLst>
   </p:timing>
 </p:sld>
 </file>
@@ -7228,8 +8884,8 @@
         </p:nvSpPr>
         <p:spPr>
           <a:xfrm>
-            <a:off x="1054100" y="863600"/>
-            <a:ext cx="5575300" cy="923330"/>
+            <a:off x="296109" y="67436"/>
+            <a:ext cx="7307847" cy="1508105"/>
           </a:xfrm>
           <a:prstGeom prst="rect">
             <a:avLst/>
@@ -7246,28 +8902,89 @@
               <a:buAutoNum type="arabicPeriod"/>
             </a:pPr>
             <a:r>
-              <a:rPr lang="en-US" dirty="0" smtClean="0"/>
+              <a:rPr lang="en-US" sz="3600" dirty="0">
+                <a:latin typeface="Times New Roman" panose="02020603050405020304" pitchFamily="18" charset="0"/>
+                <a:cs typeface="Times New Roman" panose="02020603050405020304" pitchFamily="18" charset="0"/>
+              </a:rPr>
               <a:t>Tổng quan đề tài</a:t>
             </a:r>
           </a:p>
           <a:p>
-            <a:pPr marL="342900" indent="-342900">
+            <a:pPr marL="800100" lvl="1" indent="-342900">
               <a:buAutoNum type="alphaLcPeriod"/>
             </a:pPr>
             <a:r>
-              <a:rPr lang="en-US" dirty="0" smtClean="0"/>
-              <a:t>Giới thiệu đề tài</a:t>
-            </a:r>
-          </a:p>
-          <a:p>
-            <a:pPr marL="342900" indent="-342900">
+              <a:rPr lang="en-US" sz="2800" dirty="0" err="1">
+                <a:latin typeface="Times New Roman" panose="02020603050405020304" pitchFamily="18" charset="0"/>
+                <a:cs typeface="Times New Roman" panose="02020603050405020304" pitchFamily="18" charset="0"/>
+              </a:rPr>
+              <a:t>Giới</a:t>
+            </a:r>
+            <a:r>
+              <a:rPr lang="en-US" sz="2800" dirty="0">
+                <a:latin typeface="Times New Roman" panose="02020603050405020304" pitchFamily="18" charset="0"/>
+                <a:cs typeface="Times New Roman" panose="02020603050405020304" pitchFamily="18" charset="0"/>
+              </a:rPr>
+              <a:t> </a:t>
+            </a:r>
+            <a:r>
+              <a:rPr lang="en-US" sz="2800" dirty="0" err="1">
+                <a:latin typeface="Times New Roman" panose="02020603050405020304" pitchFamily="18" charset="0"/>
+                <a:cs typeface="Times New Roman" panose="02020603050405020304" pitchFamily="18" charset="0"/>
+              </a:rPr>
+              <a:t>thiệu</a:t>
+            </a:r>
+            <a:r>
+              <a:rPr lang="en-US" sz="2800" dirty="0">
+                <a:latin typeface="Times New Roman" panose="02020603050405020304" pitchFamily="18" charset="0"/>
+                <a:cs typeface="Times New Roman" panose="02020603050405020304" pitchFamily="18" charset="0"/>
+              </a:rPr>
+              <a:t> </a:t>
+            </a:r>
+            <a:r>
+              <a:rPr lang="en-US" sz="2800" dirty="0" err="1">
+                <a:latin typeface="Times New Roman" panose="02020603050405020304" pitchFamily="18" charset="0"/>
+                <a:cs typeface="Times New Roman" panose="02020603050405020304" pitchFamily="18" charset="0"/>
+              </a:rPr>
+              <a:t>đề</a:t>
+            </a:r>
+            <a:r>
+              <a:rPr lang="en-US" sz="2800" dirty="0">
+                <a:latin typeface="Times New Roman" panose="02020603050405020304" pitchFamily="18" charset="0"/>
+                <a:cs typeface="Times New Roman" panose="02020603050405020304" pitchFamily="18" charset="0"/>
+              </a:rPr>
+              <a:t> </a:t>
+            </a:r>
+            <a:r>
+              <a:rPr lang="en-US" sz="2800" dirty="0" err="1">
+                <a:latin typeface="Times New Roman" panose="02020603050405020304" pitchFamily="18" charset="0"/>
+                <a:cs typeface="Times New Roman" panose="02020603050405020304" pitchFamily="18" charset="0"/>
+              </a:rPr>
+              <a:t>tài</a:t>
+            </a:r>
+            <a:endParaRPr lang="en-US" sz="2800" dirty="0">
+              <a:latin typeface="Times New Roman" panose="02020603050405020304" pitchFamily="18" charset="0"/>
+              <a:cs typeface="Times New Roman" panose="02020603050405020304" pitchFamily="18" charset="0"/>
+            </a:endParaRPr>
+          </a:p>
+          <a:p>
+            <a:pPr marL="800100" lvl="1" indent="-342900">
               <a:buAutoNum type="alphaLcPeriod"/>
             </a:pPr>
             <a:r>
-              <a:rPr lang="en-US" dirty="0" smtClean="0"/>
-              <a:t>Các form, class và chức năng</a:t>
-            </a:r>
-            <a:endParaRPr lang="en-US" dirty="0"/>
+              <a:rPr lang="en-US" sz="2800" dirty="0" err="1">
+                <a:latin typeface="Times New Roman" panose="02020603050405020304" pitchFamily="18" charset="0"/>
+                <a:cs typeface="Times New Roman" panose="02020603050405020304" pitchFamily="18" charset="0"/>
+              </a:rPr>
+              <a:t>Các</a:t>
+            </a:r>
+            <a:r>
+              <a:rPr lang="en-US" sz="2800" dirty="0">
+                <a:latin typeface="Times New Roman" panose="02020603050405020304" pitchFamily="18" charset="0"/>
+                <a:cs typeface="Times New Roman" panose="02020603050405020304" pitchFamily="18" charset="0"/>
+              </a:rPr>
+              <a:t> form, class và chức năng</a:t>
+            </a:r>
           </a:p>
         </p:txBody>
       </p:sp>
@@ -7279,8 +8996,8 @@
         </p:nvSpPr>
         <p:spPr>
           <a:xfrm>
-            <a:off x="1320800" y="1671896"/>
-            <a:ext cx="3035300" cy="369332"/>
+            <a:off x="914732" y="1518008"/>
+            <a:ext cx="3035300" cy="523220"/>
           </a:xfrm>
           <a:prstGeom prst="rect">
             <a:avLst/>
@@ -7294,10 +9011,19 @@
           <a:lstStyle/>
           <a:p>
             <a:r>
-              <a:rPr lang="en-US" dirty="0" smtClean="0"/>
-              <a:t>Các form</a:t>
-            </a:r>
-            <a:endParaRPr lang="en-US" dirty="0"/>
+              <a:rPr lang="en-US" sz="2800" dirty="0" err="1">
+                <a:latin typeface="Times New Roman" panose="02020603050405020304" pitchFamily="18" charset="0"/>
+                <a:cs typeface="Times New Roman" panose="02020603050405020304" pitchFamily="18" charset="0"/>
+              </a:rPr>
+              <a:t>Các</a:t>
+            </a:r>
+            <a:r>
+              <a:rPr lang="en-US" sz="2800" dirty="0">
+                <a:latin typeface="Times New Roman" panose="02020603050405020304" pitchFamily="18" charset="0"/>
+                <a:cs typeface="Times New Roman" panose="02020603050405020304" pitchFamily="18" charset="0"/>
+              </a:rPr>
+              <a:t> form:</a:t>
+            </a:r>
           </a:p>
         </p:txBody>
       </p:sp>
@@ -7317,7 +9043,7 @@
         </p:blipFill>
         <p:spPr>
           <a:xfrm>
-            <a:off x="1143000" y="2041228"/>
+            <a:off x="1463842" y="2041228"/>
             <a:ext cx="8988425" cy="4638675"/>
           </a:xfrm>
           <a:prstGeom prst="rect">
@@ -7341,7 +9067,7 @@
         </p:blipFill>
         <p:spPr>
           <a:xfrm>
-            <a:off x="1143000" y="2125624"/>
+            <a:off x="1463842" y="2041228"/>
             <a:ext cx="8448675" cy="4062968"/>
           </a:xfrm>
           <a:prstGeom prst="rect">
@@ -7359,6 +9085,9 @@
   <p:clrMapOvr>
     <a:masterClrMapping/>
   </p:clrMapOvr>
+  <p:transition spd="slow">
+    <p:wipe/>
+  </p:transition>
   <p:timing>
     <p:tnLst>
       <p:par>
@@ -7380,7 +9109,7 @@
                             </p:stCondLst>
                             <p:childTnLst>
                               <p:par>
-                                <p:cTn id="5" presetID="22" presetClass="entr" presetSubtype="4" fill="hold" grpId="0" nodeType="clickEffect">
+                                <p:cTn id="5" presetID="16" presetClass="entr" presetSubtype="21" fill="hold" grpId="0" nodeType="clickEffect">
                                   <p:stCondLst>
                                     <p:cond delay="0"/>
                                   </p:stCondLst>
@@ -7393,7 +9122,7 @@
                                           </p:stCondLst>
                                         </p:cTn>
                                         <p:tgtEl>
-                                          <p:spTgt spid="7"/>
+                                          <p:spTgt spid="2"/>
                                         </p:tgtEl>
                                         <p:attrNameLst>
                                           <p:attrName>style.visibility</p:attrName>
@@ -7403,11 +9132,11 @@
                                         <p:strVal val="visible"/>
                                       </p:to>
                                     </p:set>
-                                    <p:animEffect transition="in" filter="wipe(down)">
+                                    <p:animEffect transition="in" filter="barn(inVertical)">
                                       <p:cBhvr>
                                         <p:cTn id="7" dur="500"/>
                                         <p:tgtEl>
-                                          <p:spTgt spid="7"/>
+                                          <p:spTgt spid="2"/>
                                         </p:tgtEl>
                                       </p:cBhvr>
                                     </p:animEffect>
@@ -7433,7 +9162,7 @@
                             </p:stCondLst>
                             <p:childTnLst>
                               <p:par>
-                                <p:cTn id="10" presetID="2" presetClass="entr" presetSubtype="4" fill="hold" nodeType="clickEffect">
+                                <p:cTn id="10" presetID="16" presetClass="entr" presetSubtype="21" fill="hold" grpId="0" nodeType="clickEffect">
                                   <p:stCondLst>
                                     <p:cond delay="0"/>
                                   </p:stCondLst>
@@ -7441,6 +9170,59 @@
                                     <p:set>
                                       <p:cBhvr>
                                         <p:cTn id="11" dur="1" fill="hold">
+                                          <p:stCondLst>
+                                            <p:cond delay="0"/>
+                                          </p:stCondLst>
+                                        </p:cTn>
+                                        <p:tgtEl>
+                                          <p:spTgt spid="7"/>
+                                        </p:tgtEl>
+                                        <p:attrNameLst>
+                                          <p:attrName>style.visibility</p:attrName>
+                                        </p:attrNameLst>
+                                      </p:cBhvr>
+                                      <p:to>
+                                        <p:strVal val="visible"/>
+                                      </p:to>
+                                    </p:set>
+                                    <p:animEffect transition="in" filter="barn(inVertical)">
+                                      <p:cBhvr>
+                                        <p:cTn id="12" dur="500"/>
+                                        <p:tgtEl>
+                                          <p:spTgt spid="7"/>
+                                        </p:tgtEl>
+                                      </p:cBhvr>
+                                    </p:animEffect>
+                                  </p:childTnLst>
+                                </p:cTn>
+                              </p:par>
+                            </p:childTnLst>
+                          </p:cTn>
+                        </p:par>
+                      </p:childTnLst>
+                    </p:cTn>
+                  </p:par>
+                  <p:par>
+                    <p:cTn id="13" fill="hold">
+                      <p:stCondLst>
+                        <p:cond delay="indefinite"/>
+                      </p:stCondLst>
+                      <p:childTnLst>
+                        <p:par>
+                          <p:cTn id="14" fill="hold">
+                            <p:stCondLst>
+                              <p:cond delay="0"/>
+                            </p:stCondLst>
+                            <p:childTnLst>
+                              <p:par>
+                                <p:cTn id="15" presetID="2" presetClass="entr" presetSubtype="4" fill="hold" nodeType="clickEffect">
+                                  <p:stCondLst>
+                                    <p:cond delay="0"/>
+                                  </p:stCondLst>
+                                  <p:childTnLst>
+                                    <p:set>
+                                      <p:cBhvr>
+                                        <p:cTn id="16" dur="1" fill="hold">
                                           <p:stCondLst>
                                             <p:cond delay="0"/>
                                           </p:stCondLst>
@@ -7458,7 +9240,7 @@
                                     </p:set>
                                     <p:anim calcmode="lin" valueType="num">
                                       <p:cBhvr additive="base">
-                                        <p:cTn id="12" dur="500" fill="hold"/>
+                                        <p:cTn id="17" dur="600" fill="hold"/>
                                         <p:tgtEl>
                                           <p:spTgt spid="8"/>
                                         </p:tgtEl>
@@ -7481,7 +9263,7 @@
                                     </p:anim>
                                     <p:anim calcmode="lin" valueType="num">
                                       <p:cBhvr additive="base">
-                                        <p:cTn id="13" dur="500" fill="hold"/>
+                                        <p:cTn id="18" dur="600" fill="hold"/>
                                         <p:tgtEl>
                                           <p:spTgt spid="8"/>
                                         </p:tgtEl>
@@ -7512,28 +9294,74 @@
                     </p:cTn>
                   </p:par>
                   <p:par>
-                    <p:cTn id="14" fill="hold">
+                    <p:cTn id="19" fill="hold">
                       <p:stCondLst>
                         <p:cond delay="indefinite"/>
                       </p:stCondLst>
                       <p:childTnLst>
                         <p:par>
-                          <p:cTn id="15" fill="hold">
+                          <p:cTn id="20" fill="hold">
                             <p:stCondLst>
                               <p:cond delay="0"/>
                             </p:stCondLst>
                             <p:childTnLst>
                               <p:par>
-                                <p:cTn id="16" presetID="1" presetClass="exit" presetSubtype="0" fill="hold" nodeType="clickEffect">
+                                <p:cTn id="21" presetID="2" presetClass="exit" presetSubtype="4" fill="hold" nodeType="clickEffect">
                                   <p:stCondLst>
                                     <p:cond delay="0"/>
                                   </p:stCondLst>
                                   <p:childTnLst>
+                                    <p:anim calcmode="lin" valueType="num">
+                                      <p:cBhvr additive="base">
+                                        <p:cTn id="22" dur="500"/>
+                                        <p:tgtEl>
+                                          <p:spTgt spid="8"/>
+                                        </p:tgtEl>
+                                        <p:attrNameLst>
+                                          <p:attrName>ppt_x</p:attrName>
+                                        </p:attrNameLst>
+                                      </p:cBhvr>
+                                      <p:tavLst>
+                                        <p:tav tm="0">
+                                          <p:val>
+                                            <p:strVal val="ppt_x"/>
+                                          </p:val>
+                                        </p:tav>
+                                        <p:tav tm="100000">
+                                          <p:val>
+                                            <p:strVal val="ppt_x"/>
+                                          </p:val>
+                                        </p:tav>
+                                      </p:tavLst>
+                                    </p:anim>
+                                    <p:anim calcmode="lin" valueType="num">
+                                      <p:cBhvr additive="base">
+                                        <p:cTn id="23" dur="500"/>
+                                        <p:tgtEl>
+                                          <p:spTgt spid="8"/>
+                                        </p:tgtEl>
+                                        <p:attrNameLst>
+                                          <p:attrName>ppt_y</p:attrName>
+                                        </p:attrNameLst>
+                                      </p:cBhvr>
+                                      <p:tavLst>
+                                        <p:tav tm="0">
+                                          <p:val>
+                                            <p:strVal val="ppt_y"/>
+                                          </p:val>
+                                        </p:tav>
+                                        <p:tav tm="100000">
+                                          <p:val>
+                                            <p:strVal val="1+ppt_h/2"/>
+                                          </p:val>
+                                        </p:tav>
+                                      </p:tavLst>
+                                    </p:anim>
                                     <p:set>
                                       <p:cBhvr>
-                                        <p:cTn id="17" dur="1" fill="hold">
+                                        <p:cTn id="24" dur="1" fill="hold">
                                           <p:stCondLst>
-                                            <p:cond delay="0"/>
+                                            <p:cond delay="499"/>
                                           </p:stCondLst>
                                         </p:cTn>
                                         <p:tgtEl>
@@ -7557,26 +9385,26 @@
                     </p:cTn>
                   </p:par>
                   <p:par>
-                    <p:cTn id="18" fill="hold">
+                    <p:cTn id="25" fill="hold">
                       <p:stCondLst>
                         <p:cond delay="indefinite"/>
                       </p:stCondLst>
                       <p:childTnLst>
                         <p:par>
-                          <p:cTn id="19" fill="hold">
+                          <p:cTn id="26" fill="hold">
                             <p:stCondLst>
                               <p:cond delay="0"/>
                             </p:stCondLst>
                             <p:childTnLst>
                               <p:par>
-                                <p:cTn id="20" presetID="1" presetClass="entr" presetSubtype="0" fill="hold" nodeType="clickEffect">
+                                <p:cTn id="27" presetID="2" presetClass="entr" presetSubtype="4" fill="hold" nodeType="clickEffect">
                                   <p:stCondLst>
                                     <p:cond delay="0"/>
                                   </p:stCondLst>
                                   <p:childTnLst>
                                     <p:set>
                                       <p:cBhvr>
-                                        <p:cTn id="21" dur="1" fill="hold">
+                                        <p:cTn id="28" dur="1" fill="hold">
                                           <p:stCondLst>
                                             <p:cond delay="0"/>
                                           </p:stCondLst>
@@ -7592,6 +9420,52 @@
                                         <p:strVal val="visible"/>
                                       </p:to>
                                     </p:set>
+                                    <p:anim calcmode="lin" valueType="num">
+                                      <p:cBhvr additive="base">
+                                        <p:cTn id="29" dur="500" fill="hold"/>
+                                        <p:tgtEl>
+                                          <p:spTgt spid="9"/>
+                                        </p:tgtEl>
+                                        <p:attrNameLst>
+                                          <p:attrName>ppt_x</p:attrName>
+                                        </p:attrNameLst>
+                                      </p:cBhvr>
+                                      <p:tavLst>
+                                        <p:tav tm="0">
+                                          <p:val>
+                                            <p:strVal val="#ppt_x"/>
+                                          </p:val>
+                                        </p:tav>
+                                        <p:tav tm="100000">
+                                          <p:val>
+                                            <p:strVal val="#ppt_x"/>
+                                          </p:val>
+                                        </p:tav>
+                                      </p:tavLst>
+                                    </p:anim>
+                                    <p:anim calcmode="lin" valueType="num">
+                                      <p:cBhvr additive="base">
+                                        <p:cTn id="30" dur="500" fill="hold"/>
+                                        <p:tgtEl>
+                                          <p:spTgt spid="9"/>
+                                        </p:tgtEl>
+                                        <p:attrNameLst>
+                                          <p:attrName>ppt_y</p:attrName>
+                                        </p:attrNameLst>
+                                      </p:cBhvr>
+                                      <p:tavLst>
+                                        <p:tav tm="0">
+                                          <p:val>
+                                            <p:strVal val="1+#ppt_h/2"/>
+                                          </p:val>
+                                        </p:tav>
+                                        <p:tav tm="100000">
+                                          <p:val>
+                                            <p:strVal val="#ppt_y"/>
+                                          </p:val>
+                                        </p:tav>
+                                      </p:tavLst>
+                                    </p:anim>
                                   </p:childTnLst>
                                 </p:cTn>
                               </p:par>
@@ -7602,28 +9476,74 @@
                     </p:cTn>
                   </p:par>
                   <p:par>
-                    <p:cTn id="22" fill="hold">
+                    <p:cTn id="31" fill="hold">
                       <p:stCondLst>
                         <p:cond delay="indefinite"/>
                       </p:stCondLst>
                       <p:childTnLst>
                         <p:par>
-                          <p:cTn id="23" fill="hold">
+                          <p:cTn id="32" fill="hold">
                             <p:stCondLst>
                               <p:cond delay="0"/>
                             </p:stCondLst>
                             <p:childTnLst>
                               <p:par>
-                                <p:cTn id="24" presetID="1" presetClass="exit" presetSubtype="0" fill="hold" nodeType="clickEffect">
+                                <p:cTn id="33" presetID="2" presetClass="exit" presetSubtype="4" fill="hold" nodeType="clickEffect">
                                   <p:stCondLst>
                                     <p:cond delay="0"/>
                                   </p:stCondLst>
                                   <p:childTnLst>
+                                    <p:anim calcmode="lin" valueType="num">
+                                      <p:cBhvr additive="base">
+                                        <p:cTn id="34" dur="500"/>
+                                        <p:tgtEl>
+                                          <p:spTgt spid="9"/>
+                                        </p:tgtEl>
+                                        <p:attrNameLst>
+                                          <p:attrName>ppt_x</p:attrName>
+                                        </p:attrNameLst>
+                                      </p:cBhvr>
+                                      <p:tavLst>
+                                        <p:tav tm="0">
+                                          <p:val>
+                                            <p:strVal val="ppt_x"/>
+                                          </p:val>
+                                        </p:tav>
+                                        <p:tav tm="100000">
+                                          <p:val>
+                                            <p:strVal val="ppt_x"/>
+                                          </p:val>
+                                        </p:tav>
+                                      </p:tavLst>
+                                    </p:anim>
+                                    <p:anim calcmode="lin" valueType="num">
+                                      <p:cBhvr additive="base">
+                                        <p:cTn id="35" dur="500"/>
+                                        <p:tgtEl>
+                                          <p:spTgt spid="9"/>
+                                        </p:tgtEl>
+                                        <p:attrNameLst>
+                                          <p:attrName>ppt_y</p:attrName>
+                                        </p:attrNameLst>
+                                      </p:cBhvr>
+                                      <p:tavLst>
+                                        <p:tav tm="0">
+                                          <p:val>
+                                            <p:strVal val="ppt_y"/>
+                                          </p:val>
+                                        </p:tav>
+                                        <p:tav tm="100000">
+                                          <p:val>
+                                            <p:strVal val="1+ppt_h/2"/>
+                                          </p:val>
+                                        </p:tav>
+                                      </p:tavLst>
+                                    </p:anim>
                                     <p:set>
                                       <p:cBhvr>
-                                        <p:cTn id="25" dur="1" fill="hold">
+                                        <p:cTn id="36" dur="1" fill="hold">
                                           <p:stCondLst>
-                                            <p:cond delay="0"/>
+                                            <p:cond delay="499"/>
                                           </p:stCondLst>
                                         </p:cTn>
                                         <p:tgtEl>
@@ -7668,6 +9588,7 @@
       </p:par>
     </p:tnLst>
     <p:bldLst>
+      <p:bldP spid="2" grpId="0"/>
       <p:bldP spid="7" grpId="0"/>
     </p:bldLst>
   </p:timing>
@@ -7691,57 +9612,6 @@
           <a:chExt cx="0" cy="0"/>
         </a:xfrm>
       </p:grpSpPr>
-      <p:sp>
-        <p:nvSpPr>
-          <p:cNvPr id="2" name="TextBox 1"/>
-          <p:cNvSpPr txBox="1"/>
-          <p:nvPr/>
-        </p:nvSpPr>
-        <p:spPr>
-          <a:xfrm>
-            <a:off x="1054100" y="863600"/>
-            <a:ext cx="5575300" cy="923330"/>
-          </a:xfrm>
-          <a:prstGeom prst="rect">
-            <a:avLst/>
-          </a:prstGeom>
-          <a:noFill/>
-        </p:spPr>
-        <p:txBody>
-          <a:bodyPr wrap="square" rtlCol="0">
-            <a:spAutoFit/>
-          </a:bodyPr>
-          <a:lstStyle/>
-          <a:p>
-            <a:pPr marL="342900" indent="-342900">
-              <a:buAutoNum type="arabicPeriod"/>
-            </a:pPr>
-            <a:r>
-              <a:rPr lang="en-US" dirty="0" smtClean="0"/>
-              <a:t>Tổng quan đề tài</a:t>
-            </a:r>
-          </a:p>
-          <a:p>
-            <a:pPr marL="342900" indent="-342900">
-              <a:buAutoNum type="alphaLcPeriod"/>
-            </a:pPr>
-            <a:r>
-              <a:rPr lang="en-US" dirty="0" smtClean="0"/>
-              <a:t>Giới thiệu đề tài</a:t>
-            </a:r>
-          </a:p>
-          <a:p>
-            <a:pPr marL="342900" indent="-342900">
-              <a:buAutoNum type="alphaLcPeriod"/>
-            </a:pPr>
-            <a:r>
-              <a:rPr lang="en-US" dirty="0" smtClean="0"/>
-              <a:t>Các form, class và chức năng</a:t>
-            </a:r>
-            <a:endParaRPr lang="en-US" dirty="0"/>
-          </a:p>
-        </p:txBody>
-      </p:sp>
       <p:pic>
         <p:nvPicPr>
           <p:cNvPr id="4" name="Picture 3"/>
@@ -7758,7 +9628,7 @@
         </p:blipFill>
         <p:spPr>
           <a:xfrm>
-            <a:off x="2913061" y="2478881"/>
+            <a:off x="2752640" y="2321721"/>
             <a:ext cx="6219825" cy="2181225"/>
           </a:xfrm>
           <a:prstGeom prst="rect">
@@ -7782,7 +9652,7 @@
         </p:blipFill>
         <p:spPr>
           <a:xfrm>
-            <a:off x="2262187" y="2478881"/>
+            <a:off x="2333540" y="2286009"/>
             <a:ext cx="6638925" cy="3209925"/>
           </a:xfrm>
           <a:prstGeom prst="rect">
@@ -7806,7 +9676,7 @@
         </p:blipFill>
         <p:spPr>
           <a:xfrm>
-            <a:off x="881061" y="2478881"/>
+            <a:off x="2333540" y="2286009"/>
             <a:ext cx="9401175" cy="3895725"/>
           </a:xfrm>
           <a:prstGeom prst="rect">
@@ -7816,14 +9686,20 @@
       </p:pic>
       <p:sp>
         <p:nvSpPr>
-          <p:cNvPr id="7" name="TextBox 6"/>
+          <p:cNvPr id="8" name="TextBox 7">
+            <a:extLst>
+              <a:ext uri="{FF2B5EF4-FFF2-40B4-BE49-F238E27FC236}">
+                <a16:creationId xmlns:a16="http://schemas.microsoft.com/office/drawing/2014/main" id="{AF3DE6AA-B97B-4B9F-BB72-1217833B6B12}"/>
+              </a:ext>
+            </a:extLst>
+          </p:cNvPr>
           <p:cNvSpPr txBox="1"/>
           <p:nvPr/>
         </p:nvSpPr>
         <p:spPr>
           <a:xfrm>
-            <a:off x="1320800" y="1671896"/>
-            <a:ext cx="3035300" cy="369332"/>
+            <a:off x="296109" y="67436"/>
+            <a:ext cx="7307847" cy="1508105"/>
           </a:xfrm>
           <a:prstGeom prst="rect">
             <a:avLst/>
@@ -7836,11 +9712,138 @@
           </a:bodyPr>
           <a:lstStyle/>
           <a:p>
-            <a:r>
-              <a:rPr lang="en-US" dirty="0" smtClean="0"/>
-              <a:t>Các form</a:t>
-            </a:r>
-            <a:endParaRPr lang="en-US" dirty="0"/>
+            <a:pPr marL="342900" indent="-342900">
+              <a:buAutoNum type="arabicPeriod"/>
+            </a:pPr>
+            <a:r>
+              <a:rPr lang="en-US" sz="3600" dirty="0">
+                <a:latin typeface="Times New Roman" panose="02020603050405020304" pitchFamily="18" charset="0"/>
+                <a:cs typeface="Times New Roman" panose="02020603050405020304" pitchFamily="18" charset="0"/>
+              </a:rPr>
+              <a:t>Tổng quan đề tài</a:t>
+            </a:r>
+          </a:p>
+          <a:p>
+            <a:pPr marL="800100" lvl="1" indent="-342900">
+              <a:buAutoNum type="alphaLcPeriod"/>
+            </a:pPr>
+            <a:r>
+              <a:rPr lang="en-US" sz="2800" dirty="0" err="1">
+                <a:latin typeface="Times New Roman" panose="02020603050405020304" pitchFamily="18" charset="0"/>
+                <a:cs typeface="Times New Roman" panose="02020603050405020304" pitchFamily="18" charset="0"/>
+              </a:rPr>
+              <a:t>Giới</a:t>
+            </a:r>
+            <a:r>
+              <a:rPr lang="en-US" sz="2800" dirty="0">
+                <a:latin typeface="Times New Roman" panose="02020603050405020304" pitchFamily="18" charset="0"/>
+                <a:cs typeface="Times New Roman" panose="02020603050405020304" pitchFamily="18" charset="0"/>
+              </a:rPr>
+              <a:t> </a:t>
+            </a:r>
+            <a:r>
+              <a:rPr lang="en-US" sz="2800" dirty="0" err="1">
+                <a:latin typeface="Times New Roman" panose="02020603050405020304" pitchFamily="18" charset="0"/>
+                <a:cs typeface="Times New Roman" panose="02020603050405020304" pitchFamily="18" charset="0"/>
+              </a:rPr>
+              <a:t>thiệu</a:t>
+            </a:r>
+            <a:r>
+              <a:rPr lang="en-US" sz="2800" dirty="0">
+                <a:latin typeface="Times New Roman" panose="02020603050405020304" pitchFamily="18" charset="0"/>
+                <a:cs typeface="Times New Roman" panose="02020603050405020304" pitchFamily="18" charset="0"/>
+              </a:rPr>
+              <a:t> </a:t>
+            </a:r>
+            <a:r>
+              <a:rPr lang="en-US" sz="2800" dirty="0" err="1">
+                <a:latin typeface="Times New Roman" panose="02020603050405020304" pitchFamily="18" charset="0"/>
+                <a:cs typeface="Times New Roman" panose="02020603050405020304" pitchFamily="18" charset="0"/>
+              </a:rPr>
+              <a:t>đề</a:t>
+            </a:r>
+            <a:r>
+              <a:rPr lang="en-US" sz="2800" dirty="0">
+                <a:latin typeface="Times New Roman" panose="02020603050405020304" pitchFamily="18" charset="0"/>
+                <a:cs typeface="Times New Roman" panose="02020603050405020304" pitchFamily="18" charset="0"/>
+              </a:rPr>
+              <a:t> </a:t>
+            </a:r>
+            <a:r>
+              <a:rPr lang="en-US" sz="2800" dirty="0" err="1">
+                <a:latin typeface="Times New Roman" panose="02020603050405020304" pitchFamily="18" charset="0"/>
+                <a:cs typeface="Times New Roman" panose="02020603050405020304" pitchFamily="18" charset="0"/>
+              </a:rPr>
+              <a:t>tài</a:t>
+            </a:r>
+            <a:endParaRPr lang="en-US" sz="2800" dirty="0">
+              <a:latin typeface="Times New Roman" panose="02020603050405020304" pitchFamily="18" charset="0"/>
+              <a:cs typeface="Times New Roman" panose="02020603050405020304" pitchFamily="18" charset="0"/>
+            </a:endParaRPr>
+          </a:p>
+          <a:p>
+            <a:pPr marL="800100" lvl="1" indent="-342900">
+              <a:buAutoNum type="alphaLcPeriod"/>
+            </a:pPr>
+            <a:r>
+              <a:rPr lang="en-US" sz="2800" dirty="0" err="1">
+                <a:latin typeface="Times New Roman" panose="02020603050405020304" pitchFamily="18" charset="0"/>
+                <a:cs typeface="Times New Roman" panose="02020603050405020304" pitchFamily="18" charset="0"/>
+              </a:rPr>
+              <a:t>Các</a:t>
+            </a:r>
+            <a:r>
+              <a:rPr lang="en-US" sz="2800" dirty="0">
+                <a:latin typeface="Times New Roman" panose="02020603050405020304" pitchFamily="18" charset="0"/>
+                <a:cs typeface="Times New Roman" panose="02020603050405020304" pitchFamily="18" charset="0"/>
+              </a:rPr>
+              <a:t> form, class và chức năng</a:t>
+            </a:r>
+          </a:p>
+        </p:txBody>
+      </p:sp>
+      <p:sp>
+        <p:nvSpPr>
+          <p:cNvPr id="10" name="TextBox 9">
+            <a:extLst>
+              <a:ext uri="{FF2B5EF4-FFF2-40B4-BE49-F238E27FC236}">
+                <a16:creationId xmlns:a16="http://schemas.microsoft.com/office/drawing/2014/main" id="{154400D5-32CA-4ED1-83CC-763772065D85}"/>
+              </a:ext>
+            </a:extLst>
+          </p:cNvPr>
+          <p:cNvSpPr txBox="1"/>
+          <p:nvPr/>
+        </p:nvSpPr>
+        <p:spPr>
+          <a:xfrm>
+            <a:off x="914732" y="1518008"/>
+            <a:ext cx="3035300" cy="523220"/>
+          </a:xfrm>
+          <a:prstGeom prst="rect">
+            <a:avLst/>
+          </a:prstGeom>
+          <a:noFill/>
+        </p:spPr>
+        <p:txBody>
+          <a:bodyPr wrap="square" rtlCol="0">
+            <a:spAutoFit/>
+          </a:bodyPr>
+          <a:lstStyle/>
+          <a:p>
+            <a:r>
+              <a:rPr lang="en-US" sz="2800" dirty="0" err="1">
+                <a:latin typeface="Times New Roman" panose="02020603050405020304" pitchFamily="18" charset="0"/>
+                <a:cs typeface="Times New Roman" panose="02020603050405020304" pitchFamily="18" charset="0"/>
+              </a:rPr>
+              <a:t>Các</a:t>
+            </a:r>
+            <a:r>
+              <a:rPr lang="en-US" sz="2800" dirty="0">
+                <a:latin typeface="Times New Roman" panose="02020603050405020304" pitchFamily="18" charset="0"/>
+                <a:cs typeface="Times New Roman" panose="02020603050405020304" pitchFamily="18" charset="0"/>
+              </a:rPr>
+              <a:t> form:</a:t>
+            </a:r>
           </a:p>
         </p:txBody>
       </p:sp>
@@ -7854,6 +9857,9 @@
   <p:clrMapOvr>
     <a:masterClrMapping/>
   </p:clrMapOvr>
+  <p:transition spd="slow">
+    <p:wipe/>
+  </p:transition>
   <p:timing>
     <p:tnLst>
       <p:par>
@@ -7875,7 +9881,7 @@
                             </p:stCondLst>
                             <p:childTnLst>
                               <p:par>
-                                <p:cTn id="5" presetID="1" presetClass="entr" presetSubtype="0" fill="hold" nodeType="clickEffect">
+                                <p:cTn id="5" presetID="1" presetClass="exit" presetSubtype="0" fill="hold" nodeType="clickEffect">
                                   <p:stCondLst>
                                     <p:cond delay="0"/>
                                   </p:stCondLst>
@@ -7883,51 +9889,6 @@
                                     <p:set>
                                       <p:cBhvr>
                                         <p:cTn id="6" dur="1" fill="hold">
-                                          <p:stCondLst>
-                                            <p:cond delay="0"/>
-                                          </p:stCondLst>
-                                        </p:cTn>
-                                        <p:tgtEl>
-                                          <p:spTgt spid="4"/>
-                                        </p:tgtEl>
-                                        <p:attrNameLst>
-                                          <p:attrName>style.visibility</p:attrName>
-                                        </p:attrNameLst>
-                                      </p:cBhvr>
-                                      <p:to>
-                                        <p:strVal val="visible"/>
-                                      </p:to>
-                                    </p:set>
-                                  </p:childTnLst>
-                                </p:cTn>
-                              </p:par>
-                            </p:childTnLst>
-                          </p:cTn>
-                        </p:par>
-                      </p:childTnLst>
-                    </p:cTn>
-                  </p:par>
-                  <p:par>
-                    <p:cTn id="7" fill="hold">
-                      <p:stCondLst>
-                        <p:cond delay="indefinite"/>
-                      </p:stCondLst>
-                      <p:childTnLst>
-                        <p:par>
-                          <p:cTn id="8" fill="hold">
-                            <p:stCondLst>
-                              <p:cond delay="0"/>
-                            </p:stCondLst>
-                            <p:childTnLst>
-                              <p:par>
-                                <p:cTn id="9" presetID="1" presetClass="exit" presetSubtype="0" fill="hold" nodeType="clickEffect">
-                                  <p:stCondLst>
-                                    <p:cond delay="0"/>
-                                  </p:stCondLst>
-                                  <p:childTnLst>
-                                    <p:set>
-                                      <p:cBhvr>
-                                        <p:cTn id="10" dur="1" fill="hold">
                                           <p:stCondLst>
                                             <p:cond delay="0"/>
                                           </p:stCondLst>
@@ -7953,26 +9914,26 @@
                     </p:cTn>
                   </p:par>
                   <p:par>
-                    <p:cTn id="11" fill="hold">
+                    <p:cTn id="7" fill="hold">
                       <p:stCondLst>
                         <p:cond delay="indefinite"/>
                       </p:stCondLst>
                       <p:childTnLst>
                         <p:par>
-                          <p:cTn id="12" fill="hold">
+                          <p:cTn id="8" fill="hold">
                             <p:stCondLst>
                               <p:cond delay="0"/>
                             </p:stCondLst>
                             <p:childTnLst>
                               <p:par>
-                                <p:cTn id="13" presetID="1" presetClass="entr" presetSubtype="0" fill="hold" nodeType="clickEffect">
+                                <p:cTn id="9" presetID="1" presetClass="entr" presetSubtype="0" fill="hold" nodeType="clickEffect">
                                   <p:stCondLst>
                                     <p:cond delay="0"/>
                                   </p:stCondLst>
                                   <p:childTnLst>
                                     <p:set>
                                       <p:cBhvr>
-                                        <p:cTn id="14" dur="1" fill="hold">
+                                        <p:cTn id="10" dur="1" fill="hold">
                                           <p:stCondLst>
                                             <p:cond delay="0"/>
                                           </p:stCondLst>
@@ -7998,26 +9959,26 @@
                     </p:cTn>
                   </p:par>
                   <p:par>
-                    <p:cTn id="15" fill="hold">
+                    <p:cTn id="11" fill="hold">
                       <p:stCondLst>
                         <p:cond delay="indefinite"/>
                       </p:stCondLst>
                       <p:childTnLst>
                         <p:par>
-                          <p:cTn id="16" fill="hold">
+                          <p:cTn id="12" fill="hold">
                             <p:stCondLst>
                               <p:cond delay="0"/>
                             </p:stCondLst>
                             <p:childTnLst>
                               <p:par>
-                                <p:cTn id="17" presetID="10" presetClass="exit" presetSubtype="0" fill="hold" nodeType="clickEffect">
+                                <p:cTn id="13" presetID="10" presetClass="exit" presetSubtype="0" fill="hold" nodeType="clickEffect">
                                   <p:stCondLst>
                                     <p:cond delay="0"/>
                                   </p:stCondLst>
                                   <p:childTnLst>
                                     <p:animEffect transition="out" filter="fade">
                                       <p:cBhvr>
-                                        <p:cTn id="18" dur="500"/>
+                                        <p:cTn id="14" dur="500"/>
                                         <p:tgtEl>
                                           <p:spTgt spid="5"/>
                                         </p:tgtEl>
@@ -8025,7 +9986,7 @@
                                     </p:animEffect>
                                     <p:set>
                                       <p:cBhvr>
-                                        <p:cTn id="19" dur="1" fill="hold">
+                                        <p:cTn id="15" dur="1" fill="hold">
                                           <p:stCondLst>
                                             <p:cond delay="499"/>
                                           </p:stCondLst>
@@ -8051,26 +10012,26 @@
                     </p:cTn>
                   </p:par>
                   <p:par>
-                    <p:cTn id="20" fill="hold">
+                    <p:cTn id="16" fill="hold">
                       <p:stCondLst>
                         <p:cond delay="indefinite"/>
                       </p:stCondLst>
                       <p:childTnLst>
                         <p:par>
-                          <p:cTn id="21" fill="hold">
+                          <p:cTn id="17" fill="hold">
                             <p:stCondLst>
                               <p:cond delay="0"/>
                             </p:stCondLst>
                             <p:childTnLst>
                               <p:par>
-                                <p:cTn id="22" presetID="42" presetClass="entr" presetSubtype="0" fill="hold" nodeType="clickEffect">
+                                <p:cTn id="18" presetID="42" presetClass="entr" presetSubtype="0" fill="hold" nodeType="clickEffect">
                                   <p:stCondLst>
                                     <p:cond delay="0"/>
                                   </p:stCondLst>
                                   <p:childTnLst>
                                     <p:set>
                                       <p:cBhvr>
-                                        <p:cTn id="23" dur="1" fill="hold">
+                                        <p:cTn id="19" dur="1" fill="hold">
                                           <p:stCondLst>
                                             <p:cond delay="0"/>
                                           </p:stCondLst>
@@ -8088,7 +10049,7 @@
                                     </p:set>
                                     <p:animEffect transition="in" filter="fade">
                                       <p:cBhvr>
-                                        <p:cTn id="24" dur="1000"/>
+                                        <p:cTn id="20" dur="1000"/>
                                         <p:tgtEl>
                                           <p:spTgt spid="6"/>
                                         </p:tgtEl>
@@ -8096,7 +10057,7 @@
                                     </p:animEffect>
                                     <p:anim calcmode="lin" valueType="num">
                                       <p:cBhvr>
-                                        <p:cTn id="25" dur="1000" fill="hold"/>
+                                        <p:cTn id="21" dur="1000" fill="hold"/>
                                         <p:tgtEl>
                                           <p:spTgt spid="6"/>
                                         </p:tgtEl>
@@ -8119,7 +10080,7 @@
                                     </p:anim>
                                     <p:anim calcmode="lin" valueType="num">
                                       <p:cBhvr>
-                                        <p:cTn id="26" dur="1000" fill="hold"/>
+                                        <p:cTn id="22" dur="1000" fill="hold"/>
                                         <p:tgtEl>
                                           <p:spTgt spid="6"/>
                                         </p:tgtEl>
@@ -8140,158 +10101,6 @@
                                         </p:tav>
                                       </p:tavLst>
                                     </p:anim>
-                                  </p:childTnLst>
-                                </p:cTn>
-                              </p:par>
-                            </p:childTnLst>
-                          </p:cTn>
-                        </p:par>
-                      </p:childTnLst>
-                    </p:cTn>
-                  </p:par>
-                  <p:par>
-                    <p:cTn id="27" fill="hold">
-                      <p:stCondLst>
-                        <p:cond delay="indefinite"/>
-                      </p:stCondLst>
-                      <p:childTnLst>
-                        <p:par>
-                          <p:cTn id="28" fill="hold">
-                            <p:stCondLst>
-                              <p:cond delay="0"/>
-                            </p:stCondLst>
-                            <p:childTnLst>
-                              <p:par>
-                                <p:cTn id="29" presetID="42" presetClass="exit" presetSubtype="0" fill="hold" nodeType="clickEffect">
-                                  <p:stCondLst>
-                                    <p:cond delay="0"/>
-                                  </p:stCondLst>
-                                  <p:childTnLst>
-                                    <p:animEffect transition="out" filter="fade">
-                                      <p:cBhvr>
-                                        <p:cTn id="30" dur="1000"/>
-                                        <p:tgtEl>
-                                          <p:spTgt spid="6"/>
-                                        </p:tgtEl>
-                                      </p:cBhvr>
-                                    </p:animEffect>
-                                    <p:anim calcmode="lin" valueType="num">
-                                      <p:cBhvr>
-                                        <p:cTn id="31" dur="1000"/>
-                                        <p:tgtEl>
-                                          <p:spTgt spid="6"/>
-                                        </p:tgtEl>
-                                        <p:attrNameLst>
-                                          <p:attrName>ppt_x</p:attrName>
-                                        </p:attrNameLst>
-                                      </p:cBhvr>
-                                      <p:tavLst>
-                                        <p:tav tm="0">
-                                          <p:val>
-                                            <p:strVal val="ppt_x"/>
-                                          </p:val>
-                                        </p:tav>
-                                        <p:tav tm="100000">
-                                          <p:val>
-                                            <p:strVal val="ppt_x"/>
-                                          </p:val>
-                                        </p:tav>
-                                      </p:tavLst>
-                                    </p:anim>
-                                    <p:anim calcmode="lin" valueType="num">
-                                      <p:cBhvr>
-                                        <p:cTn id="32" dur="1000"/>
-                                        <p:tgtEl>
-                                          <p:spTgt spid="6"/>
-                                        </p:tgtEl>
-                                        <p:attrNameLst>
-                                          <p:attrName>ppt_y</p:attrName>
-                                        </p:attrNameLst>
-                                      </p:cBhvr>
-                                      <p:tavLst>
-                                        <p:tav tm="0">
-                                          <p:val>
-                                            <p:strVal val="ppt_y"/>
-                                          </p:val>
-                                        </p:tav>
-                                        <p:tav tm="100000">
-                                          <p:val>
-                                            <p:strVal val="ppt_y+.1"/>
-                                          </p:val>
-                                        </p:tav>
-                                      </p:tavLst>
-                                    </p:anim>
-                                    <p:set>
-                                      <p:cBhvr>
-                                        <p:cTn id="33" dur="1" fill="hold">
-                                          <p:stCondLst>
-                                            <p:cond delay="999"/>
-                                          </p:stCondLst>
-                                        </p:cTn>
-                                        <p:tgtEl>
-                                          <p:spTgt spid="6"/>
-                                        </p:tgtEl>
-                                        <p:attrNameLst>
-                                          <p:attrName>style.visibility</p:attrName>
-                                        </p:attrNameLst>
-                                      </p:cBhvr>
-                                      <p:to>
-                                        <p:strVal val="hidden"/>
-                                      </p:to>
-                                    </p:set>
-                                  </p:childTnLst>
-                                </p:cTn>
-                              </p:par>
-                            </p:childTnLst>
-                          </p:cTn>
-                        </p:par>
-                      </p:childTnLst>
-                    </p:cTn>
-                  </p:par>
-                  <p:par>
-                    <p:cTn id="34" fill="hold">
-                      <p:stCondLst>
-                        <p:cond delay="indefinite"/>
-                      </p:stCondLst>
-                      <p:childTnLst>
-                        <p:par>
-                          <p:cTn id="35" fill="hold">
-                            <p:stCondLst>
-                              <p:cond delay="0"/>
-                            </p:stCondLst>
-                            <p:childTnLst>
-                              <p:par>
-                                <p:cTn id="36" presetID="22" presetClass="entr" presetSubtype="4" fill="hold" grpId="0" nodeType="clickEffect">
-                                  <p:stCondLst>
-                                    <p:cond delay="0"/>
-                                  </p:stCondLst>
-                                  <p:childTnLst>
-                                    <p:set>
-                                      <p:cBhvr>
-                                        <p:cTn id="37" dur="1" fill="hold">
-                                          <p:stCondLst>
-                                            <p:cond delay="0"/>
-                                          </p:stCondLst>
-                                        </p:cTn>
-                                        <p:tgtEl>
-                                          <p:spTgt spid="7"/>
-                                        </p:tgtEl>
-                                        <p:attrNameLst>
-                                          <p:attrName>style.visibility</p:attrName>
-                                        </p:attrNameLst>
-                                      </p:cBhvr>
-                                      <p:to>
-                                        <p:strVal val="visible"/>
-                                      </p:to>
-                                    </p:set>
-                                    <p:animEffect transition="in" filter="wipe(down)">
-                                      <p:cBhvr>
-                                        <p:cTn id="38" dur="500"/>
-                                        <p:tgtEl>
-                                          <p:spTgt spid="7"/>
-                                        </p:tgtEl>
-                                      </p:cBhvr>
-                                    </p:animEffect>
                                   </p:childTnLst>
                                 </p:cTn>
                               </p:par>
@@ -8322,9 +10131,6 @@
         </p:cTn>
       </p:par>
     </p:tnLst>
-    <p:bldLst>
-      <p:bldP spid="7" grpId="0"/>
-    </p:bldLst>
   </p:timing>
 </p:sld>
 </file>
@@ -8346,57 +10152,6 @@
           <a:chExt cx="0" cy="0"/>
         </a:xfrm>
       </p:grpSpPr>
-      <p:sp>
-        <p:nvSpPr>
-          <p:cNvPr id="2" name="TextBox 1"/>
-          <p:cNvSpPr txBox="1"/>
-          <p:nvPr/>
-        </p:nvSpPr>
-        <p:spPr>
-          <a:xfrm>
-            <a:off x="1054100" y="863600"/>
-            <a:ext cx="5575300" cy="923330"/>
-          </a:xfrm>
-          <a:prstGeom prst="rect">
-            <a:avLst/>
-          </a:prstGeom>
-          <a:noFill/>
-        </p:spPr>
-        <p:txBody>
-          <a:bodyPr wrap="square" rtlCol="0">
-            <a:spAutoFit/>
-          </a:bodyPr>
-          <a:lstStyle/>
-          <a:p>
-            <a:pPr marL="342900" indent="-342900">
-              <a:buAutoNum type="arabicPeriod"/>
-            </a:pPr>
-            <a:r>
-              <a:rPr lang="en-US" dirty="0" smtClean="0"/>
-              <a:t>Tổng quan đề tài</a:t>
-            </a:r>
-          </a:p>
-          <a:p>
-            <a:pPr marL="342900" indent="-342900">
-              <a:buAutoNum type="alphaLcPeriod"/>
-            </a:pPr>
-            <a:r>
-              <a:rPr lang="en-US" dirty="0" smtClean="0"/>
-              <a:t>Giới thiệu đề tài</a:t>
-            </a:r>
-          </a:p>
-          <a:p>
-            <a:pPr marL="342900" indent="-342900">
-              <a:buAutoNum type="alphaLcPeriod"/>
-            </a:pPr>
-            <a:r>
-              <a:rPr lang="en-US" dirty="0" smtClean="0"/>
-              <a:t>Các form, class và chức năng</a:t>
-            </a:r>
-            <a:endParaRPr lang="en-US" dirty="0"/>
-          </a:p>
-        </p:txBody>
-      </p:sp>
       <p:pic>
         <p:nvPicPr>
           <p:cNvPr id="4" name="Picture 3"/>
@@ -8471,14 +10226,20 @@
       </p:pic>
       <p:sp>
         <p:nvSpPr>
-          <p:cNvPr id="7" name="TextBox 6"/>
+          <p:cNvPr id="8" name="TextBox 7">
+            <a:extLst>
+              <a:ext uri="{FF2B5EF4-FFF2-40B4-BE49-F238E27FC236}">
+                <a16:creationId xmlns:a16="http://schemas.microsoft.com/office/drawing/2014/main" id="{44EA90E6-6820-4FBF-A03C-C6CE9A945B94}"/>
+              </a:ext>
+            </a:extLst>
+          </p:cNvPr>
           <p:cNvSpPr txBox="1"/>
           <p:nvPr/>
         </p:nvSpPr>
         <p:spPr>
           <a:xfrm>
-            <a:off x="1320800" y="1671896"/>
-            <a:ext cx="3035300" cy="369332"/>
+            <a:off x="296109" y="67436"/>
+            <a:ext cx="7307847" cy="1508105"/>
           </a:xfrm>
           <a:prstGeom prst="rect">
             <a:avLst/>
@@ -8491,11 +10252,138 @@
           </a:bodyPr>
           <a:lstStyle/>
           <a:p>
-            <a:r>
-              <a:rPr lang="en-US" dirty="0" smtClean="0"/>
-              <a:t>Các form</a:t>
-            </a:r>
-            <a:endParaRPr lang="en-US" dirty="0"/>
+            <a:pPr marL="342900" indent="-342900">
+              <a:buAutoNum type="arabicPeriod"/>
+            </a:pPr>
+            <a:r>
+              <a:rPr lang="en-US" sz="3600" dirty="0">
+                <a:latin typeface="Times New Roman" panose="02020603050405020304" pitchFamily="18" charset="0"/>
+                <a:cs typeface="Times New Roman" panose="02020603050405020304" pitchFamily="18" charset="0"/>
+              </a:rPr>
+              <a:t>Tổng quan đề tài</a:t>
+            </a:r>
+          </a:p>
+          <a:p>
+            <a:pPr marL="800100" lvl="1" indent="-342900">
+              <a:buAutoNum type="alphaLcPeriod"/>
+            </a:pPr>
+            <a:r>
+              <a:rPr lang="en-US" sz="2800" dirty="0" err="1">
+                <a:latin typeface="Times New Roman" panose="02020603050405020304" pitchFamily="18" charset="0"/>
+                <a:cs typeface="Times New Roman" panose="02020603050405020304" pitchFamily="18" charset="0"/>
+              </a:rPr>
+              <a:t>Giới</a:t>
+            </a:r>
+            <a:r>
+              <a:rPr lang="en-US" sz="2800" dirty="0">
+                <a:latin typeface="Times New Roman" panose="02020603050405020304" pitchFamily="18" charset="0"/>
+                <a:cs typeface="Times New Roman" panose="02020603050405020304" pitchFamily="18" charset="0"/>
+              </a:rPr>
+              <a:t> </a:t>
+            </a:r>
+            <a:r>
+              <a:rPr lang="en-US" sz="2800" dirty="0" err="1">
+                <a:latin typeface="Times New Roman" panose="02020603050405020304" pitchFamily="18" charset="0"/>
+                <a:cs typeface="Times New Roman" panose="02020603050405020304" pitchFamily="18" charset="0"/>
+              </a:rPr>
+              <a:t>thiệu</a:t>
+            </a:r>
+            <a:r>
+              <a:rPr lang="en-US" sz="2800" dirty="0">
+                <a:latin typeface="Times New Roman" panose="02020603050405020304" pitchFamily="18" charset="0"/>
+                <a:cs typeface="Times New Roman" panose="02020603050405020304" pitchFamily="18" charset="0"/>
+              </a:rPr>
+              <a:t> </a:t>
+            </a:r>
+            <a:r>
+              <a:rPr lang="en-US" sz="2800" dirty="0" err="1">
+                <a:latin typeface="Times New Roman" panose="02020603050405020304" pitchFamily="18" charset="0"/>
+                <a:cs typeface="Times New Roman" panose="02020603050405020304" pitchFamily="18" charset="0"/>
+              </a:rPr>
+              <a:t>đề</a:t>
+            </a:r>
+            <a:r>
+              <a:rPr lang="en-US" sz="2800" dirty="0">
+                <a:latin typeface="Times New Roman" panose="02020603050405020304" pitchFamily="18" charset="0"/>
+                <a:cs typeface="Times New Roman" panose="02020603050405020304" pitchFamily="18" charset="0"/>
+              </a:rPr>
+              <a:t> </a:t>
+            </a:r>
+            <a:r>
+              <a:rPr lang="en-US" sz="2800" dirty="0" err="1">
+                <a:latin typeface="Times New Roman" panose="02020603050405020304" pitchFamily="18" charset="0"/>
+                <a:cs typeface="Times New Roman" panose="02020603050405020304" pitchFamily="18" charset="0"/>
+              </a:rPr>
+              <a:t>tài</a:t>
+            </a:r>
+            <a:endParaRPr lang="en-US" sz="2800" dirty="0">
+              <a:latin typeface="Times New Roman" panose="02020603050405020304" pitchFamily="18" charset="0"/>
+              <a:cs typeface="Times New Roman" panose="02020603050405020304" pitchFamily="18" charset="0"/>
+            </a:endParaRPr>
+          </a:p>
+          <a:p>
+            <a:pPr marL="800100" lvl="1" indent="-342900">
+              <a:buAutoNum type="alphaLcPeriod"/>
+            </a:pPr>
+            <a:r>
+              <a:rPr lang="en-US" sz="2800" dirty="0" err="1">
+                <a:latin typeface="Times New Roman" panose="02020603050405020304" pitchFamily="18" charset="0"/>
+                <a:cs typeface="Times New Roman" panose="02020603050405020304" pitchFamily="18" charset="0"/>
+              </a:rPr>
+              <a:t>Các</a:t>
+            </a:r>
+            <a:r>
+              <a:rPr lang="en-US" sz="2800" dirty="0">
+                <a:latin typeface="Times New Roman" panose="02020603050405020304" pitchFamily="18" charset="0"/>
+                <a:cs typeface="Times New Roman" panose="02020603050405020304" pitchFamily="18" charset="0"/>
+              </a:rPr>
+              <a:t> form, class và chức năng</a:t>
+            </a:r>
+          </a:p>
+        </p:txBody>
+      </p:sp>
+      <p:sp>
+        <p:nvSpPr>
+          <p:cNvPr id="9" name="TextBox 8">
+            <a:extLst>
+              <a:ext uri="{FF2B5EF4-FFF2-40B4-BE49-F238E27FC236}">
+                <a16:creationId xmlns:a16="http://schemas.microsoft.com/office/drawing/2014/main" id="{A4F8CA8D-42E3-41F3-B8D6-8A2D71990DF3}"/>
+              </a:ext>
+            </a:extLst>
+          </p:cNvPr>
+          <p:cNvSpPr txBox="1"/>
+          <p:nvPr/>
+        </p:nvSpPr>
+        <p:spPr>
+          <a:xfrm>
+            <a:off x="914732" y="1518008"/>
+            <a:ext cx="3035300" cy="523220"/>
+          </a:xfrm>
+          <a:prstGeom prst="rect">
+            <a:avLst/>
+          </a:prstGeom>
+          <a:noFill/>
+        </p:spPr>
+        <p:txBody>
+          <a:bodyPr wrap="square" rtlCol="0">
+            <a:spAutoFit/>
+          </a:bodyPr>
+          <a:lstStyle/>
+          <a:p>
+            <a:r>
+              <a:rPr lang="en-US" sz="2800" dirty="0" err="1">
+                <a:latin typeface="Times New Roman" panose="02020603050405020304" pitchFamily="18" charset="0"/>
+                <a:cs typeface="Times New Roman" panose="02020603050405020304" pitchFamily="18" charset="0"/>
+              </a:rPr>
+              <a:t>Các</a:t>
+            </a:r>
+            <a:r>
+              <a:rPr lang="en-US" sz="2800" dirty="0">
+                <a:latin typeface="Times New Roman" panose="02020603050405020304" pitchFamily="18" charset="0"/>
+                <a:cs typeface="Times New Roman" panose="02020603050405020304" pitchFamily="18" charset="0"/>
+              </a:rPr>
+              <a:t> form:</a:t>
+            </a:r>
           </a:p>
         </p:txBody>
       </p:sp>
@@ -8509,6 +10397,9 @@
   <p:clrMapOvr>
     <a:masterClrMapping/>
   </p:clrMapOvr>
+  <p:transition spd="slow">
+    <p:wipe/>
+  </p:transition>
   <p:timing>
     <p:tnLst>
       <p:par>
@@ -8835,59 +10726,6 @@
                       </p:childTnLst>
                     </p:cTn>
                   </p:par>
-                  <p:par>
-                    <p:cTn id="33" fill="hold">
-                      <p:stCondLst>
-                        <p:cond delay="indefinite"/>
-                      </p:stCondLst>
-                      <p:childTnLst>
-                        <p:par>
-                          <p:cTn id="34" fill="hold">
-                            <p:stCondLst>
-                              <p:cond delay="0"/>
-                            </p:stCondLst>
-                            <p:childTnLst>
-                              <p:par>
-                                <p:cTn id="35" presetID="22" presetClass="entr" presetSubtype="4" fill="hold" grpId="0" nodeType="clickEffect">
-                                  <p:stCondLst>
-                                    <p:cond delay="0"/>
-                                  </p:stCondLst>
-                                  <p:childTnLst>
-                                    <p:set>
-                                      <p:cBhvr>
-                                        <p:cTn id="36" dur="1" fill="hold">
-                                          <p:stCondLst>
-                                            <p:cond delay="0"/>
-                                          </p:stCondLst>
-                                        </p:cTn>
-                                        <p:tgtEl>
-                                          <p:spTgt spid="7"/>
-                                        </p:tgtEl>
-                                        <p:attrNameLst>
-                                          <p:attrName>style.visibility</p:attrName>
-                                        </p:attrNameLst>
-                                      </p:cBhvr>
-                                      <p:to>
-                                        <p:strVal val="visible"/>
-                                      </p:to>
-                                    </p:set>
-                                    <p:animEffect transition="in" filter="wipe(down)">
-                                      <p:cBhvr>
-                                        <p:cTn id="37" dur="500"/>
-                                        <p:tgtEl>
-                                          <p:spTgt spid="7"/>
-                                        </p:tgtEl>
-                                      </p:cBhvr>
-                                    </p:animEffect>
-                                  </p:childTnLst>
-                                </p:cTn>
-                              </p:par>
-                            </p:childTnLst>
-                          </p:cTn>
-                        </p:par>
-                      </p:childTnLst>
-                    </p:cTn>
-                  </p:par>
                 </p:childTnLst>
               </p:cTn>
               <p:prevCondLst>
@@ -8909,9 +10747,6 @@
         </p:cTn>
       </p:par>
     </p:tnLst>
-    <p:bldLst>
-      <p:bldP spid="7" grpId="0"/>
-    </p:bldLst>
   </p:timing>
 </p:sld>
 </file>
@@ -8933,57 +10768,6 @@
           <a:chExt cx="0" cy="0"/>
         </a:xfrm>
       </p:grpSpPr>
-      <p:sp>
-        <p:nvSpPr>
-          <p:cNvPr id="3" name="TextBox 2"/>
-          <p:cNvSpPr txBox="1"/>
-          <p:nvPr/>
-        </p:nvSpPr>
-        <p:spPr>
-          <a:xfrm>
-            <a:off x="1054100" y="863600"/>
-            <a:ext cx="5575300" cy="923330"/>
-          </a:xfrm>
-          <a:prstGeom prst="rect">
-            <a:avLst/>
-          </a:prstGeom>
-          <a:noFill/>
-        </p:spPr>
-        <p:txBody>
-          <a:bodyPr wrap="square" rtlCol="0">
-            <a:spAutoFit/>
-          </a:bodyPr>
-          <a:lstStyle/>
-          <a:p>
-            <a:pPr marL="342900" indent="-342900">
-              <a:buAutoNum type="arabicPeriod"/>
-            </a:pPr>
-            <a:r>
-              <a:rPr lang="en-US" dirty="0" smtClean="0"/>
-              <a:t>Tổng quan đề tài</a:t>
-            </a:r>
-          </a:p>
-          <a:p>
-            <a:pPr marL="342900" indent="-342900">
-              <a:buAutoNum type="alphaLcPeriod"/>
-            </a:pPr>
-            <a:r>
-              <a:rPr lang="en-US" dirty="0" smtClean="0"/>
-              <a:t>Giới thiệu đề tài</a:t>
-            </a:r>
-          </a:p>
-          <a:p>
-            <a:pPr marL="342900" indent="-342900">
-              <a:buAutoNum type="alphaLcPeriod"/>
-            </a:pPr>
-            <a:r>
-              <a:rPr lang="en-US" dirty="0" smtClean="0"/>
-              <a:t>Các form, class và chức năng</a:t>
-            </a:r>
-            <a:endParaRPr lang="en-US" dirty="0"/>
-          </a:p>
-        </p:txBody>
-      </p:sp>
       <p:pic>
         <p:nvPicPr>
           <p:cNvPr id="4" name="Picture 3"/>
@@ -9000,7 +10784,7 @@
         </p:blipFill>
         <p:spPr>
           <a:xfrm>
-            <a:off x="733425" y="2605636"/>
+            <a:off x="560383" y="2622076"/>
             <a:ext cx="11458575" cy="3438525"/>
           </a:xfrm>
           <a:prstGeom prst="rect">
@@ -9058,14 +10842,20 @@
       </p:pic>
       <p:sp>
         <p:nvSpPr>
-          <p:cNvPr id="7" name="TextBox 6"/>
+          <p:cNvPr id="8" name="TextBox 7">
+            <a:extLst>
+              <a:ext uri="{FF2B5EF4-FFF2-40B4-BE49-F238E27FC236}">
+                <a16:creationId xmlns:a16="http://schemas.microsoft.com/office/drawing/2014/main" id="{9032169E-8C8D-4A31-8D6F-5F6AFEC74789}"/>
+              </a:ext>
+            </a:extLst>
+          </p:cNvPr>
           <p:cNvSpPr txBox="1"/>
           <p:nvPr/>
         </p:nvSpPr>
         <p:spPr>
           <a:xfrm>
-            <a:off x="1320800" y="1671896"/>
-            <a:ext cx="3035300" cy="369332"/>
+            <a:off x="914732" y="1518008"/>
+            <a:ext cx="3035300" cy="523220"/>
           </a:xfrm>
           <a:prstGeom prst="rect">
             <a:avLst/>
@@ -9079,10 +10869,137 @@
           <a:lstStyle/>
           <a:p>
             <a:r>
-              <a:rPr lang="en-US" dirty="0" smtClean="0"/>
-              <a:t>Các form</a:t>
-            </a:r>
-            <a:endParaRPr lang="en-US" dirty="0"/>
+              <a:rPr lang="en-US" sz="2800" dirty="0" err="1">
+                <a:latin typeface="Times New Roman" panose="02020603050405020304" pitchFamily="18" charset="0"/>
+                <a:cs typeface="Times New Roman" panose="02020603050405020304" pitchFamily="18" charset="0"/>
+              </a:rPr>
+              <a:t>Các</a:t>
+            </a:r>
+            <a:r>
+              <a:rPr lang="en-US" sz="2800" dirty="0">
+                <a:latin typeface="Times New Roman" panose="02020603050405020304" pitchFamily="18" charset="0"/>
+                <a:cs typeface="Times New Roman" panose="02020603050405020304" pitchFamily="18" charset="0"/>
+              </a:rPr>
+              <a:t> form:</a:t>
+            </a:r>
+          </a:p>
+        </p:txBody>
+      </p:sp>
+      <p:sp>
+        <p:nvSpPr>
+          <p:cNvPr id="9" name="TextBox 8">
+            <a:extLst>
+              <a:ext uri="{FF2B5EF4-FFF2-40B4-BE49-F238E27FC236}">
+                <a16:creationId xmlns:a16="http://schemas.microsoft.com/office/drawing/2014/main" id="{682D7FD5-0E82-42EA-ADFD-A558D2E5EB65}"/>
+              </a:ext>
+            </a:extLst>
+          </p:cNvPr>
+          <p:cNvSpPr txBox="1"/>
+          <p:nvPr/>
+        </p:nvSpPr>
+        <p:spPr>
+          <a:xfrm>
+            <a:off x="296109" y="67436"/>
+            <a:ext cx="7307847" cy="1508105"/>
+          </a:xfrm>
+          <a:prstGeom prst="rect">
+            <a:avLst/>
+          </a:prstGeom>
+          <a:noFill/>
+        </p:spPr>
+        <p:txBody>
+          <a:bodyPr wrap="square" rtlCol="0">
+            <a:spAutoFit/>
+          </a:bodyPr>
+          <a:lstStyle/>
+          <a:p>
+            <a:pPr marL="342900" indent="-342900">
+              <a:buAutoNum type="arabicPeriod"/>
+            </a:pPr>
+            <a:r>
+              <a:rPr lang="en-US" sz="3600" dirty="0">
+                <a:latin typeface="Times New Roman" panose="02020603050405020304" pitchFamily="18" charset="0"/>
+                <a:cs typeface="Times New Roman" panose="02020603050405020304" pitchFamily="18" charset="0"/>
+              </a:rPr>
+              <a:t>Tổng quan đề tài</a:t>
+            </a:r>
+          </a:p>
+          <a:p>
+            <a:pPr marL="800100" lvl="1" indent="-342900">
+              <a:buAutoNum type="alphaLcPeriod"/>
+            </a:pPr>
+            <a:r>
+              <a:rPr lang="en-US" sz="2800" dirty="0" err="1">
+                <a:latin typeface="Times New Roman" panose="02020603050405020304" pitchFamily="18" charset="0"/>
+                <a:cs typeface="Times New Roman" panose="02020603050405020304" pitchFamily="18" charset="0"/>
+              </a:rPr>
+              <a:t>Giới</a:t>
+            </a:r>
+            <a:r>
+              <a:rPr lang="en-US" sz="2800" dirty="0">
+                <a:latin typeface="Times New Roman" panose="02020603050405020304" pitchFamily="18" charset="0"/>
+                <a:cs typeface="Times New Roman" panose="02020603050405020304" pitchFamily="18" charset="0"/>
+              </a:rPr>
+              <a:t> </a:t>
+            </a:r>
+            <a:r>
+              <a:rPr lang="en-US" sz="2800" dirty="0" err="1">
+                <a:latin typeface="Times New Roman" panose="02020603050405020304" pitchFamily="18" charset="0"/>
+                <a:cs typeface="Times New Roman" panose="02020603050405020304" pitchFamily="18" charset="0"/>
+              </a:rPr>
+              <a:t>thiệu</a:t>
+            </a:r>
+            <a:r>
+              <a:rPr lang="en-US" sz="2800" dirty="0">
+                <a:latin typeface="Times New Roman" panose="02020603050405020304" pitchFamily="18" charset="0"/>
+                <a:cs typeface="Times New Roman" panose="02020603050405020304" pitchFamily="18" charset="0"/>
+              </a:rPr>
+              <a:t> </a:t>
+            </a:r>
+            <a:r>
+              <a:rPr lang="en-US" sz="2800" dirty="0" err="1">
+                <a:latin typeface="Times New Roman" panose="02020603050405020304" pitchFamily="18" charset="0"/>
+                <a:cs typeface="Times New Roman" panose="02020603050405020304" pitchFamily="18" charset="0"/>
+              </a:rPr>
+              <a:t>đề</a:t>
+            </a:r>
+            <a:r>
+              <a:rPr lang="en-US" sz="2800" dirty="0">
+                <a:latin typeface="Times New Roman" panose="02020603050405020304" pitchFamily="18" charset="0"/>
+                <a:cs typeface="Times New Roman" panose="02020603050405020304" pitchFamily="18" charset="0"/>
+              </a:rPr>
+              <a:t> </a:t>
+            </a:r>
+            <a:r>
+              <a:rPr lang="en-US" sz="2800" dirty="0" err="1">
+                <a:latin typeface="Times New Roman" panose="02020603050405020304" pitchFamily="18" charset="0"/>
+                <a:cs typeface="Times New Roman" panose="02020603050405020304" pitchFamily="18" charset="0"/>
+              </a:rPr>
+              <a:t>tài</a:t>
+            </a:r>
+            <a:endParaRPr lang="en-US" sz="2800" dirty="0">
+              <a:latin typeface="Times New Roman" panose="02020603050405020304" pitchFamily="18" charset="0"/>
+              <a:cs typeface="Times New Roman" panose="02020603050405020304" pitchFamily="18" charset="0"/>
+            </a:endParaRPr>
+          </a:p>
+          <a:p>
+            <a:pPr marL="800100" lvl="1" indent="-342900">
+              <a:buAutoNum type="alphaLcPeriod"/>
+            </a:pPr>
+            <a:r>
+              <a:rPr lang="en-US" sz="2800" dirty="0" err="1">
+                <a:latin typeface="Times New Roman" panose="02020603050405020304" pitchFamily="18" charset="0"/>
+                <a:cs typeface="Times New Roman" panose="02020603050405020304" pitchFamily="18" charset="0"/>
+              </a:rPr>
+              <a:t>Các</a:t>
+            </a:r>
+            <a:r>
+              <a:rPr lang="en-US" sz="2800" dirty="0">
+                <a:latin typeface="Times New Roman" panose="02020603050405020304" pitchFamily="18" charset="0"/>
+                <a:cs typeface="Times New Roman" panose="02020603050405020304" pitchFamily="18" charset="0"/>
+              </a:rPr>
+              <a:t> form, class và chức năng</a:t>
+            </a:r>
           </a:p>
         </p:txBody>
       </p:sp>
@@ -9096,6 +11013,9 @@
   <p:clrMapOvr>
     <a:masterClrMapping/>
   </p:clrMapOvr>
+  <p:transition spd="slow">
+    <p:wipe/>
+  </p:transition>
   <p:timing>
     <p:tnLst>
       <p:par>
@@ -9117,67 +11037,14 @@
                             </p:stCondLst>
                             <p:childTnLst>
                               <p:par>
-                                <p:cTn id="5" presetID="22" presetClass="entr" presetSubtype="4" fill="hold" nodeType="clickEffect">
-                                  <p:stCondLst>
-                                    <p:cond delay="0"/>
-                                  </p:stCondLst>
-                                  <p:childTnLst>
-                                    <p:set>
-                                      <p:cBhvr>
-                                        <p:cTn id="6" dur="1" fill="hold">
-                                          <p:stCondLst>
-                                            <p:cond delay="0"/>
-                                          </p:stCondLst>
-                                        </p:cTn>
-                                        <p:tgtEl>
-                                          <p:spTgt spid="4"/>
-                                        </p:tgtEl>
-                                        <p:attrNameLst>
-                                          <p:attrName>style.visibility</p:attrName>
-                                        </p:attrNameLst>
-                                      </p:cBhvr>
-                                      <p:to>
-                                        <p:strVal val="visible"/>
-                                      </p:to>
-                                    </p:set>
-                                    <p:animEffect transition="in" filter="wipe(down)">
-                                      <p:cBhvr>
-                                        <p:cTn id="7" dur="500"/>
-                                        <p:tgtEl>
-                                          <p:spTgt spid="4"/>
-                                        </p:tgtEl>
-                                      </p:cBhvr>
-                                    </p:animEffect>
-                                  </p:childTnLst>
-                                </p:cTn>
-                              </p:par>
-                            </p:childTnLst>
-                          </p:cTn>
-                        </p:par>
-                      </p:childTnLst>
-                    </p:cTn>
-                  </p:par>
-                  <p:par>
-                    <p:cTn id="8" fill="hold">
-                      <p:stCondLst>
-                        <p:cond delay="indefinite"/>
-                      </p:stCondLst>
-                      <p:childTnLst>
-                        <p:par>
-                          <p:cTn id="9" fill="hold">
-                            <p:stCondLst>
-                              <p:cond delay="0"/>
-                            </p:stCondLst>
-                            <p:childTnLst>
-                              <p:par>
-                                <p:cTn id="10" presetID="21" presetClass="exit" presetSubtype="1" fill="hold" nodeType="clickEffect">
+                                <p:cTn id="5" presetID="21" presetClass="exit" presetSubtype="1" fill="hold" nodeType="clickEffect">
                                   <p:stCondLst>
                                     <p:cond delay="0"/>
                                   </p:stCondLst>
                                   <p:childTnLst>
                                     <p:animEffect transition="out" filter="wheel(1)">
                                       <p:cBhvr>
-                                        <p:cTn id="11" dur="2000"/>
+                                        <p:cTn id="6" dur="2000"/>
                                         <p:tgtEl>
                                           <p:spTgt spid="4"/>
                                         </p:tgtEl>
@@ -9185,7 +11052,7 @@
                                     </p:animEffect>
                                     <p:set>
                                       <p:cBhvr>
-                                        <p:cTn id="12" dur="1" fill="hold">
+                                        <p:cTn id="7" dur="1" fill="hold">
                                           <p:stCondLst>
                                             <p:cond delay="1999"/>
                                           </p:stCondLst>
@@ -9211,26 +11078,26 @@
                     </p:cTn>
                   </p:par>
                   <p:par>
-                    <p:cTn id="13" fill="hold">
+                    <p:cTn id="8" fill="hold">
                       <p:stCondLst>
                         <p:cond delay="indefinite"/>
                       </p:stCondLst>
                       <p:childTnLst>
                         <p:par>
-                          <p:cTn id="14" fill="hold">
+                          <p:cTn id="9" fill="hold">
                             <p:stCondLst>
                               <p:cond delay="0"/>
                             </p:stCondLst>
                             <p:childTnLst>
                               <p:par>
-                                <p:cTn id="15" presetID="16" presetClass="entr" presetSubtype="21" fill="hold" nodeType="clickEffect">
+                                <p:cTn id="10" presetID="16" presetClass="entr" presetSubtype="21" fill="hold" nodeType="clickEffect">
                                   <p:stCondLst>
                                     <p:cond delay="0"/>
                                   </p:stCondLst>
                                   <p:childTnLst>
                                     <p:set>
                                       <p:cBhvr>
-                                        <p:cTn id="16" dur="1" fill="hold">
+                                        <p:cTn id="11" dur="1" fill="hold">
                                           <p:stCondLst>
                                             <p:cond delay="0"/>
                                           </p:stCondLst>
@@ -9248,7 +11115,7 @@
                                     </p:set>
                                     <p:animEffect transition="in" filter="barn(inVertical)">
                                       <p:cBhvr>
-                                        <p:cTn id="17" dur="500"/>
+                                        <p:cTn id="12" dur="500"/>
                                         <p:tgtEl>
                                           <p:spTgt spid="5"/>
                                         </p:tgtEl>
@@ -9264,26 +11131,26 @@
                     </p:cTn>
                   </p:par>
                   <p:par>
-                    <p:cTn id="18" fill="hold">
+                    <p:cTn id="13" fill="hold">
                       <p:stCondLst>
                         <p:cond delay="indefinite"/>
                       </p:stCondLst>
                       <p:childTnLst>
                         <p:par>
-                          <p:cTn id="19" fill="hold">
+                          <p:cTn id="14" fill="hold">
                             <p:stCondLst>
                               <p:cond delay="0"/>
                             </p:stCondLst>
                             <p:childTnLst>
                               <p:par>
-                                <p:cTn id="20" presetID="21" presetClass="exit" presetSubtype="1" fill="hold" nodeType="clickEffect">
+                                <p:cTn id="15" presetID="21" presetClass="exit" presetSubtype="1" fill="hold" nodeType="clickEffect">
                                   <p:stCondLst>
                                     <p:cond delay="0"/>
                                   </p:stCondLst>
                                   <p:childTnLst>
                                     <p:animEffect transition="out" filter="wheel(1)">
                                       <p:cBhvr>
-                                        <p:cTn id="21" dur="2000"/>
+                                        <p:cTn id="16" dur="2000"/>
                                         <p:tgtEl>
                                           <p:spTgt spid="5"/>
                                         </p:tgtEl>
@@ -9291,7 +11158,7 @@
                                     </p:animEffect>
                                     <p:set>
                                       <p:cBhvr>
-                                        <p:cTn id="22" dur="1" fill="hold">
+                                        <p:cTn id="17" dur="1" fill="hold">
                                           <p:stCondLst>
                                             <p:cond delay="1999"/>
                                           </p:stCondLst>
@@ -9317,26 +11184,26 @@
                     </p:cTn>
                   </p:par>
                   <p:par>
-                    <p:cTn id="23" fill="hold">
+                    <p:cTn id="18" fill="hold">
                       <p:stCondLst>
                         <p:cond delay="indefinite"/>
                       </p:stCondLst>
                       <p:childTnLst>
                         <p:par>
-                          <p:cTn id="24" fill="hold">
+                          <p:cTn id="19" fill="hold">
                             <p:stCondLst>
                               <p:cond delay="0"/>
                             </p:stCondLst>
                             <p:childTnLst>
                               <p:par>
-                                <p:cTn id="25" presetID="6" presetClass="entr" presetSubtype="16" fill="hold" nodeType="clickEffect">
+                                <p:cTn id="20" presetID="6" presetClass="entr" presetSubtype="16" fill="hold" nodeType="clickEffect">
                                   <p:stCondLst>
                                     <p:cond delay="0"/>
                                   </p:stCondLst>
                                   <p:childTnLst>
                                     <p:set>
                                       <p:cBhvr>
-                                        <p:cTn id="26" dur="1" fill="hold">
+                                        <p:cTn id="21" dur="1" fill="hold">
                                           <p:stCondLst>
                                             <p:cond delay="0"/>
                                           </p:stCondLst>
@@ -9354,7 +11221,7 @@
                                     </p:set>
                                     <p:animEffect transition="in" filter="circle(in)">
                                       <p:cBhvr>
-                                        <p:cTn id="27" dur="2000"/>
+                                        <p:cTn id="22" dur="2000"/>
                                         <p:tgtEl>
                                           <p:spTgt spid="6"/>
                                         </p:tgtEl>
@@ -9370,26 +11237,26 @@
                     </p:cTn>
                   </p:par>
                   <p:par>
-                    <p:cTn id="28" fill="hold">
+                    <p:cTn id="23" fill="hold">
                       <p:stCondLst>
                         <p:cond delay="indefinite"/>
                       </p:stCondLst>
                       <p:childTnLst>
                         <p:par>
-                          <p:cTn id="29" fill="hold">
+                          <p:cTn id="24" fill="hold">
                             <p:stCondLst>
                               <p:cond delay="0"/>
                             </p:stCondLst>
                             <p:childTnLst>
                               <p:par>
-                                <p:cTn id="30" presetID="21" presetClass="exit" presetSubtype="1" fill="hold" nodeType="clickEffect">
+                                <p:cTn id="25" presetID="21" presetClass="exit" presetSubtype="1" fill="hold" nodeType="clickEffect">
                                   <p:stCondLst>
                                     <p:cond delay="0"/>
                                   </p:stCondLst>
                                   <p:childTnLst>
                                     <p:animEffect transition="out" filter="wheel(1)">
                                       <p:cBhvr>
-                                        <p:cTn id="31" dur="2000"/>
+                                        <p:cTn id="26" dur="2000"/>
                                         <p:tgtEl>
                                           <p:spTgt spid="6"/>
                                         </p:tgtEl>
@@ -9397,7 +11264,7 @@
                                     </p:animEffect>
                                     <p:set>
                                       <p:cBhvr>
-                                        <p:cTn id="32" dur="1" fill="hold">
+                                        <p:cTn id="27" dur="1" fill="hold">
                                           <p:stCondLst>
                                             <p:cond delay="1999"/>
                                           </p:stCondLst>
@@ -9413,59 +11280,6 @@
                                         <p:strVal val="hidden"/>
                                       </p:to>
                                     </p:set>
-                                  </p:childTnLst>
-                                </p:cTn>
-                              </p:par>
-                            </p:childTnLst>
-                          </p:cTn>
-                        </p:par>
-                      </p:childTnLst>
-                    </p:cTn>
-                  </p:par>
-                  <p:par>
-                    <p:cTn id="33" fill="hold">
-                      <p:stCondLst>
-                        <p:cond delay="indefinite"/>
-                      </p:stCondLst>
-                      <p:childTnLst>
-                        <p:par>
-                          <p:cTn id="34" fill="hold">
-                            <p:stCondLst>
-                              <p:cond delay="0"/>
-                            </p:stCondLst>
-                            <p:childTnLst>
-                              <p:par>
-                                <p:cTn id="35" presetID="22" presetClass="entr" presetSubtype="4" fill="hold" grpId="0" nodeType="clickEffect">
-                                  <p:stCondLst>
-                                    <p:cond delay="0"/>
-                                  </p:stCondLst>
-                                  <p:childTnLst>
-                                    <p:set>
-                                      <p:cBhvr>
-                                        <p:cTn id="36" dur="1" fill="hold">
-                                          <p:stCondLst>
-                                            <p:cond delay="0"/>
-                                          </p:stCondLst>
-                                        </p:cTn>
-                                        <p:tgtEl>
-                                          <p:spTgt spid="7"/>
-                                        </p:tgtEl>
-                                        <p:attrNameLst>
-                                          <p:attrName>style.visibility</p:attrName>
-                                        </p:attrNameLst>
-                                      </p:cBhvr>
-                                      <p:to>
-                                        <p:strVal val="visible"/>
-                                      </p:to>
-                                    </p:set>
-                                    <p:animEffect transition="in" filter="wipe(down)">
-                                      <p:cBhvr>
-                                        <p:cTn id="37" dur="500"/>
-                                        <p:tgtEl>
-                                          <p:spTgt spid="7"/>
-                                        </p:tgtEl>
-                                      </p:cBhvr>
-                                    </p:animEffect>
                                   </p:childTnLst>
                                 </p:cTn>
                               </p:par>
@@ -9496,9 +11310,6 @@
         </p:cTn>
       </p:par>
     </p:tnLst>
-    <p:bldLst>
-      <p:bldP spid="7" grpId="0"/>
-    </p:bldLst>
   </p:timing>
 </p:sld>
 </file>
@@ -9520,57 +11331,6 @@
           <a:chExt cx="0" cy="0"/>
         </a:xfrm>
       </p:grpSpPr>
-      <p:sp>
-        <p:nvSpPr>
-          <p:cNvPr id="3" name="TextBox 2"/>
-          <p:cNvSpPr txBox="1"/>
-          <p:nvPr/>
-        </p:nvSpPr>
-        <p:spPr>
-          <a:xfrm>
-            <a:off x="1054100" y="863600"/>
-            <a:ext cx="5575300" cy="923330"/>
-          </a:xfrm>
-          <a:prstGeom prst="rect">
-            <a:avLst/>
-          </a:prstGeom>
-          <a:noFill/>
-        </p:spPr>
-        <p:txBody>
-          <a:bodyPr wrap="square" rtlCol="0">
-            <a:spAutoFit/>
-          </a:bodyPr>
-          <a:lstStyle/>
-          <a:p>
-            <a:pPr marL="342900" indent="-342900">
-              <a:buAutoNum type="arabicPeriod"/>
-            </a:pPr>
-            <a:r>
-              <a:rPr lang="en-US" dirty="0" smtClean="0"/>
-              <a:t>Tổng quan đề tài</a:t>
-            </a:r>
-          </a:p>
-          <a:p>
-            <a:pPr marL="342900" indent="-342900">
-              <a:buAutoNum type="alphaLcPeriod"/>
-            </a:pPr>
-            <a:r>
-              <a:rPr lang="en-US" dirty="0" smtClean="0"/>
-              <a:t>Giới thiệu đề tài</a:t>
-            </a:r>
-          </a:p>
-          <a:p>
-            <a:pPr marL="342900" indent="-342900">
-              <a:buAutoNum type="alphaLcPeriod"/>
-            </a:pPr>
-            <a:r>
-              <a:rPr lang="en-US" dirty="0" smtClean="0"/>
-              <a:t>Các form, class và chức năng</a:t>
-            </a:r>
-            <a:endParaRPr lang="en-US" dirty="0"/>
-          </a:p>
-        </p:txBody>
-      </p:sp>
       <p:pic>
         <p:nvPicPr>
           <p:cNvPr id="5" name="Picture 4"/>
@@ -9621,14 +11381,20 @@
       </p:pic>
       <p:sp>
         <p:nvSpPr>
-          <p:cNvPr id="7" name="TextBox 6"/>
+          <p:cNvPr id="8" name="TextBox 7">
+            <a:extLst>
+              <a:ext uri="{FF2B5EF4-FFF2-40B4-BE49-F238E27FC236}">
+                <a16:creationId xmlns:a16="http://schemas.microsoft.com/office/drawing/2014/main" id="{74C9471D-414A-4525-9863-1AEA08D20CF5}"/>
+              </a:ext>
+            </a:extLst>
+          </p:cNvPr>
           <p:cNvSpPr txBox="1"/>
           <p:nvPr/>
         </p:nvSpPr>
         <p:spPr>
           <a:xfrm>
-            <a:off x="1320800" y="1671896"/>
-            <a:ext cx="3035300" cy="369332"/>
+            <a:off x="296109" y="67436"/>
+            <a:ext cx="7307847" cy="1508105"/>
           </a:xfrm>
           <a:prstGeom prst="rect">
             <a:avLst/>
@@ -9641,11 +11407,138 @@
           </a:bodyPr>
           <a:lstStyle/>
           <a:p>
-            <a:r>
-              <a:rPr lang="en-US" dirty="0" smtClean="0"/>
-              <a:t>Các form</a:t>
-            </a:r>
-            <a:endParaRPr lang="en-US" dirty="0"/>
+            <a:pPr marL="342900" indent="-342900">
+              <a:buAutoNum type="arabicPeriod"/>
+            </a:pPr>
+            <a:r>
+              <a:rPr lang="en-US" sz="3600" dirty="0">
+                <a:latin typeface="Times New Roman" panose="02020603050405020304" pitchFamily="18" charset="0"/>
+                <a:cs typeface="Times New Roman" panose="02020603050405020304" pitchFamily="18" charset="0"/>
+              </a:rPr>
+              <a:t>Tổng quan đề tài</a:t>
+            </a:r>
+          </a:p>
+          <a:p>
+            <a:pPr marL="800100" lvl="1" indent="-342900">
+              <a:buAutoNum type="alphaLcPeriod"/>
+            </a:pPr>
+            <a:r>
+              <a:rPr lang="en-US" sz="2800" dirty="0" err="1">
+                <a:latin typeface="Times New Roman" panose="02020603050405020304" pitchFamily="18" charset="0"/>
+                <a:cs typeface="Times New Roman" panose="02020603050405020304" pitchFamily="18" charset="0"/>
+              </a:rPr>
+              <a:t>Giới</a:t>
+            </a:r>
+            <a:r>
+              <a:rPr lang="en-US" sz="2800" dirty="0">
+                <a:latin typeface="Times New Roman" panose="02020603050405020304" pitchFamily="18" charset="0"/>
+                <a:cs typeface="Times New Roman" panose="02020603050405020304" pitchFamily="18" charset="0"/>
+              </a:rPr>
+              <a:t> </a:t>
+            </a:r>
+            <a:r>
+              <a:rPr lang="en-US" sz="2800" dirty="0" err="1">
+                <a:latin typeface="Times New Roman" panose="02020603050405020304" pitchFamily="18" charset="0"/>
+                <a:cs typeface="Times New Roman" panose="02020603050405020304" pitchFamily="18" charset="0"/>
+              </a:rPr>
+              <a:t>thiệu</a:t>
+            </a:r>
+            <a:r>
+              <a:rPr lang="en-US" sz="2800" dirty="0">
+                <a:latin typeface="Times New Roman" panose="02020603050405020304" pitchFamily="18" charset="0"/>
+                <a:cs typeface="Times New Roman" panose="02020603050405020304" pitchFamily="18" charset="0"/>
+              </a:rPr>
+              <a:t> </a:t>
+            </a:r>
+            <a:r>
+              <a:rPr lang="en-US" sz="2800" dirty="0" err="1">
+                <a:latin typeface="Times New Roman" panose="02020603050405020304" pitchFamily="18" charset="0"/>
+                <a:cs typeface="Times New Roman" panose="02020603050405020304" pitchFamily="18" charset="0"/>
+              </a:rPr>
+              <a:t>đề</a:t>
+            </a:r>
+            <a:r>
+              <a:rPr lang="en-US" sz="2800" dirty="0">
+                <a:latin typeface="Times New Roman" panose="02020603050405020304" pitchFamily="18" charset="0"/>
+                <a:cs typeface="Times New Roman" panose="02020603050405020304" pitchFamily="18" charset="0"/>
+              </a:rPr>
+              <a:t> </a:t>
+            </a:r>
+            <a:r>
+              <a:rPr lang="en-US" sz="2800" dirty="0" err="1">
+                <a:latin typeface="Times New Roman" panose="02020603050405020304" pitchFamily="18" charset="0"/>
+                <a:cs typeface="Times New Roman" panose="02020603050405020304" pitchFamily="18" charset="0"/>
+              </a:rPr>
+              <a:t>tài</a:t>
+            </a:r>
+            <a:endParaRPr lang="en-US" sz="2800" dirty="0">
+              <a:latin typeface="Times New Roman" panose="02020603050405020304" pitchFamily="18" charset="0"/>
+              <a:cs typeface="Times New Roman" panose="02020603050405020304" pitchFamily="18" charset="0"/>
+            </a:endParaRPr>
+          </a:p>
+          <a:p>
+            <a:pPr marL="800100" lvl="1" indent="-342900">
+              <a:buAutoNum type="alphaLcPeriod"/>
+            </a:pPr>
+            <a:r>
+              <a:rPr lang="en-US" sz="2800" dirty="0" err="1">
+                <a:latin typeface="Times New Roman" panose="02020603050405020304" pitchFamily="18" charset="0"/>
+                <a:cs typeface="Times New Roman" panose="02020603050405020304" pitchFamily="18" charset="0"/>
+              </a:rPr>
+              <a:t>Các</a:t>
+            </a:r>
+            <a:r>
+              <a:rPr lang="en-US" sz="2800" dirty="0">
+                <a:latin typeface="Times New Roman" panose="02020603050405020304" pitchFamily="18" charset="0"/>
+                <a:cs typeface="Times New Roman" panose="02020603050405020304" pitchFamily="18" charset="0"/>
+              </a:rPr>
+              <a:t> form, class và chức năng</a:t>
+            </a:r>
+          </a:p>
+        </p:txBody>
+      </p:sp>
+      <p:sp>
+        <p:nvSpPr>
+          <p:cNvPr id="9" name="TextBox 8">
+            <a:extLst>
+              <a:ext uri="{FF2B5EF4-FFF2-40B4-BE49-F238E27FC236}">
+                <a16:creationId xmlns:a16="http://schemas.microsoft.com/office/drawing/2014/main" id="{89561014-EFC3-41F4-9037-122600BF3CE0}"/>
+              </a:ext>
+            </a:extLst>
+          </p:cNvPr>
+          <p:cNvSpPr txBox="1"/>
+          <p:nvPr/>
+        </p:nvSpPr>
+        <p:spPr>
+          <a:xfrm>
+            <a:off x="914732" y="1518008"/>
+            <a:ext cx="3035300" cy="523220"/>
+          </a:xfrm>
+          <a:prstGeom prst="rect">
+            <a:avLst/>
+          </a:prstGeom>
+          <a:noFill/>
+        </p:spPr>
+        <p:txBody>
+          <a:bodyPr wrap="square" rtlCol="0">
+            <a:spAutoFit/>
+          </a:bodyPr>
+          <a:lstStyle/>
+          <a:p>
+            <a:r>
+              <a:rPr lang="en-US" sz="2800" dirty="0" err="1">
+                <a:latin typeface="Times New Roman" panose="02020603050405020304" pitchFamily="18" charset="0"/>
+                <a:cs typeface="Times New Roman" panose="02020603050405020304" pitchFamily="18" charset="0"/>
+              </a:rPr>
+              <a:t>Các</a:t>
+            </a:r>
+            <a:r>
+              <a:rPr lang="en-US" sz="2800" dirty="0">
+                <a:latin typeface="Times New Roman" panose="02020603050405020304" pitchFamily="18" charset="0"/>
+                <a:cs typeface="Times New Roman" panose="02020603050405020304" pitchFamily="18" charset="0"/>
+              </a:rPr>
+              <a:t> form:</a:t>
+            </a:r>
           </a:p>
         </p:txBody>
       </p:sp>
@@ -9659,6 +11552,9 @@
   <p:clrMapOvr>
     <a:masterClrMapping/>
   </p:clrMapOvr>
+  <p:transition spd="slow">
+    <p:wipe/>
+  </p:transition>
   <p:timing>
     <p:tnLst>
       <p:par>
@@ -9879,27 +11775,330 @@
                       </p:childTnLst>
                     </p:cTn>
                   </p:par>
+                </p:childTnLst>
+              </p:cTn>
+              <p:prevCondLst>
+                <p:cond evt="onPrev" delay="0">
+                  <p:tgtEl>
+                    <p:sldTgt/>
+                  </p:tgtEl>
+                </p:cond>
+              </p:prevCondLst>
+              <p:nextCondLst>
+                <p:cond evt="onNext" delay="0">
+                  <p:tgtEl>
+                    <p:sldTgt/>
+                  </p:tgtEl>
+                </p:cond>
+              </p:nextCondLst>
+            </p:seq>
+          </p:childTnLst>
+        </p:cTn>
+      </p:par>
+    </p:tnLst>
+  </p:timing>
+</p:sld>
+</file>
+
+<file path=ppt/slides/slide9.xml><?xml version="1.0" encoding="utf-8"?>
+<p:sld xmlns:a="http://schemas.openxmlformats.org/drawingml/2006/main" xmlns:r="http://schemas.openxmlformats.org/officeDocument/2006/relationships" xmlns:p="http://schemas.openxmlformats.org/presentationml/2006/main">
+  <p:cSld>
+    <p:spTree>
+      <p:nvGrpSpPr>
+        <p:cNvPr id="1" name=""/>
+        <p:cNvGrpSpPr/>
+        <p:nvPr/>
+      </p:nvGrpSpPr>
+      <p:grpSpPr>
+        <a:xfrm>
+          <a:off x="0" y="0"/>
+          <a:ext cx="0" cy="0"/>
+          <a:chOff x="0" y="0"/>
+          <a:chExt cx="0" cy="0"/>
+        </a:xfrm>
+      </p:grpSpPr>
+      <p:pic>
+        <p:nvPicPr>
+          <p:cNvPr id="7" name="Picture 6"/>
+          <p:cNvPicPr>
+            <a:picLocks noChangeAspect="1"/>
+          </p:cNvPicPr>
+          <p:nvPr/>
+        </p:nvPicPr>
+        <p:blipFill>
+          <a:blip r:embed="rId2"/>
+          <a:stretch>
+            <a:fillRect/>
+          </a:stretch>
+        </p:blipFill>
+        <p:spPr>
+          <a:xfrm>
+            <a:off x="3080084" y="2254667"/>
+            <a:ext cx="3268579" cy="3504294"/>
+          </a:xfrm>
+          <a:prstGeom prst="rect">
+            <a:avLst/>
+          </a:prstGeom>
+        </p:spPr>
+      </p:pic>
+      <p:sp>
+        <p:nvSpPr>
+          <p:cNvPr id="8" name="TextBox 7">
+            <a:extLst>
+              <a:ext uri="{FF2B5EF4-FFF2-40B4-BE49-F238E27FC236}">
+                <a16:creationId xmlns:a16="http://schemas.microsoft.com/office/drawing/2014/main" id="{447FB266-AA5A-45D4-9132-8D10B1AA6F5F}"/>
+              </a:ext>
+            </a:extLst>
+          </p:cNvPr>
+          <p:cNvSpPr txBox="1"/>
+          <p:nvPr/>
+        </p:nvSpPr>
+        <p:spPr>
+          <a:xfrm>
+            <a:off x="914732" y="1518008"/>
+            <a:ext cx="3035300" cy="523220"/>
+          </a:xfrm>
+          <a:prstGeom prst="rect">
+            <a:avLst/>
+          </a:prstGeom>
+          <a:noFill/>
+        </p:spPr>
+        <p:txBody>
+          <a:bodyPr wrap="square" rtlCol="0">
+            <a:spAutoFit/>
+          </a:bodyPr>
+          <a:lstStyle/>
+          <a:p>
+            <a:r>
+              <a:rPr lang="en-US" sz="2800" dirty="0" err="1">
+                <a:latin typeface="Times New Roman" panose="02020603050405020304" pitchFamily="18" charset="0"/>
+                <a:cs typeface="Times New Roman" panose="02020603050405020304" pitchFamily="18" charset="0"/>
+              </a:rPr>
+              <a:t>Các</a:t>
+            </a:r>
+            <a:r>
+              <a:rPr lang="en-US" sz="2800" dirty="0">
+                <a:latin typeface="Times New Roman" panose="02020603050405020304" pitchFamily="18" charset="0"/>
+                <a:cs typeface="Times New Roman" panose="02020603050405020304" pitchFamily="18" charset="0"/>
+              </a:rPr>
+              <a:t> class:</a:t>
+            </a:r>
+          </a:p>
+        </p:txBody>
+      </p:sp>
+      <p:sp>
+        <p:nvSpPr>
+          <p:cNvPr id="9" name="TextBox 8">
+            <a:extLst>
+              <a:ext uri="{FF2B5EF4-FFF2-40B4-BE49-F238E27FC236}">
+                <a16:creationId xmlns:a16="http://schemas.microsoft.com/office/drawing/2014/main" id="{DB28DD81-8D86-48C3-ACD1-F11D598E898F}"/>
+              </a:ext>
+            </a:extLst>
+          </p:cNvPr>
+          <p:cNvSpPr txBox="1"/>
+          <p:nvPr/>
+        </p:nvSpPr>
+        <p:spPr>
+          <a:xfrm>
+            <a:off x="296109" y="67436"/>
+            <a:ext cx="7307847" cy="1508105"/>
+          </a:xfrm>
+          <a:prstGeom prst="rect">
+            <a:avLst/>
+          </a:prstGeom>
+          <a:noFill/>
+        </p:spPr>
+        <p:txBody>
+          <a:bodyPr wrap="square" rtlCol="0">
+            <a:spAutoFit/>
+          </a:bodyPr>
+          <a:lstStyle/>
+          <a:p>
+            <a:pPr marL="342900" indent="-342900">
+              <a:buAutoNum type="arabicPeriod"/>
+            </a:pPr>
+            <a:r>
+              <a:rPr lang="en-US" sz="3600" dirty="0">
+                <a:latin typeface="Times New Roman" panose="02020603050405020304" pitchFamily="18" charset="0"/>
+                <a:cs typeface="Times New Roman" panose="02020603050405020304" pitchFamily="18" charset="0"/>
+              </a:rPr>
+              <a:t>Tổng quan đề tài</a:t>
+            </a:r>
+          </a:p>
+          <a:p>
+            <a:pPr marL="800100" lvl="1" indent="-342900">
+              <a:buAutoNum type="alphaLcPeriod"/>
+            </a:pPr>
+            <a:r>
+              <a:rPr lang="en-US" sz="2800" dirty="0" err="1">
+                <a:latin typeface="Times New Roman" panose="02020603050405020304" pitchFamily="18" charset="0"/>
+                <a:cs typeface="Times New Roman" panose="02020603050405020304" pitchFamily="18" charset="0"/>
+              </a:rPr>
+              <a:t>Giới</a:t>
+            </a:r>
+            <a:r>
+              <a:rPr lang="en-US" sz="2800" dirty="0">
+                <a:latin typeface="Times New Roman" panose="02020603050405020304" pitchFamily="18" charset="0"/>
+                <a:cs typeface="Times New Roman" panose="02020603050405020304" pitchFamily="18" charset="0"/>
+              </a:rPr>
+              <a:t> </a:t>
+            </a:r>
+            <a:r>
+              <a:rPr lang="en-US" sz="2800" dirty="0" err="1">
+                <a:latin typeface="Times New Roman" panose="02020603050405020304" pitchFamily="18" charset="0"/>
+                <a:cs typeface="Times New Roman" panose="02020603050405020304" pitchFamily="18" charset="0"/>
+              </a:rPr>
+              <a:t>thiệu</a:t>
+            </a:r>
+            <a:r>
+              <a:rPr lang="en-US" sz="2800" dirty="0">
+                <a:latin typeface="Times New Roman" panose="02020603050405020304" pitchFamily="18" charset="0"/>
+                <a:cs typeface="Times New Roman" panose="02020603050405020304" pitchFamily="18" charset="0"/>
+              </a:rPr>
+              <a:t> </a:t>
+            </a:r>
+            <a:r>
+              <a:rPr lang="en-US" sz="2800" dirty="0" err="1">
+                <a:latin typeface="Times New Roman" panose="02020603050405020304" pitchFamily="18" charset="0"/>
+                <a:cs typeface="Times New Roman" panose="02020603050405020304" pitchFamily="18" charset="0"/>
+              </a:rPr>
+              <a:t>đề</a:t>
+            </a:r>
+            <a:r>
+              <a:rPr lang="en-US" sz="2800" dirty="0">
+                <a:latin typeface="Times New Roman" panose="02020603050405020304" pitchFamily="18" charset="0"/>
+                <a:cs typeface="Times New Roman" panose="02020603050405020304" pitchFamily="18" charset="0"/>
+              </a:rPr>
+              <a:t> </a:t>
+            </a:r>
+            <a:r>
+              <a:rPr lang="en-US" sz="2800" dirty="0" err="1">
+                <a:latin typeface="Times New Roman" panose="02020603050405020304" pitchFamily="18" charset="0"/>
+                <a:cs typeface="Times New Roman" panose="02020603050405020304" pitchFamily="18" charset="0"/>
+              </a:rPr>
+              <a:t>tài</a:t>
+            </a:r>
+            <a:endParaRPr lang="en-US" sz="2800" dirty="0">
+              <a:latin typeface="Times New Roman" panose="02020603050405020304" pitchFamily="18" charset="0"/>
+              <a:cs typeface="Times New Roman" panose="02020603050405020304" pitchFamily="18" charset="0"/>
+            </a:endParaRPr>
+          </a:p>
+          <a:p>
+            <a:pPr marL="800100" lvl="1" indent="-342900">
+              <a:buAutoNum type="alphaLcPeriod"/>
+            </a:pPr>
+            <a:r>
+              <a:rPr lang="en-US" sz="2800" dirty="0" err="1">
+                <a:latin typeface="Times New Roman" panose="02020603050405020304" pitchFamily="18" charset="0"/>
+                <a:cs typeface="Times New Roman" panose="02020603050405020304" pitchFamily="18" charset="0"/>
+              </a:rPr>
+              <a:t>Các</a:t>
+            </a:r>
+            <a:r>
+              <a:rPr lang="en-US" sz="2800" dirty="0">
+                <a:latin typeface="Times New Roman" panose="02020603050405020304" pitchFamily="18" charset="0"/>
+                <a:cs typeface="Times New Roman" panose="02020603050405020304" pitchFamily="18" charset="0"/>
+              </a:rPr>
+              <a:t> form, class và chức năng</a:t>
+            </a:r>
+          </a:p>
+        </p:txBody>
+      </p:sp>
+    </p:spTree>
+    <p:extLst>
+      <p:ext uri="{BB962C8B-B14F-4D97-AF65-F5344CB8AC3E}">
+        <p14:creationId xmlns:p14="http://schemas.microsoft.com/office/powerpoint/2010/main" val="1536862267"/>
+      </p:ext>
+    </p:extLst>
+  </p:cSld>
+  <p:clrMapOvr>
+    <a:masterClrMapping/>
+  </p:clrMapOvr>
+  <p:transition spd="slow">
+    <p:wipe/>
+  </p:transition>
+  <p:timing>
+    <p:tnLst>
+      <p:par>
+        <p:cTn id="1" dur="indefinite" restart="never" nodeType="tmRoot">
+          <p:childTnLst>
+            <p:seq concurrent="1" nextAc="seek">
+              <p:cTn id="2" dur="indefinite" nodeType="mainSeq">
+                <p:childTnLst>
                   <p:par>
-                    <p:cTn id="23" fill="hold">
+                    <p:cTn id="3" fill="hold">
                       <p:stCondLst>
                         <p:cond delay="indefinite"/>
                       </p:stCondLst>
                       <p:childTnLst>
                         <p:par>
-                          <p:cTn id="24" fill="hold">
+                          <p:cTn id="4" fill="hold">
                             <p:stCondLst>
                               <p:cond delay="0"/>
                             </p:stCondLst>
                             <p:childTnLst>
                               <p:par>
-                                <p:cTn id="25" presetID="22" presetClass="entr" presetSubtype="4" fill="hold" grpId="0" nodeType="clickEffect">
+                                <p:cTn id="5" presetID="16" presetClass="entr" presetSubtype="21" fill="hold" grpId="0" nodeType="clickEffect">
                                   <p:stCondLst>
                                     <p:cond delay="0"/>
                                   </p:stCondLst>
                                   <p:childTnLst>
                                     <p:set>
                                       <p:cBhvr>
-                                        <p:cTn id="26" dur="1" fill="hold">
+                                        <p:cTn id="6" dur="1" fill="hold">
+                                          <p:stCondLst>
+                                            <p:cond delay="0"/>
+                                          </p:stCondLst>
+                                        </p:cTn>
+                                        <p:tgtEl>
+                                          <p:spTgt spid="8"/>
+                                        </p:tgtEl>
+                                        <p:attrNameLst>
+                                          <p:attrName>style.visibility</p:attrName>
+                                        </p:attrNameLst>
+                                      </p:cBhvr>
+                                      <p:to>
+                                        <p:strVal val="visible"/>
+                                      </p:to>
+                                    </p:set>
+                                    <p:animEffect transition="in" filter="barn(inVertical)">
+                                      <p:cBhvr>
+                                        <p:cTn id="7" dur="500"/>
+                                        <p:tgtEl>
+                                          <p:spTgt spid="8"/>
+                                        </p:tgtEl>
+                                      </p:cBhvr>
+                                    </p:animEffect>
+                                  </p:childTnLst>
+                                </p:cTn>
+                              </p:par>
+                            </p:childTnLst>
+                          </p:cTn>
+                        </p:par>
+                      </p:childTnLst>
+                    </p:cTn>
+                  </p:par>
+                  <p:par>
+                    <p:cTn id="8" fill="hold">
+                      <p:stCondLst>
+                        <p:cond delay="indefinite"/>
+                      </p:stCondLst>
+                      <p:childTnLst>
+                        <p:par>
+                          <p:cTn id="9" fill="hold">
+                            <p:stCondLst>
+                              <p:cond delay="0"/>
+                            </p:stCondLst>
+                            <p:childTnLst>
+                              <p:par>
+                                <p:cTn id="10" presetID="2" presetClass="entr" presetSubtype="4" fill="hold" nodeType="clickEffect">
+                                  <p:stCondLst>
+                                    <p:cond delay="0"/>
+                                  </p:stCondLst>
+                                  <p:childTnLst>
+                                    <p:set>
+                                      <p:cBhvr>
+                                        <p:cTn id="11" dur="1" fill="hold">
                                           <p:stCondLst>
                                             <p:cond delay="0"/>
                                           </p:stCondLst>
@@ -9915,14 +12114,52 @@
                                         <p:strVal val="visible"/>
                                       </p:to>
                                     </p:set>
-                                    <p:animEffect transition="in" filter="wipe(down)">
-                                      <p:cBhvr>
-                                        <p:cTn id="27" dur="500"/>
+                                    <p:anim calcmode="lin" valueType="num">
+                                      <p:cBhvr additive="base">
+                                        <p:cTn id="12" dur="500" fill="hold"/>
                                         <p:tgtEl>
                                           <p:spTgt spid="7"/>
                                         </p:tgtEl>
+                                        <p:attrNameLst>
+                                          <p:attrName>ppt_x</p:attrName>
+                                        </p:attrNameLst>
                                       </p:cBhvr>
-                                    </p:animEffect>
+                                      <p:tavLst>
+                                        <p:tav tm="0">
+                                          <p:val>
+                                            <p:strVal val="#ppt_x"/>
+                                          </p:val>
+                                        </p:tav>
+                                        <p:tav tm="100000">
+                                          <p:val>
+                                            <p:strVal val="#ppt_x"/>
+                                          </p:val>
+                                        </p:tav>
+                                      </p:tavLst>
+                                    </p:anim>
+                                    <p:anim calcmode="lin" valueType="num">
+                                      <p:cBhvr additive="base">
+                                        <p:cTn id="13" dur="500" fill="hold"/>
+                                        <p:tgtEl>
+                                          <p:spTgt spid="7"/>
+                                        </p:tgtEl>
+                                        <p:attrNameLst>
+                                          <p:attrName>ppt_y</p:attrName>
+                                        </p:attrNameLst>
+                                      </p:cBhvr>
+                                      <p:tavLst>
+                                        <p:tav tm="0">
+                                          <p:val>
+                                            <p:strVal val="1+#ppt_h/2"/>
+                                          </p:val>
+                                        </p:tav>
+                                        <p:tav tm="100000">
+                                          <p:val>
+                                            <p:strVal val="#ppt_y"/>
+                                          </p:val>
+                                        </p:tav>
+                                      </p:tavLst>
+                                    </p:anim>
                                   </p:childTnLst>
                                 </p:cTn>
                               </p:par>
@@ -9954,150 +12191,8 @@
       </p:par>
     </p:tnLst>
     <p:bldLst>
-      <p:bldP spid="7" grpId="0"/>
+      <p:bldP spid="8" grpId="0"/>
     </p:bldLst>
-  </p:timing>
-</p:sld>
-</file>
-
-<file path=ppt/slides/slide9.xml><?xml version="1.0" encoding="utf-8"?>
-<p:sld xmlns:a="http://schemas.openxmlformats.org/drawingml/2006/main" xmlns:r="http://schemas.openxmlformats.org/officeDocument/2006/relationships" xmlns:p="http://schemas.openxmlformats.org/presentationml/2006/main">
-  <p:cSld>
-    <p:spTree>
-      <p:nvGrpSpPr>
-        <p:cNvPr id="1" name=""/>
-        <p:cNvGrpSpPr/>
-        <p:nvPr/>
-      </p:nvGrpSpPr>
-      <p:grpSpPr>
-        <a:xfrm>
-          <a:off x="0" y="0"/>
-          <a:ext cx="0" cy="0"/>
-          <a:chOff x="0" y="0"/>
-          <a:chExt cx="0" cy="0"/>
-        </a:xfrm>
-      </p:grpSpPr>
-      <p:sp>
-        <p:nvSpPr>
-          <p:cNvPr id="5" name="TextBox 4"/>
-          <p:cNvSpPr txBox="1"/>
-          <p:nvPr/>
-        </p:nvSpPr>
-        <p:spPr>
-          <a:xfrm>
-            <a:off x="1054100" y="863600"/>
-            <a:ext cx="5575300" cy="923330"/>
-          </a:xfrm>
-          <a:prstGeom prst="rect">
-            <a:avLst/>
-          </a:prstGeom>
-          <a:noFill/>
-        </p:spPr>
-        <p:txBody>
-          <a:bodyPr wrap="square" rtlCol="0">
-            <a:spAutoFit/>
-          </a:bodyPr>
-          <a:lstStyle/>
-          <a:p>
-            <a:pPr marL="342900" indent="-342900">
-              <a:buAutoNum type="arabicPeriod"/>
-            </a:pPr>
-            <a:r>
-              <a:rPr lang="en-US" dirty="0" smtClean="0"/>
-              <a:t>Tổng quan đề tài</a:t>
-            </a:r>
-          </a:p>
-          <a:p>
-            <a:pPr marL="342900" indent="-342900">
-              <a:buAutoNum type="alphaLcPeriod"/>
-            </a:pPr>
-            <a:r>
-              <a:rPr lang="en-US" dirty="0" smtClean="0"/>
-              <a:t>Giới thiệu đề tài</a:t>
-            </a:r>
-          </a:p>
-          <a:p>
-            <a:pPr marL="342900" indent="-342900">
-              <a:buFontTx/>
-              <a:buAutoNum type="alphaLcPeriod"/>
-            </a:pPr>
-            <a:r>
-              <a:rPr lang="en-US" dirty="0" smtClean="0"/>
-              <a:t>Các form, class và chức năng</a:t>
-            </a:r>
-          </a:p>
-        </p:txBody>
-      </p:sp>
-      <p:sp>
-        <p:nvSpPr>
-          <p:cNvPr id="6" name="TextBox 5"/>
-          <p:cNvSpPr txBox="1"/>
-          <p:nvPr/>
-        </p:nvSpPr>
-        <p:spPr>
-          <a:xfrm>
-            <a:off x="1282700" y="1786930"/>
-            <a:ext cx="3035300" cy="369332"/>
-          </a:xfrm>
-          <a:prstGeom prst="rect">
-            <a:avLst/>
-          </a:prstGeom>
-          <a:noFill/>
-        </p:spPr>
-        <p:txBody>
-          <a:bodyPr wrap="square" rtlCol="0">
-            <a:spAutoFit/>
-          </a:bodyPr>
-          <a:lstStyle/>
-          <a:p>
-            <a:r>
-              <a:rPr lang="en-US" dirty="0" smtClean="0"/>
-              <a:t>Các class</a:t>
-            </a:r>
-            <a:endParaRPr lang="en-US" dirty="0"/>
-          </a:p>
-        </p:txBody>
-      </p:sp>
-      <p:pic>
-        <p:nvPicPr>
-          <p:cNvPr id="7" name="Picture 6"/>
-          <p:cNvPicPr>
-            <a:picLocks noChangeAspect="1"/>
-          </p:cNvPicPr>
-          <p:nvPr/>
-        </p:nvPicPr>
-        <p:blipFill>
-          <a:blip r:embed="rId2"/>
-          <a:stretch>
-            <a:fillRect/>
-          </a:stretch>
-        </p:blipFill>
-        <p:spPr>
-          <a:xfrm>
-            <a:off x="5105400" y="2366962"/>
-            <a:ext cx="1981200" cy="2124075"/>
-          </a:xfrm>
-          <a:prstGeom prst="rect">
-            <a:avLst/>
-          </a:prstGeom>
-        </p:spPr>
-      </p:pic>
-    </p:spTree>
-    <p:extLst>
-      <p:ext uri="{BB962C8B-B14F-4D97-AF65-F5344CB8AC3E}">
-        <p14:creationId xmlns:p14="http://schemas.microsoft.com/office/powerpoint/2010/main" val="1536862267"/>
-      </p:ext>
-    </p:extLst>
-  </p:cSld>
-  <p:clrMapOvr>
-    <a:masterClrMapping/>
-  </p:clrMapOvr>
-  <p:timing>
-    <p:tnLst>
-      <p:par>
-        <p:cTn id="1" dur="indefinite" restart="never" nodeType="tmRoot"/>
-      </p:par>
-    </p:tnLst>
   </p:timing>
 </p:sld>
 </file>

--- a/doan1.pptx
+++ b/doan1.pptx
@@ -16,6 +16,7 @@
     <p:sldId id="260" r:id="rId10"/>
     <p:sldId id="265" r:id="rId11"/>
     <p:sldId id="266" r:id="rId12"/>
+    <p:sldId id="267" r:id="rId13"/>
   </p:sldIdLst>
   <p:sldSz cx="12192000" cy="6858000"/>
   <p:notesSz cx="6858000" cy="9144000"/>
@@ -5996,13 +5997,13 @@
   <p:clrMapOvr>
     <a:masterClrMapping/>
   </p:clrMapOvr>
-  <mc:AlternateContent xmlns:mc="http://schemas.openxmlformats.org/markup-compatibility/2006">
-    <mc:Choice xmlns:p14="http://schemas.microsoft.com/office/powerpoint/2010/main" Requires="p14">
+  <mc:AlternateContent xmlns:mc="http://schemas.openxmlformats.org/markup-compatibility/2006" xmlns:p14="http://schemas.microsoft.com/office/powerpoint/2010/main">
+    <mc:Choice Requires="p14">
       <p:transition spd="slow" p14:dur="1500">
         <p:split orient="vert"/>
       </p:transition>
     </mc:Choice>
-    <mc:Fallback>
+    <mc:Fallback xmlns="">
       <p:transition spd="slow">
         <p:split orient="vert"/>
       </p:transition>
@@ -8022,6 +8023,95 @@
       </p:par>
     </p:tnLst>
   </p:timing>
+</p:sld>
+</file>
+
+<file path=ppt/slides/slide12.xml><?xml version="1.0" encoding="utf-8"?>
+<p:sld xmlns:a="http://schemas.openxmlformats.org/drawingml/2006/main" xmlns:r="http://schemas.openxmlformats.org/officeDocument/2006/relationships" xmlns:p="http://schemas.openxmlformats.org/presentationml/2006/main">
+  <p:cSld>
+    <p:spTree>
+      <p:nvGrpSpPr>
+        <p:cNvPr id="1" name=""/>
+        <p:cNvGrpSpPr/>
+        <p:nvPr/>
+      </p:nvGrpSpPr>
+      <p:grpSpPr>
+        <a:xfrm>
+          <a:off x="0" y="0"/>
+          <a:ext cx="0" cy="0"/>
+          <a:chOff x="0" y="0"/>
+          <a:chExt cx="0" cy="0"/>
+        </a:xfrm>
+      </p:grpSpPr>
+      <p:pic>
+        <p:nvPicPr>
+          <p:cNvPr id="1026" name="Picture 2" descr="Kết quả hình ảnh cho thanks you for watching">
+            <a:extLst>
+              <a:ext uri="{FF2B5EF4-FFF2-40B4-BE49-F238E27FC236}">
+                <a16:creationId xmlns:a16="http://schemas.microsoft.com/office/drawing/2014/main" id="{2C3F63CE-141E-42BC-9870-8385CEE5F36D}"/>
+              </a:ext>
+            </a:extLst>
+          </p:cNvPr>
+          <p:cNvPicPr>
+            <a:picLocks noChangeAspect="1" noChangeArrowheads="1" noCrop="1"/>
+          </p:cNvPicPr>
+          <p:nvPr/>
+        </p:nvPicPr>
+        <p:blipFill>
+          <a:blip r:embed="rId2">
+            <a:extLst>
+              <a:ext uri="{28A0092B-C50C-407E-A947-70E740481C1C}">
+                <a14:useLocalDpi xmlns:a14="http://schemas.microsoft.com/office/drawing/2010/main" val="0"/>
+              </a:ext>
+            </a:extLst>
+          </a:blip>
+          <a:srcRect/>
+          <a:stretch>
+            <a:fillRect/>
+          </a:stretch>
+        </p:blipFill>
+        <p:spPr bwMode="auto">
+          <a:xfrm>
+            <a:off x="1762540" y="1007579"/>
+            <a:ext cx="5936974" cy="4164496"/>
+          </a:xfrm>
+          <a:prstGeom prst="rect">
+            <a:avLst/>
+          </a:prstGeom>
+          <a:noFill/>
+          <a:extLst>
+            <a:ext uri="{909E8E84-426E-40DD-AFC4-6F175D3DCCD1}">
+              <a14:hiddenFill xmlns:a14="http://schemas.microsoft.com/office/drawing/2010/main">
+                <a:solidFill>
+                  <a:srgbClr val="FFFFFF"/>
+                </a:solidFill>
+              </a14:hiddenFill>
+            </a:ext>
+          </a:extLst>
+        </p:spPr>
+      </p:pic>
+    </p:spTree>
+    <p:extLst>
+      <p:ext uri="{BB962C8B-B14F-4D97-AF65-F5344CB8AC3E}">
+        <p14:creationId xmlns:p14="http://schemas.microsoft.com/office/powerpoint/2010/main" val="3262801050"/>
+      </p:ext>
+    </p:extLst>
+  </p:cSld>
+  <p:clrMapOvr>
+    <a:masterClrMapping/>
+  </p:clrMapOvr>
+  <mc:AlternateContent xmlns:mc="http://schemas.openxmlformats.org/markup-compatibility/2006">
+    <mc:Choice xmlns:p15="http://schemas.microsoft.com/office/powerpoint/2012/main" Requires="p15">
+      <p:transition xmlns:p14="http://schemas.microsoft.com/office/powerpoint/2010/main" spd="slow" p14:dur="2000">
+        <p15:prstTrans prst="fallOver"/>
+      </p:transition>
+    </mc:Choice>
+    <mc:Fallback>
+      <p:transition spd="slow">
+        <p:fade/>
+      </p:transition>
+    </mc:Fallback>
+  </mc:AlternateContent>
 </p:sld>
 </file>
 

--- a/doan1.pptx
+++ b/doan1.pptx
@@ -845,7 +845,7 @@
           <a:p>
             <a:fld id="{80B32669-2426-4245-A2D4-59376327847B}" type="datetimeFigureOut">
               <a:rPr lang="en-US" smtClean="0"/>
-              <a:t>11/8/2019</a:t>
+              <a:t>13/11/2019</a:t>
             </a:fld>
             <a:endParaRPr lang="en-US"/>
           </a:p>
@@ -1096,7 +1096,7 @@
           <a:p>
             <a:fld id="{80B32669-2426-4245-A2D4-59376327847B}" type="datetimeFigureOut">
               <a:rPr lang="en-US" smtClean="0"/>
-              <a:t>11/8/2019</a:t>
+              <a:t>13/11/2019</a:t>
             </a:fld>
             <a:endParaRPr lang="en-US"/>
           </a:p>
@@ -1410,7 +1410,7 @@
           <a:p>
             <a:fld id="{80B32669-2426-4245-A2D4-59376327847B}" type="datetimeFigureOut">
               <a:rPr lang="en-US" smtClean="0"/>
-              <a:t>11/8/2019</a:t>
+              <a:t>13/11/2019</a:t>
             </a:fld>
             <a:endParaRPr lang="en-US"/>
           </a:p>
@@ -1751,7 +1751,7 @@
           <a:p>
             <a:fld id="{80B32669-2426-4245-A2D4-59376327847B}" type="datetimeFigureOut">
               <a:rPr lang="en-US" smtClean="0"/>
-              <a:t>11/8/2019</a:t>
+              <a:t>13/11/2019</a:t>
             </a:fld>
             <a:endParaRPr lang="en-US"/>
           </a:p>
@@ -2065,7 +2065,7 @@
           <a:p>
             <a:fld id="{80B32669-2426-4245-A2D4-59376327847B}" type="datetimeFigureOut">
               <a:rPr lang="en-US" smtClean="0"/>
-              <a:t>11/8/2019</a:t>
+              <a:t>13/11/2019</a:t>
             </a:fld>
             <a:endParaRPr lang="en-US"/>
           </a:p>
@@ -2458,7 +2458,7 @@
           <a:p>
             <a:fld id="{80B32669-2426-4245-A2D4-59376327847B}" type="datetimeFigureOut">
               <a:rPr lang="en-US" smtClean="0"/>
-              <a:t>11/8/2019</a:t>
+              <a:t>13/11/2019</a:t>
             </a:fld>
             <a:endParaRPr lang="en-US"/>
           </a:p>
@@ -2628,7 +2628,7 @@
           <a:p>
             <a:fld id="{80B32669-2426-4245-A2D4-59376327847B}" type="datetimeFigureOut">
               <a:rPr lang="en-US" smtClean="0"/>
-              <a:t>11/8/2019</a:t>
+              <a:t>13/11/2019</a:t>
             </a:fld>
             <a:endParaRPr lang="en-US"/>
           </a:p>
@@ -2808,7 +2808,7 @@
           <a:p>
             <a:fld id="{80B32669-2426-4245-A2D4-59376327847B}" type="datetimeFigureOut">
               <a:rPr lang="en-US" smtClean="0"/>
-              <a:t>11/8/2019</a:t>
+              <a:t>13/11/2019</a:t>
             </a:fld>
             <a:endParaRPr lang="en-US"/>
           </a:p>
@@ -2984,7 +2984,7 @@
           <a:p>
             <a:fld id="{80B32669-2426-4245-A2D4-59376327847B}" type="datetimeFigureOut">
               <a:rPr lang="en-US" smtClean="0"/>
-              <a:t>11/8/2019</a:t>
+              <a:t>13/11/2019</a:t>
             </a:fld>
             <a:endParaRPr lang="en-US"/>
           </a:p>
@@ -3231,7 +3231,7 @@
           <a:p>
             <a:fld id="{80B32669-2426-4245-A2D4-59376327847B}" type="datetimeFigureOut">
               <a:rPr lang="en-US" smtClean="0"/>
-              <a:t>11/8/2019</a:t>
+              <a:t>13/11/2019</a:t>
             </a:fld>
             <a:endParaRPr lang="en-US"/>
           </a:p>
@@ -3463,7 +3463,7 @@
           <a:p>
             <a:fld id="{80B32669-2426-4245-A2D4-59376327847B}" type="datetimeFigureOut">
               <a:rPr lang="en-US" smtClean="0"/>
-              <a:t>11/8/2019</a:t>
+              <a:t>13/11/2019</a:t>
             </a:fld>
             <a:endParaRPr lang="en-US"/>
           </a:p>
@@ -3837,7 +3837,7 @@
           <a:p>
             <a:fld id="{80B32669-2426-4245-A2D4-59376327847B}" type="datetimeFigureOut">
               <a:rPr lang="en-US" smtClean="0"/>
-              <a:t>11/8/2019</a:t>
+              <a:t>13/11/2019</a:t>
             </a:fld>
             <a:endParaRPr lang="en-US"/>
           </a:p>
@@ -3960,7 +3960,7 @@
           <a:p>
             <a:fld id="{80B32669-2426-4245-A2D4-59376327847B}" type="datetimeFigureOut">
               <a:rPr lang="en-US" smtClean="0"/>
-              <a:t>11/8/2019</a:t>
+              <a:t>13/11/2019</a:t>
             </a:fld>
             <a:endParaRPr lang="en-US"/>
           </a:p>
@@ -4055,7 +4055,7 @@
           <a:p>
             <a:fld id="{80B32669-2426-4245-A2D4-59376327847B}" type="datetimeFigureOut">
               <a:rPr lang="en-US" smtClean="0"/>
-              <a:t>11/8/2019</a:t>
+              <a:t>13/11/2019</a:t>
             </a:fld>
             <a:endParaRPr lang="en-US"/>
           </a:p>
@@ -4310,7 +4310,7 @@
           <a:p>
             <a:fld id="{80B32669-2426-4245-A2D4-59376327847B}" type="datetimeFigureOut">
               <a:rPr lang="en-US" smtClean="0"/>
-              <a:t>11/8/2019</a:t>
+              <a:t>13/11/2019</a:t>
             </a:fld>
             <a:endParaRPr lang="en-US"/>
           </a:p>
@@ -4573,7 +4573,7 @@
           <a:p>
             <a:fld id="{80B32669-2426-4245-A2D4-59376327847B}" type="datetimeFigureOut">
               <a:rPr lang="en-US" smtClean="0"/>
-              <a:t>11/8/2019</a:t>
+              <a:t>13/11/2019</a:t>
             </a:fld>
             <a:endParaRPr lang="en-US"/>
           </a:p>
@@ -5316,7 +5316,7 @@
           <a:p>
             <a:fld id="{80B32669-2426-4245-A2D4-59376327847B}" type="datetimeFigureOut">
               <a:rPr lang="en-US" smtClean="0"/>
-              <a:t>11/8/2019</a:t>
+              <a:t>13/11/2019</a:t>
             </a:fld>
             <a:endParaRPr lang="en-US"/>
           </a:p>
@@ -5893,7 +5893,7 @@
         </p:nvSpPr>
         <p:spPr>
           <a:xfrm>
-            <a:off x="902828" y="3630052"/>
+            <a:off x="1067928" y="2296552"/>
             <a:ext cx="6018663" cy="1508105"/>
           </a:xfrm>
           <a:prstGeom prst="rect">
@@ -5947,7 +5947,7 @@
         </p:nvSpPr>
         <p:spPr>
           <a:xfrm>
-            <a:off x="902828" y="2552834"/>
+            <a:off x="1067928" y="4187939"/>
             <a:ext cx="4948355" cy="1077218"/>
           </a:xfrm>
           <a:prstGeom prst="rect">
@@ -8100,13 +8100,13 @@
   <p:clrMapOvr>
     <a:masterClrMapping/>
   </p:clrMapOvr>
-  <mc:AlternateContent xmlns:mc="http://schemas.openxmlformats.org/markup-compatibility/2006">
-    <mc:Choice xmlns:p15="http://schemas.microsoft.com/office/powerpoint/2012/main" Requires="p15">
+  <mc:AlternateContent xmlns:mc="http://schemas.openxmlformats.org/markup-compatibility/2006" xmlns:p15="http://schemas.microsoft.com/office/powerpoint/2012/main">
+    <mc:Choice Requires="p15">
       <p:transition xmlns:p14="http://schemas.microsoft.com/office/powerpoint/2010/main" spd="slow" p14:dur="2000">
         <p15:prstTrans prst="fallOver"/>
       </p:transition>
     </mc:Choice>
-    <mc:Fallback>
+    <mc:Fallback xmlns="">
       <p:transition spd="slow">
         <p:fade/>
       </p:transition>
